--- a/help/data-sheets/assets/DMeBusinessSupportDatasheet_2022.pptx
+++ b/help/data-sheets/assets/DMeBusinessSupportDatasheet_2022.pptx
@@ -432,41 +432,6 @@
 </pc:chgInfo>
 </file>
 
-<file path=ppt/comments/modernComment_105_3E964E31.xml><?xml version="1.0" encoding="utf-8"?>
-<p188:cmLst xmlns:a="http://schemas.openxmlformats.org/drawingml/2006/main" xmlns:r="http://schemas.openxmlformats.org/officeDocument/2006/relationships" xmlns:p188="http://schemas.microsoft.com/office/powerpoint/2018/8/main">
-  <p188:cm id="{71667EB1-1D95-4194-9107-42D8CF943CA0}" authorId="{DB1A11B9-3973-06DC-DBC2-EFEFEF087FED}" created="2022-02-09T19:19:31.362">
-    <pc:sldMkLst xmlns:pc="http://schemas.microsoft.com/office/powerpoint/2013/main/command">
-      <pc:docMk/>
-      <pc:sldMk cId="1050037809" sldId="261"/>
-    </pc:sldMkLst>
-    <p188:replyLst>
-      <p188:reply id="{A4AD3427-FF77-4841-BB89-DE3448FC5319}" authorId="{D376325D-2BBD-24A3-9FEE-692465B927D5}" created="2022-02-10T15:57:01.008">
-        <p188:txBody>
-          <a:bodyPr/>
-          <a:lstStyle/>
-          <a:p>
-            <a:r>
-              <a:rPr lang="en-US"/>
-              <a:t>Updated. </a:t>
-            </a:r>
-          </a:p>
-        </p188:txBody>
-      </p188:reply>
-    </p188:replyLst>
-    <p188:txBody>
-      <a:bodyPr/>
-      <a:lstStyle/>
-      <a:p>
-        <a:r>
-          <a:rPr lang="en-US"/>
-          <a:t>[@Jaclyn Zalesky]  change from Experience League to Enterprise Learn &amp; Support https://helpx.adobe.com/enterprise.html</a:t>
-        </a:r>
-      </a:p>
-    </p188:txBody>
-  </p188:cm>
-</p188:cmLst>
-</file>
-
 <file path=ppt/notesMasters/notesMaster1.xml><?xml version="1.0" encoding="utf-8"?>
 <p:notesMaster xmlns:a="http://schemas.openxmlformats.org/drawingml/2006/main" xmlns:r="http://schemas.openxmlformats.org/officeDocument/2006/relationships" xmlns:p="http://schemas.openxmlformats.org/presentationml/2006/main">
   <p:cSld>
@@ -549,7 +514,7 @@
           <a:p>
             <a:fld id="{FB81873C-0B24-F04A-98A1-90E0A78F7E8A}" type="datetimeFigureOut">
               <a:rPr lang="en-US" smtClean="0"/>
-              <a:t>3/3/2022</a:t>
+              <a:t>3/24/2022</a:t>
             </a:fld>
             <a:endParaRPr lang="en-US"/>
           </a:p>
@@ -1172,7 +1137,7 @@
           <a:p>
             <a:fld id="{1D8BD707-D9CF-40AE-B4C6-C98DA3205C09}" type="datetimeFigureOut">
               <a:rPr lang="en-US"/>
-              <a:t>3/3/2022</a:t>
+              <a:t>3/24/2022</a:t>
             </a:fld>
             <a:endParaRPr lang="en-US"/>
           </a:p>
@@ -1334,7 +1299,7 @@
           <a:p>
             <a:fld id="{1D8BD707-D9CF-40AE-B4C6-C98DA3205C09}" type="datetimeFigureOut">
               <a:rPr lang="en-US"/>
-              <a:t>3/3/2022</a:t>
+              <a:t>3/24/2022</a:t>
             </a:fld>
             <a:endParaRPr lang="en-US"/>
           </a:p>
@@ -1652,7 +1617,7 @@
           <a:p>
             <a:fld id="{1D8BD707-D9CF-40AE-B4C6-C98DA3205C09}" type="datetimeFigureOut">
               <a:rPr lang="en-US"/>
-              <a:t>3/3/2022</a:t>
+              <a:t>3/24/2022</a:t>
             </a:fld>
             <a:endParaRPr lang="en-US"/>
           </a:p>
@@ -1898,7 +1863,7 @@
               </a:spcBef>
             </a:pPr>
             <a:r>
-              <a:rPr sz="1400" b="1" u="heavy" spc="10" dirty="0">
+              <a:rPr lang="de-DE" sz="1400" b="1" u="heavy" dirty="0">
                 <a:solidFill>
                   <a:srgbClr val="020302"/>
                 </a:solidFill>
@@ -1910,87 +1875,8 @@
                 <a:latin typeface="Adobe Clean"/>
                 <a:cs typeface="Adobe Clean"/>
               </a:rPr>
-              <a:t>Service </a:t>
+              <a:t>Service-Level-Ziele: Erste Reaktion</a:t>
             </a:r>
-            <a:r>
-              <a:rPr sz="1400" b="1" u="heavy" spc="-10" dirty="0">
-                <a:solidFill>
-                  <a:srgbClr val="020302"/>
-                </a:solidFill>
-                <a:uFill>
-                  <a:solidFill>
-                    <a:srgbClr val="020302"/>
-                  </a:solidFill>
-                </a:uFill>
-                <a:latin typeface="Adobe Clean"/>
-                <a:cs typeface="Adobe Clean"/>
-              </a:rPr>
-              <a:t>Level </a:t>
-            </a:r>
-            <a:r>
-              <a:rPr sz="1400" b="1" u="heavy" spc="-45" dirty="0">
-                <a:solidFill>
-                  <a:srgbClr val="020302"/>
-                </a:solidFill>
-                <a:uFill>
-                  <a:solidFill>
-                    <a:srgbClr val="020302"/>
-                  </a:solidFill>
-                </a:uFill>
-                <a:latin typeface="Adobe Clean"/>
-                <a:cs typeface="Adobe Clean"/>
-              </a:rPr>
-              <a:t>Targets: </a:t>
-            </a:r>
-            <a:r>
-              <a:rPr sz="1400" b="1" u="heavy" spc="-10" dirty="0">
-                <a:solidFill>
-                  <a:srgbClr val="020302"/>
-                </a:solidFill>
-                <a:uFill>
-                  <a:solidFill>
-                    <a:srgbClr val="020302"/>
-                  </a:solidFill>
-                </a:uFill>
-                <a:latin typeface="Adobe Clean"/>
-                <a:cs typeface="Adobe Clean"/>
-              </a:rPr>
-              <a:t>Initial</a:t>
-            </a:r>
-            <a:r>
-              <a:rPr sz="1400" b="1" u="heavy" spc="-140" dirty="0">
-                <a:solidFill>
-                  <a:srgbClr val="020302"/>
-                </a:solidFill>
-                <a:uFill>
-                  <a:solidFill>
-                    <a:srgbClr val="020302"/>
-                  </a:solidFill>
-                </a:uFill>
-                <a:latin typeface="Adobe Clean"/>
-                <a:cs typeface="Adobe Clean"/>
-              </a:rPr>
-              <a:t> </a:t>
-            </a:r>
-            <a:r>
-              <a:rPr sz="1400" b="1" u="heavy" spc="-15" dirty="0">
-                <a:solidFill>
-                  <a:srgbClr val="020302"/>
-                </a:solidFill>
-                <a:uFill>
-                  <a:solidFill>
-                    <a:srgbClr val="020302"/>
-                  </a:solidFill>
-                </a:uFill>
-                <a:latin typeface="Adobe Clean"/>
-                <a:cs typeface="Adobe Clean"/>
-              </a:rPr>
-              <a:t>Response</a:t>
-            </a:r>
-            <a:endParaRPr sz="1400" dirty="0">
-              <a:latin typeface="Adobe Clean"/>
-              <a:cs typeface="Adobe Clean"/>
-            </a:endParaRPr>
           </a:p>
         </p:txBody>
       </p:sp>
@@ -2057,20 +1943,11 @@
               </a:spcBef>
             </a:pPr>
             <a:r>
-              <a:rPr sz="2300" dirty="0">
+              <a:rPr lang="de-DE" sz="2300">
                 <a:latin typeface="Adobe Clean" panose="020B0503020404020204" pitchFamily="34" charset="0"/>
               </a:rPr>
-              <a:t>ADOBE </a:t>
+              <a:t>SUPPORT-PAKETE VON ADOBE</a:t>
             </a:r>
-            <a:r>
-              <a:rPr lang="en-US" sz="2300" dirty="0">
-                <a:latin typeface="Adobe Clean" panose="020B0503020404020204" pitchFamily="34" charset="0"/>
-              </a:rPr>
-              <a:t>SUPPORT PLANS</a:t>
-            </a:r>
-            <a:endParaRPr sz="2300" dirty="0">
-              <a:latin typeface="Adobe Clean" panose="020B0503020404020204" pitchFamily="34" charset="0"/>
-            </a:endParaRPr>
           </a:p>
         </p:txBody>
       </p:sp>
@@ -2082,8 +1959,8 @@
         </p:nvSpPr>
         <p:spPr>
           <a:xfrm>
-            <a:off x="121147" y="635935"/>
-            <a:ext cx="5865216" cy="1281120"/>
+            <a:off x="121147" y="547680"/>
+            <a:ext cx="5865216" cy="1435008"/>
           </a:xfrm>
           <a:prstGeom prst="rect">
             <a:avLst/>
@@ -2104,7 +1981,7 @@
               </a:spcBef>
             </a:pPr>
             <a:r>
-              <a:rPr lang="en-US" sz="1200" dirty="0">
+              <a:rPr lang="de-DE" sz="1200" dirty="0">
                 <a:solidFill>
                   <a:schemeClr val="bg1"/>
                 </a:solidFill>
@@ -2113,7 +1990,7 @@
               <a:t>Standard | </a:t>
             </a:r>
             <a:r>
-              <a:rPr lang="en-US" sz="1200" b="1" dirty="0">
+              <a:rPr lang="de-DE" sz="1200" b="1" dirty="0">
                 <a:solidFill>
                   <a:schemeClr val="bg1"/>
                 </a:solidFill>
@@ -2122,7 +1999,7 @@
               <a:t>Business</a:t>
             </a:r>
             <a:r>
-              <a:rPr lang="en-US" sz="1200" dirty="0">
+              <a:rPr lang="de-DE" sz="1200" dirty="0">
                 <a:solidFill>
                   <a:schemeClr val="bg1"/>
                 </a:solidFill>
@@ -2141,21 +2018,31 @@
               </a:spcBef>
             </a:pPr>
             <a:r>
-              <a:rPr lang="en-US" sz="1000" dirty="0">
+              <a:rPr lang="de-DE" sz="1000" dirty="0">
                 <a:solidFill>
                   <a:schemeClr val="bg1"/>
                 </a:solidFill>
                 <a:latin typeface="Adobe Clean SemiLight"/>
               </a:rPr>
-              <a:t>Adobe provides a comprehensive range of technical resources to help support your business included as part of your Adobe enterprise subscription. This is enhanced with the BUSINESS support plan. BUSINESS support includes priority routing  for support cases to ensure faster connection to more senior support resources on submitted cases. BUSINESS customers also benefit from access to our technical support teams for any product query via either the telephone or the support web portal, to help protect your business at the most critical times. BUSINESS customers will be able to leverage their Account Support Lead for support case escalation management to receive regular communications and updates for your most critical of support requests.</a:t>
+              <a:t>Adobe bietet eine umfangreiche Palette an technischen Ressourcen zur Unterstützung Ihres Unternehmens. Diese sind Teil Ihres Adobe Enterprise-Abonnements. Dies wird durch den BUSINESS Support Plan ergänzt. </a:t>
             </a:r>
-            <a:endParaRPr lang="en-US" sz="1000" dirty="0">
-              <a:solidFill>
-                <a:schemeClr val="bg1"/>
-              </a:solidFill>
-              <a:latin typeface="Adobe Clean SemiLight"/>
-              <a:cs typeface="AdobeClean-Light"/>
-            </a:endParaRPr>
+            <a:br>
+              <a:rPr lang="de-DE" sz="1000" dirty="0">
+                <a:solidFill>
+                  <a:schemeClr val="bg1"/>
+                </a:solidFill>
+                <a:latin typeface="Adobe Clean SemiLight"/>
+              </a:rPr>
+            </a:br>
+            <a:r>
+              <a:rPr lang="de-DE" sz="1000" dirty="0">
+                <a:solidFill>
+                  <a:schemeClr val="bg1"/>
+                </a:solidFill>
+                <a:latin typeface="Adobe Clean SemiLight"/>
+              </a:rPr>
+              <a:t>Der BUSINESS-Support umfasst die vorrangige Weiterleitung von Support-Fällen, damit sie von erfahreneren Support-Mitarbeitern schneller bearbeitet werden. BUSINESS-Kunden haben außerdem die Möglichkeit, bei produktbezogenen Fragen unsere technischen Supportteams über Telefon oder das Support-Web-Portal zu kontaktieren. So ist Ihr Unternehmen in kritischen Zeiten geschützt. BUSINESS-Kunden können ihren Account Support Lead zum Eskalations-Management von Support-Fällen einsetzen, um regelmäßige Benachrichtigungen und Updates für ihre wichtigsten Support-Anfragen zu erhalten.</a:t>
+            </a:r>
           </a:p>
         </p:txBody>
       </p:sp>
@@ -2203,14 +2090,14 @@
           <p:nvPr>
             <p:extLst>
               <p:ext uri="{D42A27DB-BD31-4B8C-83A1-F6EECF244321}">
-                <p14:modId xmlns:p14="http://schemas.microsoft.com/office/powerpoint/2010/main" val="1922779486"/>
+                <p14:modId xmlns:p14="http://schemas.microsoft.com/office/powerpoint/2010/main" val="4123888412"/>
               </p:ext>
             </p:extLst>
           </p:nvPr>
         </p:nvGraphicFramePr>
         <p:xfrm>
-          <a:off x="127543" y="2074351"/>
-          <a:ext cx="7500377" cy="5042528"/>
+          <a:off x="127543" y="2074352"/>
+          <a:ext cx="7500377" cy="5086536"/>
         </p:xfrm>
         <a:graphic>
           <a:graphicData uri="http://schemas.openxmlformats.org/drawingml/2006/table">
@@ -2226,21 +2113,21 @@
                     </a:ext>
                   </a:extLst>
                 </a:gridCol>
-                <a:gridCol w="2251454">
+                <a:gridCol w="2702258">
                   <a:extLst>
                     <a:ext uri="{9D8B030D-6E8A-4147-A177-3AD203B41FA5}">
                       <a16:colId xmlns:a16="http://schemas.microsoft.com/office/drawing/2014/main" val="20001"/>
                     </a:ext>
                   </a:extLst>
                 </a:gridCol>
-                <a:gridCol w="1867662">
+                <a:gridCol w="1219200">
                   <a:extLst>
                     <a:ext uri="{9D8B030D-6E8A-4147-A177-3AD203B41FA5}">
                       <a16:colId xmlns:a16="http://schemas.microsoft.com/office/drawing/2014/main" val="2563521174"/>
                     </a:ext>
                   </a:extLst>
                 </a:gridCol>
-                <a:gridCol w="1867662">
+                <a:gridCol w="2065320">
                   <a:extLst>
                     <a:ext uri="{9D8B030D-6E8A-4147-A177-3AD203B41FA5}">
                       <a16:colId xmlns:a16="http://schemas.microsoft.com/office/drawing/2014/main" val="20003"/>
@@ -2248,7 +2135,7 @@
                   </a:extLst>
                 </a:gridCol>
               </a:tblGrid>
-              <a:tr h="264637">
+              <a:tr h="267625">
                 <a:tc gridSpan="2">
                   <a:txBody>
                     <a:bodyPr/>
@@ -2292,39 +2179,15 @@
                         <a:defRPr/>
                       </a:pPr>
                       <a:r>
-                        <a:rPr lang="en-US" sz="1200" spc="-20" dirty="0">
+                        <a:rPr lang="de-DE" sz="1200">
                           <a:solidFill>
                             <a:srgbClr val="404040"/>
                           </a:solidFill>
                           <a:latin typeface="Adobe Clean"/>
                           <a:cs typeface="Adobe Clean"/>
                         </a:rPr>
-                        <a:t>Standard </a:t>
+                        <a:t>Standard Support</a:t>
                       </a:r>
-                      <a:r>
-                        <a:rPr lang="en-US" sz="1200" spc="-135" dirty="0">
-                          <a:solidFill>
-                            <a:srgbClr val="404040"/>
-                          </a:solidFill>
-                          <a:latin typeface="Adobe Clean"/>
-                          <a:cs typeface="Adobe Clean"/>
-                        </a:rPr>
-                        <a:t> </a:t>
-                      </a:r>
-                      <a:r>
-                        <a:rPr lang="en-US" sz="1200" spc="-20" dirty="0">
-                          <a:solidFill>
-                            <a:srgbClr val="404040"/>
-                          </a:solidFill>
-                          <a:latin typeface="Adobe Clean"/>
-                          <a:cs typeface="Adobe Clean"/>
-                        </a:rPr>
-                        <a:t>Support</a:t>
-                      </a:r>
-                      <a:endParaRPr lang="en-US" sz="1200" dirty="0">
-                        <a:latin typeface="Adobe Clean"/>
-                        <a:cs typeface="Adobe Clean"/>
-                      </a:endParaRPr>
                     </a:p>
                   </a:txBody>
                   <a:tcPr marL="0" marR="0" marT="7620" marB="0" anchor="ctr">
@@ -2365,39 +2228,15 @@
                         </a:spcBef>
                       </a:pPr>
                       <a:r>
-                        <a:rPr sz="1200" spc="-20" dirty="0">
+                        <a:rPr lang="de-DE" sz="1200">
                           <a:solidFill>
                             <a:srgbClr val="FFFFFF"/>
                           </a:solidFill>
                           <a:latin typeface="Adobe Clean"/>
                           <a:cs typeface="Adobe Clean"/>
                         </a:rPr>
-                        <a:t>Business</a:t>
+                        <a:t>Business Support</a:t>
                       </a:r>
-                      <a:r>
-                        <a:rPr lang="en-US" sz="1200" spc="-20" dirty="0">
-                          <a:solidFill>
-                            <a:srgbClr val="FFFFFF"/>
-                          </a:solidFill>
-                          <a:latin typeface="Adobe Clean"/>
-                          <a:cs typeface="Adobe Clean"/>
-                        </a:rPr>
-                        <a:t> </a:t>
-                      </a:r>
-                      <a:r>
-                        <a:rPr sz="1200" spc="-20" dirty="0">
-                          <a:solidFill>
-                            <a:srgbClr val="FFFFFF"/>
-                          </a:solidFill>
-                          <a:latin typeface="Adobe Clean"/>
-                          <a:cs typeface="Adobe Clean"/>
-                        </a:rPr>
-                        <a:t>Support</a:t>
-                      </a:r>
-                      <a:endParaRPr sz="1200" dirty="0">
-                        <a:latin typeface="Adobe Clean"/>
-                        <a:cs typeface="Adobe Clean"/>
-                      </a:endParaRPr>
                     </a:p>
                   </a:txBody>
                   <a:tcPr marL="0" marR="0" marT="7620" marB="0" anchor="ctr">
@@ -2436,7 +2275,7 @@
                   </a:ext>
                 </a:extLst>
               </a:tr>
-              <a:tr h="264637">
+              <a:tr h="318328">
                 <a:tc gridSpan="2">
                   <a:txBody>
                     <a:bodyPr/>
@@ -2462,7 +2301,7 @@
                     <a:bodyPr/>
                     <a:lstStyle/>
                     <a:p>
-                      <a:pPr marL="0" marR="0" lvl="0" indent="0" algn="ctr" defTabSz="914400" eaLnBrk="1" fontAlgn="auto" latinLnBrk="0" hangingPunct="1">
+                      <a:pPr marL="0" marR="0" lvl="0" indent="0" algn="l" defTabSz="914400" rtl="0" eaLnBrk="1" fontAlgn="auto" latinLnBrk="0" hangingPunct="1">
                         <a:lnSpc>
                           <a:spcPct val="100000"/>
                         </a:lnSpc>
@@ -2530,7 +2369,7 @@
                           <a:spcPct val="100000"/>
                         </a:lnSpc>
                         <a:spcBef>
-                          <a:spcPts val="650"/>
+                          <a:spcPts val="0"/>
                         </a:spcBef>
                         <a:spcAft>
                           <a:spcPts val="0"/>
@@ -2543,13 +2382,22 @@
                         <a:defRPr/>
                       </a:pPr>
                       <a:r>
-                        <a:rPr lang="en-US" sz="1200" b="1" i="1" dirty="0">
+                        <a:rPr lang="de-DE" sz="1200" b="1" i="1" spc="0" baseline="0" dirty="0">
                           <a:solidFill>
                             <a:schemeClr val="bg1"/>
                           </a:solidFill>
                           <a:latin typeface="Adobe Clean" panose="020B0503020404020204" pitchFamily="34" charset="0"/>
                         </a:rPr>
-                        <a:t>Paid Support ($)</a:t>
+                        <a:t>Kostenpflichtiger Support </a:t>
+                      </a:r>
+                      <a:r>
+                        <a:rPr lang="de-DE" sz="1200" b="1" i="1" spc="0" dirty="0">
+                          <a:solidFill>
+                            <a:schemeClr val="bg1"/>
+                          </a:solidFill>
+                          <a:latin typeface="Adobe Clean" panose="020B0503020404020204" pitchFamily="34" charset="0"/>
+                        </a:rPr>
+                        <a:t>(€)</a:t>
                       </a:r>
                     </a:p>
                   </a:txBody>
@@ -2598,7 +2446,7 @@
                   </a:ext>
                 </a:extLst>
               </a:tr>
-              <a:tr h="234008">
+              <a:tr h="236650">
                 <a:tc rowSpan="3">
                   <a:txBody>
                     <a:bodyPr/>
@@ -2613,22 +2461,15 @@
                         </a:spcBef>
                       </a:pPr>
                       <a:r>
-                        <a:rPr lang="en-US" sz="1200" b="1" i="0" spc="0" dirty="0">
+                        <a:rPr lang="de-DE" sz="1200" b="1" i="0" dirty="0">
                           <a:solidFill>
                             <a:schemeClr val="bg1"/>
                           </a:solidFill>
                           <a:latin typeface="Adobe Clean"/>
                           <a:cs typeface="AdobeClean-Light"/>
                         </a:rPr>
-                        <a:t>Assigned Experts</a:t>
+                        <a:t>Zugewiesene Experten</a:t>
                       </a:r>
-                      <a:endParaRPr sz="1200" b="1" i="0" spc="0" dirty="0">
-                        <a:solidFill>
-                          <a:schemeClr val="bg1"/>
-                        </a:solidFill>
-                        <a:latin typeface="Adobe Clean"/>
-                        <a:cs typeface="AdobeClean-Light"/>
-                      </a:endParaRPr>
                     </a:p>
                   </a:txBody>
                   <a:tcPr marL="0" marR="0" marT="58419" marB="0" anchor="ctr">
@@ -2675,7 +2516,7 @@
                         </a:spcBef>
                       </a:pPr>
                       <a:r>
-                        <a:rPr sz="1100" b="0" i="0" spc="0" dirty="0">
+                        <a:rPr lang="de-DE" sz="1100" b="0" i="0">
                           <a:solidFill>
                             <a:srgbClr val="020302"/>
                           </a:solidFill>
@@ -2684,10 +2525,6 @@
                         </a:rPr>
                         <a:t>Account Support Lead</a:t>
                       </a:r>
-                      <a:endParaRPr sz="1100" b="0" i="0" spc="0" dirty="0">
-                        <a:latin typeface="Adobe Clean Light" panose="020B0303020404020204" pitchFamily="34" charset="0"/>
-                        <a:cs typeface="AdobeClean-Light"/>
-                      </a:endParaRPr>
                     </a:p>
                   </a:txBody>
                   <a:tcPr marL="0" marR="0" marT="58419" marB="0">
@@ -2722,7 +2559,7 @@
                     <a:bodyPr/>
                     <a:lstStyle/>
                     <a:p>
-                      <a:pPr algn="ctr">
+                      <a:pPr algn="l" rtl="0">
                         <a:lnSpc>
                           <a:spcPct val="100000"/>
                         </a:lnSpc>
@@ -2772,7 +2609,7 @@
                         </a:spcBef>
                       </a:pPr>
                       <a:r>
-                        <a:rPr sz="1200" dirty="0">
+                        <a:rPr lang="de-DE" sz="1200">
                           <a:solidFill>
                             <a:srgbClr val="020302"/>
                           </a:solidFill>
@@ -2781,10 +2618,6 @@
                         </a:rPr>
                         <a:t></a:t>
                       </a:r>
-                      <a:endParaRPr sz="1200" dirty="0">
-                        <a:latin typeface="Wingdings"/>
-                        <a:cs typeface="Wingdings"/>
-                      </a:endParaRPr>
                     </a:p>
                   </a:txBody>
                   <a:tcPr marL="0" marR="0" marT="59690" marB="0" anchor="ctr">
@@ -2810,13 +2643,13 @@
                   </a:ext>
                 </a:extLst>
               </a:tr>
-              <a:tr h="234008">
+              <a:tr h="236650">
                 <a:tc vMerge="1">
                   <a:txBody>
                     <a:bodyPr/>
                     <a:lstStyle/>
                     <a:p>
-                      <a:pPr marL="50800">
+                      <a:pPr marL="50800" algn="l" rtl="0">
                         <a:lnSpc>
                           <a:spcPct val="100000"/>
                         </a:lnSpc>
@@ -2846,19 +2679,15 @@
                         </a:spcBef>
                       </a:pPr>
                       <a:r>
-                        <a:rPr sz="1100" b="0" i="0" spc="0" dirty="0">
+                        <a:rPr lang="de-DE" sz="1100" b="0" i="0" dirty="0">
                           <a:solidFill>
                             <a:srgbClr val="020302"/>
                           </a:solidFill>
                           <a:latin typeface="Adobe Clean Light" panose="020B0303020404020204" pitchFamily="34" charset="0"/>
                           <a:cs typeface="AdobeClean-Light"/>
                         </a:rPr>
-                        <a:t>Named Support Engineer</a:t>
+                        <a:t>Spezifischer Support-Mitarbeiter</a:t>
                       </a:r>
-                      <a:endParaRPr sz="1100" b="0" i="0" spc="0" dirty="0">
-                        <a:latin typeface="Adobe Clean Light" panose="020B0303020404020204" pitchFamily="34" charset="0"/>
-                        <a:cs typeface="AdobeClean-Light"/>
-                      </a:endParaRPr>
                     </a:p>
                   </a:txBody>
                   <a:tcPr marL="0" marR="0" marT="58419" marB="0">
@@ -2887,7 +2716,7 @@
                     <a:bodyPr/>
                     <a:lstStyle/>
                     <a:p>
-                      <a:pPr algn="ctr">
+                      <a:pPr algn="l" rtl="0">
                         <a:lnSpc>
                           <a:spcPct val="100000"/>
                         </a:lnSpc>
@@ -2919,7 +2748,7 @@
                     <a:bodyPr/>
                     <a:lstStyle/>
                     <a:p>
-                      <a:pPr algn="ctr">
+                      <a:pPr algn="l" rtl="0">
                         <a:lnSpc>
                           <a:spcPct val="100000"/>
                         </a:lnSpc>
@@ -2927,7 +2756,7 @@
                           <a:spcPts val="470"/>
                         </a:spcBef>
                       </a:pPr>
-                      <a:endParaRPr sz="1200">
+                      <a:endParaRPr sz="1200" dirty="0">
                         <a:latin typeface="Wingdings"/>
                         <a:cs typeface="Wingdings"/>
                       </a:endParaRPr>
@@ -2947,13 +2776,13 @@
                   </a:ext>
                 </a:extLst>
               </a:tr>
-              <a:tr h="234008">
+              <a:tr h="236650">
                 <a:tc vMerge="1">
                   <a:txBody>
                     <a:bodyPr/>
                     <a:lstStyle/>
                     <a:p>
-                      <a:pPr marL="50800">
+                      <a:pPr marL="50800" algn="l" rtl="0">
                         <a:lnSpc>
                           <a:spcPct val="100000"/>
                         </a:lnSpc>
@@ -2983,7 +2812,7 @@
                         </a:spcBef>
                       </a:pPr>
                       <a:r>
-                        <a:rPr sz="1100" b="0" i="0" spc="0" dirty="0">
+                        <a:rPr lang="de-DE" sz="1100" b="0" i="0">
                           <a:solidFill>
                             <a:srgbClr val="020302"/>
                           </a:solidFill>
@@ -2992,10 +2821,6 @@
                         </a:rPr>
                         <a:t>Technical Account Manager</a:t>
                       </a:r>
-                      <a:endParaRPr sz="1100" b="0" i="0" spc="0" dirty="0">
-                        <a:latin typeface="Adobe Clean Light" panose="020B0303020404020204" pitchFamily="34" charset="0"/>
-                        <a:cs typeface="AdobeClean-Light"/>
-                      </a:endParaRPr>
                     </a:p>
                   </a:txBody>
                   <a:tcPr marL="0" marR="0" marT="63500" marB="0">
@@ -3033,7 +2858,7 @@
                     <a:bodyPr/>
                     <a:lstStyle/>
                     <a:p>
-                      <a:pPr algn="ctr">
+                      <a:pPr algn="l" rtl="0">
                         <a:lnSpc>
                           <a:spcPct val="100000"/>
                         </a:lnSpc>
@@ -3074,7 +2899,7 @@
                     <a:bodyPr/>
                     <a:lstStyle/>
                     <a:p>
-                      <a:pPr algn="ctr">
+                      <a:pPr algn="l" rtl="0">
                         <a:lnSpc>
                           <a:spcPct val="100000"/>
                         </a:lnSpc>
@@ -3111,7 +2936,7 @@
                   </a:ext>
                 </a:extLst>
               </a:tr>
-              <a:tr h="232782">
+              <a:tr h="235410">
                 <a:tc rowSpan="16">
                   <a:txBody>
                     <a:bodyPr/>
@@ -3126,22 +2951,15 @@
                         </a:spcBef>
                       </a:pPr>
                       <a:r>
-                        <a:rPr lang="en-US" sz="1200" b="1" i="0" spc="0" dirty="0">
+                        <a:rPr lang="de-DE" sz="1200" b="1" i="0">
                           <a:solidFill>
                             <a:schemeClr val="bg1"/>
                           </a:solidFill>
                           <a:latin typeface="Adobe Clean" panose="020B0503020404020204" pitchFamily="34" charset="0"/>
                           <a:cs typeface="AdobeClean-Light"/>
                         </a:rPr>
-                        <a:t>Support Services</a:t>
+                        <a:t>Support-Services</a:t>
                       </a:r>
-                      <a:endParaRPr sz="1200" b="1" i="0" spc="0" dirty="0">
-                        <a:solidFill>
-                          <a:schemeClr val="bg1"/>
-                        </a:solidFill>
-                        <a:latin typeface="Adobe Clean" panose="020B0503020404020204" pitchFamily="34" charset="0"/>
-                        <a:cs typeface="AdobeClean-Light"/>
-                      </a:endParaRPr>
                     </a:p>
                   </a:txBody>
                   <a:tcPr marL="0" marR="0" marT="57150" marB="0" anchor="ctr">
@@ -3191,19 +3009,15 @@
                         </a:spcBef>
                       </a:pPr>
                       <a:r>
-                        <a:rPr lang="en-US" sz="1100" b="0" i="0" spc="0" dirty="0">
+                        <a:rPr lang="de-DE" sz="1100" b="0" i="0">
                           <a:solidFill>
                             <a:srgbClr val="020302"/>
                           </a:solidFill>
                           <a:latin typeface="Adobe Clean Light" panose="020B0303020404020204" pitchFamily="34" charset="0"/>
                           <a:cs typeface="AdobeClean-Light"/>
                         </a:rPr>
-                        <a:t>24x7 Self-Help Support </a:t>
+                        <a:t>24x7 Selbsthilfe-Support </a:t>
                       </a:r>
-                      <a:endParaRPr lang="en-US" sz="1100" b="0" i="0" spc="0" dirty="0">
-                        <a:latin typeface="Adobe Clean Light" panose="020B0303020404020204" pitchFamily="34" charset="0"/>
-                        <a:cs typeface="AdobeClean-Light"/>
-                      </a:endParaRPr>
                     </a:p>
                   </a:txBody>
                   <a:tcPr marL="0" marR="0" marT="57150" marB="0">
@@ -3247,7 +3061,7 @@
                         </a:spcBef>
                       </a:pPr>
                       <a:r>
-                        <a:rPr sz="1200" dirty="0">
+                        <a:rPr lang="de-DE" sz="1200">
                           <a:solidFill>
                             <a:srgbClr val="020302"/>
                           </a:solidFill>
@@ -3256,10 +3070,6 @@
                         </a:rPr>
                         <a:t></a:t>
                       </a:r>
-                      <a:endParaRPr sz="1200" dirty="0">
-                        <a:latin typeface="Wingdings"/>
-                        <a:cs typeface="Wingdings"/>
-                      </a:endParaRPr>
                     </a:p>
                   </a:txBody>
                   <a:tcPr marL="0" marR="0" marT="58419" marB="0">
@@ -3298,7 +3108,7 @@
                         </a:spcBef>
                       </a:pPr>
                       <a:r>
-                        <a:rPr sz="1200" dirty="0">
+                        <a:rPr lang="de-DE" sz="1200">
                           <a:solidFill>
                             <a:srgbClr val="020302"/>
                           </a:solidFill>
@@ -3307,10 +3117,6 @@
                         </a:rPr>
                         <a:t></a:t>
                       </a:r>
-                      <a:endParaRPr sz="1200" dirty="0">
-                        <a:latin typeface="Wingdings"/>
-                        <a:cs typeface="Wingdings"/>
-                      </a:endParaRPr>
                     </a:p>
                   </a:txBody>
                   <a:tcPr marL="0" marR="0" marT="58419" marB="0">
@@ -3336,13 +3142,13 @@
                   </a:ext>
                 </a:extLst>
               </a:tr>
-              <a:tr h="232782">
+              <a:tr h="235410">
                 <a:tc vMerge="1">
                   <a:txBody>
                     <a:bodyPr/>
                     <a:lstStyle/>
                     <a:p>
-                      <a:pPr marL="50800">
+                      <a:pPr marL="50800" algn="l" rtl="0">
                         <a:lnSpc>
                           <a:spcPct val="100000"/>
                         </a:lnSpc>
@@ -3400,19 +3206,15 @@
                         </a:spcBef>
                       </a:pPr>
                       <a:r>
-                        <a:rPr lang="en-US" sz="1100" b="0" i="0" spc="0" dirty="0">
+                        <a:rPr lang="de-DE" sz="1100" b="0" i="0">
                           <a:solidFill>
                             <a:srgbClr val="020302"/>
                           </a:solidFill>
                           <a:latin typeface="Adobe Clean Light" panose="020B0303020404020204" pitchFamily="34" charset="0"/>
                           <a:cs typeface="AdobeClean-Light"/>
                         </a:rPr>
-                        <a:t>24x7 Support via Chat / Phone</a:t>
+                        <a:t>24x7 Support per Chat/Telefon</a:t>
                       </a:r>
-                      <a:endParaRPr sz="1100" b="0" i="0" spc="0" dirty="0">
-                        <a:latin typeface="Adobe Clean Light" panose="020B0303020404020204" pitchFamily="34" charset="0"/>
-                        <a:cs typeface="AdobeClean-Light"/>
-                      </a:endParaRPr>
                     </a:p>
                   </a:txBody>
                   <a:tcPr marL="0" marR="0" marT="57785" marB="0">
@@ -3454,7 +3256,7 @@
                         </a:spcBef>
                       </a:pPr>
                       <a:r>
-                        <a:rPr lang="en-US" sz="1200" dirty="0">
+                        <a:rPr lang="de-DE" sz="1200">
                           <a:solidFill>
                             <a:srgbClr val="020302"/>
                           </a:solidFill>
@@ -3463,10 +3265,6 @@
                         </a:rPr>
                         <a:t></a:t>
                       </a:r>
-                      <a:endParaRPr lang="en-US" sz="1200" dirty="0">
-                        <a:latin typeface="Wingdings"/>
-                        <a:cs typeface="Wingdings"/>
-                      </a:endParaRPr>
                     </a:p>
                   </a:txBody>
                   <a:tcPr marL="0" marR="0" marT="58419" marB="0">
@@ -3503,7 +3301,7 @@
                         </a:spcBef>
                       </a:pPr>
                       <a:r>
-                        <a:rPr sz="1200" dirty="0">
+                        <a:rPr lang="de-DE" sz="1200">
                           <a:solidFill>
                             <a:srgbClr val="020302"/>
                           </a:solidFill>
@@ -3512,10 +3310,6 @@
                         </a:rPr>
                         <a:t></a:t>
                       </a:r>
-                      <a:endParaRPr sz="1200" dirty="0">
-                        <a:latin typeface="Wingdings"/>
-                        <a:cs typeface="Wingdings"/>
-                      </a:endParaRPr>
                     </a:p>
                   </a:txBody>
                   <a:tcPr marL="0" marR="0" marT="58419" marB="0">
@@ -3541,13 +3335,13 @@
                   </a:ext>
                 </a:extLst>
               </a:tr>
-              <a:tr h="232782">
+              <a:tr h="235410">
                 <a:tc vMerge="1">
                   <a:txBody>
                     <a:bodyPr/>
                     <a:lstStyle/>
                     <a:p>
-                      <a:pPr marL="50800">
+                      <a:pPr marL="50800" algn="l" rtl="0">
                         <a:lnSpc>
                           <a:spcPct val="100000"/>
                         </a:lnSpc>
@@ -3614,16 +3408,12 @@
                         </a:spcBef>
                       </a:pPr>
                       <a:r>
-                        <a:rPr lang="en-US" sz="1100" b="0" i="0" spc="0" dirty="0">
+                        <a:rPr lang="de-DE" sz="1100" b="0" i="0">
                           <a:latin typeface="Adobe Clean Light" panose="020B0303020404020204" pitchFamily="34" charset="0"/>
                           <a:cs typeface="AdobeClean-Light"/>
                         </a:rPr>
-                        <a:t>Web Case Submissions </a:t>
+                        <a:t>Fallübermittlung über das Web </a:t>
                       </a:r>
-                      <a:endParaRPr sz="1100" b="0" i="0" spc="0" dirty="0">
-                        <a:latin typeface="Adobe Clean Light" panose="020B0303020404020204" pitchFamily="34" charset="0"/>
-                        <a:cs typeface="AdobeClean-Light"/>
-                      </a:endParaRPr>
                     </a:p>
                   </a:txBody>
                   <a:tcPr marL="0" marR="0" marT="57785" marB="0">
@@ -3665,7 +3455,7 @@
                         </a:spcBef>
                       </a:pPr>
                       <a:r>
-                        <a:rPr sz="1200" dirty="0">
+                        <a:rPr lang="de-DE" sz="1200">
                           <a:solidFill>
                             <a:srgbClr val="020302"/>
                           </a:solidFill>
@@ -3674,10 +3464,6 @@
                         </a:rPr>
                         <a:t></a:t>
                       </a:r>
-                      <a:endParaRPr sz="1200" dirty="0">
-                        <a:latin typeface="Wingdings"/>
-                        <a:cs typeface="Wingdings"/>
-                      </a:endParaRPr>
                     </a:p>
                   </a:txBody>
                   <a:tcPr marL="0" marR="0" marT="58419" marB="0">
@@ -3714,7 +3500,7 @@
                         </a:spcBef>
                       </a:pPr>
                       <a:r>
-                        <a:rPr lang="en-US" sz="1200" dirty="0">
+                        <a:rPr lang="de-DE" sz="1200">
                           <a:solidFill>
                             <a:srgbClr val="020302"/>
                           </a:solidFill>
@@ -3723,10 +3509,6 @@
                         </a:rPr>
                         <a:t></a:t>
                       </a:r>
-                      <a:endParaRPr lang="en-US" sz="1200" dirty="0">
-                        <a:latin typeface="Wingdings"/>
-                        <a:cs typeface="Wingdings"/>
-                      </a:endParaRPr>
                     </a:p>
                   </a:txBody>
                   <a:tcPr marL="0" marR="0" marT="58419" marB="0">
@@ -3752,13 +3534,13 @@
                   </a:ext>
                 </a:extLst>
               </a:tr>
-              <a:tr h="233394">
+              <a:tr h="236030">
                 <a:tc vMerge="1">
                   <a:txBody>
                     <a:bodyPr/>
                     <a:lstStyle/>
                     <a:p>
-                      <a:pPr marL="50800">
+                      <a:pPr marL="50800" algn="l" rtl="0">
                         <a:lnSpc>
                           <a:spcPct val="100000"/>
                         </a:lnSpc>
@@ -3807,19 +3589,15 @@
                         </a:spcBef>
                       </a:pPr>
                       <a:r>
-                        <a:rPr lang="en-US" sz="1100" b="0" i="0" spc="0" dirty="0">
+                        <a:rPr lang="de-DE" sz="1100" b="0" i="0" dirty="0">
                           <a:solidFill>
                             <a:srgbClr val="020302"/>
                           </a:solidFill>
                           <a:latin typeface="Adobe Clean Light" panose="020B0303020404020204" pitchFamily="34" charset="0"/>
                           <a:cs typeface="AdobeClean-Light"/>
                         </a:rPr>
-                        <a:t>Priority Case Routing</a:t>
+                        <a:t>Vorrangige Weiterleitung von Fällen</a:t>
                       </a:r>
-                      <a:endParaRPr sz="1100" b="0" i="0" spc="0" dirty="0">
-                        <a:latin typeface="Adobe Clean Light" panose="020B0303020404020204" pitchFamily="34" charset="0"/>
-                        <a:cs typeface="AdobeClean-Light"/>
-                      </a:endParaRPr>
                     </a:p>
                   </a:txBody>
                   <a:tcPr marL="0" marR="0" marT="58419" marB="0">
@@ -3842,7 +3620,7 @@
                     <a:bodyPr/>
                     <a:lstStyle/>
                     <a:p>
-                      <a:pPr algn="ctr">
+                      <a:pPr algn="l" rtl="0">
                         <a:lnSpc>
                           <a:spcPct val="100000"/>
                         </a:lnSpc>
@@ -3892,7 +3670,7 @@
                         <a:defRPr/>
                       </a:pPr>
                       <a:r>
-                        <a:rPr lang="en-US" sz="1200" dirty="0">
+                        <a:rPr lang="de-DE" sz="1200">
                           <a:solidFill>
                             <a:srgbClr val="020302"/>
                           </a:solidFill>
@@ -3901,10 +3679,6 @@
                         </a:rPr>
                         <a:t></a:t>
                       </a:r>
-                      <a:endParaRPr lang="en-US" sz="1200" dirty="0">
-                        <a:latin typeface="Wingdings"/>
-                        <a:cs typeface="Wingdings"/>
-                      </a:endParaRPr>
                     </a:p>
                   </a:txBody>
                   <a:tcPr marL="0" marR="0" marT="59054" marB="0">
@@ -3921,13 +3695,13 @@
                   </a:ext>
                 </a:extLst>
               </a:tr>
-              <a:tr h="232782">
+              <a:tr h="236145">
                 <a:tc vMerge="1">
                   <a:txBody>
                     <a:bodyPr/>
                     <a:lstStyle/>
                     <a:p>
-                      <a:pPr marL="50800">
+                      <a:pPr marL="50800" algn="l" rtl="0">
                         <a:lnSpc>
                           <a:spcPct val="100000"/>
                         </a:lnSpc>
@@ -3994,11 +3768,11 @@
                         <a:defRPr/>
                       </a:pPr>
                       <a:r>
-                        <a:rPr lang="en-US" sz="1100" b="0" i="0" spc="0" dirty="0">
+                        <a:rPr lang="de-DE" sz="1100" b="0" i="0" dirty="0">
                           <a:latin typeface="Adobe Clean Light" panose="020B0303020404020204" pitchFamily="34" charset="0"/>
                           <a:cs typeface="AdobeClean-Light"/>
                         </a:rPr>
-                        <a:t>Accelerated Issue Prioritization</a:t>
+                        <a:t>Beschleunigte Priorisierung von Problemen</a:t>
                       </a:r>
                     </a:p>
                   </a:txBody>
@@ -4028,7 +3802,7 @@
                     <a:bodyPr/>
                     <a:lstStyle/>
                     <a:p>
-                      <a:pPr algn="ctr">
+                      <a:pPr algn="l" rtl="0">
                         <a:lnSpc>
                           <a:spcPct val="100000"/>
                         </a:lnSpc>
@@ -4069,7 +3843,7 @@
                         </a:spcBef>
                       </a:pPr>
                       <a:r>
-                        <a:rPr lang="en-US" sz="1200" dirty="0">
+                        <a:rPr lang="de-DE" sz="1200">
                           <a:solidFill>
                             <a:srgbClr val="020302"/>
                           </a:solidFill>
@@ -4078,10 +3852,6 @@
                         </a:rPr>
                         <a:t></a:t>
                       </a:r>
-                      <a:endParaRPr lang="en-US" sz="1200" dirty="0">
-                        <a:latin typeface="Wingdings"/>
-                        <a:cs typeface="Wingdings"/>
-                      </a:endParaRPr>
                     </a:p>
                   </a:txBody>
                   <a:tcPr marL="0" marR="0" marT="58419" marB="0">
@@ -4098,7 +3868,7 @@
                   </a:ext>
                 </a:extLst>
               </a:tr>
-              <a:tr h="233394">
+              <a:tr h="236030">
                 <a:tc vMerge="1">
                   <a:txBody>
                     <a:bodyPr/>
@@ -4142,16 +3912,12 @@
                         </a:spcBef>
                       </a:pPr>
                       <a:r>
-                        <a:rPr lang="en-US" sz="1100" b="0" i="0" spc="0" dirty="0">
+                        <a:rPr lang="de-DE" sz="1100" b="0" i="0" dirty="0">
                           <a:latin typeface="Adobe Clean Light" panose="020B0303020404020204" pitchFamily="34" charset="0"/>
                           <a:cs typeface="AdobeClean-Light"/>
                         </a:rPr>
-                        <a:t>Escalation Management</a:t>
+                        <a:t>Eskalations-Management</a:t>
                       </a:r>
-                      <a:endParaRPr sz="1100" b="0" i="0" spc="0" dirty="0">
-                        <a:latin typeface="Adobe Clean Light" panose="020B0303020404020204" pitchFamily="34" charset="0"/>
-                        <a:cs typeface="AdobeClean-Light"/>
-                      </a:endParaRPr>
                     </a:p>
                   </a:txBody>
                   <a:tcPr marL="0" marR="0" marT="57150" marB="0">
@@ -4174,7 +3940,7 @@
                     <a:bodyPr/>
                     <a:lstStyle/>
                     <a:p>
-                      <a:pPr algn="ctr">
+                      <a:pPr algn="l" rtl="0">
                         <a:lnSpc>
                           <a:spcPct val="100000"/>
                         </a:lnSpc>
@@ -4224,7 +3990,7 @@
                         <a:defRPr/>
                       </a:pPr>
                       <a:r>
-                        <a:rPr lang="en-US" sz="1200" dirty="0">
+                        <a:rPr lang="de-DE" sz="1200">
                           <a:solidFill>
                             <a:srgbClr val="020302"/>
                           </a:solidFill>
@@ -4233,10 +3999,6 @@
                         </a:rPr>
                         <a:t></a:t>
                       </a:r>
-                      <a:endParaRPr lang="en-US" sz="1200" dirty="0">
-                        <a:latin typeface="Wingdings"/>
-                        <a:cs typeface="Wingdings"/>
-                      </a:endParaRPr>
                     </a:p>
                   </a:txBody>
                   <a:tcPr marL="0" marR="0" marT="59054" marB="0">
@@ -4253,7 +4015,7 @@
                   </a:ext>
                 </a:extLst>
               </a:tr>
-              <a:tr h="234008">
+              <a:tr h="236650">
                 <a:tc vMerge="1">
                   <a:txBody>
                     <a:bodyPr/>
@@ -4297,16 +4059,12 @@
                         </a:spcBef>
                       </a:pPr>
                       <a:r>
-                        <a:rPr lang="en-US" sz="1100" b="0" i="0" spc="0" dirty="0">
+                        <a:rPr lang="de-DE" sz="1100" b="0" i="0">
                           <a:latin typeface="Adobe Clean Light" panose="020B0303020404020204" pitchFamily="34" charset="0"/>
                           <a:cs typeface="AdobeClean-Light"/>
                         </a:rPr>
-                        <a:t>Proactive Case Monitoring</a:t>
+                        <a:t>Proaktive Überwachung von Fällen</a:t>
                       </a:r>
-                      <a:endParaRPr sz="1100" b="0" i="0" spc="0" dirty="0">
-                        <a:latin typeface="Adobe Clean Light" panose="020B0303020404020204" pitchFamily="34" charset="0"/>
-                        <a:cs typeface="AdobeClean-Light"/>
-                      </a:endParaRPr>
                     </a:p>
                   </a:txBody>
                   <a:tcPr marL="0" marR="0" marT="57150" marB="0">
@@ -4329,7 +4087,7 @@
                     <a:bodyPr/>
                     <a:lstStyle/>
                     <a:p>
-                      <a:pPr algn="ctr">
+                      <a:pPr algn="l" rtl="0">
                         <a:lnSpc>
                           <a:spcPct val="100000"/>
                         </a:lnSpc>
@@ -4361,7 +4119,7 @@
                     <a:bodyPr/>
                     <a:lstStyle/>
                     <a:p>
-                      <a:pPr algn="ctr">
+                      <a:pPr algn="l" rtl="0">
                         <a:lnSpc>
                           <a:spcPct val="100000"/>
                         </a:lnSpc>
@@ -4369,7 +4127,7 @@
                           <a:spcPts val="470"/>
                         </a:spcBef>
                       </a:pPr>
-                      <a:endParaRPr lang="en-US" sz="1200">
+                      <a:endParaRPr lang="en-US" sz="1200" dirty="0">
                         <a:latin typeface="Wingdings"/>
                         <a:cs typeface="Wingdings"/>
                       </a:endParaRPr>
@@ -4389,13 +4147,13 @@
                   </a:ext>
                 </a:extLst>
               </a:tr>
-              <a:tr h="218080">
+              <a:tr h="206988">
                 <a:tc vMerge="1">
                   <a:txBody>
                     <a:bodyPr/>
                     <a:lstStyle/>
                     <a:p>
-                      <a:pPr marL="48895">
+                      <a:pPr marL="48895" algn="l" rtl="0">
                         <a:lnSpc>
                           <a:spcPct val="100000"/>
                         </a:lnSpc>
@@ -4445,15 +4203,14 @@
                         <a:buNone/>
                       </a:pPr>
                       <a:r>
-                        <a:rPr lang="en-US" sz="1100" b="0" i="0" u="none" strike="noStrike" spc="0" noProof="0" dirty="0">
+                        <a:rPr lang="de-DE" sz="1100" b="0" i="0" u="none" strike="noStrike" noProof="0">
                           <a:solidFill>
                             <a:srgbClr val="020302"/>
                           </a:solidFill>
                           <a:latin typeface="Adobe Clean Light"/>
                         </a:rPr>
-                        <a:t>In-Region Support Option</a:t>
+                        <a:t>Option zum Support innerhalb der Region</a:t>
                       </a:r>
-                      <a:endParaRPr dirty="0"/>
                     </a:p>
                   </a:txBody>
                   <a:tcPr marL="0" marR="0" marT="58419" marB="0">
@@ -4476,7 +4233,7 @@
                     <a:bodyPr/>
                     <a:lstStyle/>
                     <a:p>
-                      <a:pPr>
+                      <a:pPr algn="l" rtl="0">
                         <a:lnSpc>
                           <a:spcPct val="100000"/>
                         </a:lnSpc>
@@ -4505,7 +4262,7 @@
                     <a:bodyPr/>
                     <a:lstStyle/>
                     <a:p>
-                      <a:pPr marL="0" marR="0" lvl="0" indent="0" algn="ctr" defTabSz="914400" eaLnBrk="1" fontAlgn="auto" latinLnBrk="0" hangingPunct="1">
+                      <a:pPr marL="0" marR="0" lvl="0" indent="0" algn="l" defTabSz="914400" rtl="0" eaLnBrk="1" fontAlgn="auto" latinLnBrk="0" hangingPunct="1">
                         <a:lnSpc>
                           <a:spcPct val="100000"/>
                         </a:lnSpc>
@@ -4542,13 +4299,13 @@
                   </a:ext>
                 </a:extLst>
               </a:tr>
-              <a:tr h="218693">
+              <a:tr h="221163">
                 <a:tc vMerge="1">
                   <a:txBody>
                     <a:bodyPr/>
                     <a:lstStyle/>
                     <a:p>
-                      <a:pPr marL="48895">
+                      <a:pPr marL="48895" algn="l" rtl="0">
                         <a:lnSpc>
                           <a:spcPct val="100000"/>
                         </a:lnSpc>
@@ -4578,19 +4335,15 @@
                         </a:spcBef>
                       </a:pPr>
                       <a:r>
-                        <a:rPr lang="en-US" sz="1100" b="0" i="0" spc="0" dirty="0">
+                        <a:rPr lang="de-DE" sz="1100" b="0" i="0" dirty="0">
                           <a:solidFill>
                             <a:srgbClr val="020302"/>
                           </a:solidFill>
                           <a:latin typeface="Adobe Clean Light" panose="020B0303020404020204" pitchFamily="34" charset="0"/>
                           <a:cs typeface="AdobeClean-Light"/>
                         </a:rPr>
-                        <a:t>Service Reviews</a:t>
+                        <a:t>Service-Prüfungen</a:t>
                       </a:r>
-                      <a:endParaRPr sz="1100" b="0" i="0" spc="0" dirty="0">
-                        <a:latin typeface="Adobe Clean Light" panose="020B0303020404020204" pitchFamily="34" charset="0"/>
-                        <a:cs typeface="AdobeClean-Light"/>
-                      </a:endParaRPr>
                     </a:p>
                   </a:txBody>
                   <a:tcPr marL="0" marR="0" marT="59055" marB="0">
@@ -4619,7 +4372,7 @@
                     <a:bodyPr/>
                     <a:lstStyle/>
                     <a:p>
-                      <a:pPr>
+                      <a:pPr algn="l" rtl="0">
                         <a:lnSpc>
                           <a:spcPct val="100000"/>
                         </a:lnSpc>
@@ -4648,7 +4401,7 @@
                     <a:bodyPr/>
                     <a:lstStyle/>
                     <a:p>
-                      <a:pPr>
+                      <a:pPr algn="l" rtl="0">
                         <a:lnSpc>
                           <a:spcPct val="100000"/>
                         </a:lnSpc>
@@ -4673,13 +4426,13 @@
                   </a:ext>
                 </a:extLst>
               </a:tr>
-              <a:tr h="222981">
+              <a:tr h="225499">
                 <a:tc vMerge="1">
                   <a:txBody>
                     <a:bodyPr/>
                     <a:lstStyle/>
                     <a:p>
-                      <a:pPr marL="49530">
+                      <a:pPr marL="49530" algn="l" rtl="0">
                         <a:lnSpc>
                           <a:spcPct val="100000"/>
                         </a:lnSpc>
@@ -4709,16 +4462,12 @@
                         </a:spcBef>
                       </a:pPr>
                       <a:r>
-                        <a:rPr lang="en-US" sz="1100" b="0" i="0" spc="0" dirty="0">
+                        <a:rPr lang="de-DE" sz="1100" b="0" i="0">
                           <a:latin typeface="Adobe Clean Light" panose="020B0303020404020204" pitchFamily="34" charset="0"/>
                           <a:cs typeface="AdobeClean-Light"/>
                         </a:rPr>
-                        <a:t>Case Reviews</a:t>
+                        <a:t>Fallprüfungen</a:t>
                       </a:r>
-                      <a:endParaRPr sz="1100" b="0" i="0" spc="0" dirty="0">
-                        <a:latin typeface="Adobe Clean Light" panose="020B0303020404020204" pitchFamily="34" charset="0"/>
-                        <a:cs typeface="AdobeClean-Light"/>
-                      </a:endParaRPr>
                     </a:p>
                   </a:txBody>
                   <a:tcPr marL="0" marR="0" marT="63500" marB="0">
@@ -4747,12 +4496,12 @@
                     <a:bodyPr/>
                     <a:lstStyle/>
                     <a:p>
-                      <a:pPr>
+                      <a:pPr algn="l" rtl="0">
                         <a:lnSpc>
                           <a:spcPct val="100000"/>
                         </a:lnSpc>
                       </a:pPr>
-                      <a:endParaRPr sz="1200">
+                      <a:endParaRPr sz="1200" dirty="0">
                         <a:latin typeface="Times New Roman"/>
                         <a:cs typeface="Times New Roman"/>
                       </a:endParaRPr>
@@ -4776,7 +4525,7 @@
                     <a:bodyPr/>
                     <a:lstStyle/>
                     <a:p>
-                      <a:pPr>
+                      <a:pPr algn="l" rtl="0">
                         <a:lnSpc>
                           <a:spcPct val="100000"/>
                         </a:lnSpc>
@@ -4801,7 +4550,7 @@
                   </a:ext>
                 </a:extLst>
               </a:tr>
-              <a:tr h="222981">
+              <a:tr h="225499">
                 <a:tc vMerge="1">
                   <a:txBody>
                     <a:bodyPr/>
@@ -4863,11 +4612,11 @@
                         <a:defRPr/>
                       </a:pPr>
                       <a:r>
-                        <a:rPr lang="en-US" sz="1100" b="0" i="0" spc="0" dirty="0">
+                        <a:rPr lang="de-DE" sz="1100" b="0" i="0">
                           <a:latin typeface="Adobe Clean Light" panose="020B0303020404020204" pitchFamily="34" charset="0"/>
                           <a:cs typeface="AdobeClean-Light"/>
                         </a:rPr>
-                        <a:t>Solution Review</a:t>
+                        <a:t>Lösungsprüfung</a:t>
                       </a:r>
                     </a:p>
                   </a:txBody>
@@ -4897,7 +4646,7 @@
                     <a:bodyPr/>
                     <a:lstStyle/>
                     <a:p>
-                      <a:pPr>
+                      <a:pPr algn="l" rtl="0">
                         <a:lnSpc>
                           <a:spcPct val="100000"/>
                         </a:lnSpc>
@@ -4926,7 +4675,7 @@
                     <a:bodyPr/>
                     <a:lstStyle/>
                     <a:p>
-                      <a:pPr>
+                      <a:pPr algn="l" rtl="0">
                         <a:lnSpc>
                           <a:spcPct val="100000"/>
                         </a:lnSpc>
@@ -4951,7 +4700,7 @@
                   </a:ext>
                 </a:extLst>
               </a:tr>
-              <a:tr h="222981">
+              <a:tr h="225499">
                 <a:tc vMerge="1">
                   <a:txBody>
                     <a:bodyPr/>
@@ -5004,11 +4753,11 @@
                         <a:defRPr/>
                       </a:pPr>
                       <a:r>
-                        <a:rPr lang="en-US" sz="1100" b="0" i="0" spc="0" dirty="0">
+                        <a:rPr lang="de-DE" sz="1100" b="0" i="0">
                           <a:latin typeface="Adobe Clean Light" panose="020B0303020404020204" pitchFamily="34" charset="0"/>
                           <a:cs typeface="AdobeClean-Light"/>
                         </a:rPr>
-                        <a:t>Roadmap Review </a:t>
+                        <a:t>Roadmap-Prüfung </a:t>
                       </a:r>
                     </a:p>
                   </a:txBody>
@@ -5032,7 +4781,7 @@
                     <a:bodyPr/>
                     <a:lstStyle/>
                     <a:p>
-                      <a:pPr>
+                      <a:pPr algn="l" rtl="0">
                         <a:lnSpc>
                           <a:spcPct val="100000"/>
                         </a:lnSpc>
@@ -5061,7 +4810,7 @@
                     <a:bodyPr/>
                     <a:lstStyle/>
                     <a:p>
-                      <a:pPr>
+                      <a:pPr algn="l" rtl="0">
                         <a:lnSpc>
                           <a:spcPct val="100000"/>
                         </a:lnSpc>
@@ -5086,7 +4835,7 @@
                   </a:ext>
                 </a:extLst>
               </a:tr>
-              <a:tr h="222981">
+              <a:tr h="225499">
                 <a:tc vMerge="1">
                   <a:txBody>
                     <a:bodyPr/>
@@ -5139,19 +4888,15 @@
                         <a:defRPr/>
                       </a:pPr>
                       <a:r>
-                        <a:rPr lang="en-US" sz="1100" b="0" i="0" spc="0" dirty="0">
+                        <a:rPr lang="de-DE" sz="1100" b="0" i="0" dirty="0">
                           <a:solidFill>
                             <a:srgbClr val="020302"/>
                           </a:solidFill>
                           <a:latin typeface="Adobe Clean Light" panose="020B0303020404020204" pitchFamily="34" charset="0"/>
                           <a:cs typeface="AdobeClean-Light"/>
                         </a:rPr>
-                        <a:t>Additional Named Support Contacts </a:t>
+                        <a:t>Zusätzliche ernannte Support-Kontakte </a:t>
                       </a:r>
-                      <a:endParaRPr lang="en-US" sz="1100" b="0" i="0" spc="0" dirty="0">
-                        <a:latin typeface="Adobe Clean Light" panose="020B0303020404020204" pitchFamily="34" charset="0"/>
-                        <a:cs typeface="AdobeClean-Light"/>
-                      </a:endParaRPr>
                     </a:p>
                   </a:txBody>
                   <a:tcPr marL="0" marR="0" marT="63500" marB="0">
@@ -5174,7 +4919,7 @@
                     <a:bodyPr/>
                     <a:lstStyle/>
                     <a:p>
-                      <a:pPr>
+                      <a:pPr algn="l" rtl="0">
                         <a:lnSpc>
                           <a:spcPct val="100000"/>
                         </a:lnSpc>
@@ -5203,7 +4948,7 @@
                     <a:bodyPr/>
                     <a:lstStyle/>
                     <a:p>
-                      <a:pPr>
+                      <a:pPr algn="l" rtl="0">
                         <a:lnSpc>
                           <a:spcPct val="100000"/>
                         </a:lnSpc>
@@ -5228,7 +4973,7 @@
                   </a:ext>
                 </a:extLst>
               </a:tr>
-              <a:tr h="222981">
+              <a:tr h="225499">
                 <a:tc vMerge="1">
                   <a:txBody>
                     <a:bodyPr/>
@@ -5281,16 +5026,12 @@
                         </a:spcBef>
                       </a:pPr>
                       <a:r>
-                        <a:rPr lang="en-US" sz="1100" b="0" i="0" spc="0" dirty="0">
+                        <a:rPr lang="de-DE" sz="1100" b="0" i="0">
                           <a:latin typeface="Adobe Clean Light" panose="020B0303020404020204" pitchFamily="34" charset="0"/>
                           <a:cs typeface="AdobeClean-Light"/>
                         </a:rPr>
-                        <a:t>Upgrade/Migration Planning</a:t>
+                        <a:t>Planung für Upgrades/Migration</a:t>
                       </a:r>
-                      <a:endParaRPr sz="1100" b="0" i="0" spc="0" dirty="0">
-                        <a:latin typeface="Adobe Clean Light" panose="020B0303020404020204" pitchFamily="34" charset="0"/>
-                        <a:cs typeface="AdobeClean-Light"/>
-                      </a:endParaRPr>
                     </a:p>
                   </a:txBody>
                   <a:tcPr marL="0" marR="0" marT="63500" marB="0">
@@ -5322,7 +5063,7 @@
                     <a:bodyPr/>
                     <a:lstStyle/>
                     <a:p>
-                      <a:pPr>
+                      <a:pPr algn="l" rtl="0">
                         <a:lnSpc>
                           <a:spcPct val="100000"/>
                         </a:lnSpc>
@@ -5360,7 +5101,7 @@
                     <a:bodyPr/>
                     <a:lstStyle/>
                     <a:p>
-                      <a:pPr>
+                      <a:pPr algn="l" rtl="0">
                         <a:lnSpc>
                           <a:spcPct val="100000"/>
                         </a:lnSpc>
@@ -5394,7 +5135,7 @@
                   </a:ext>
                 </a:extLst>
               </a:tr>
-              <a:tr h="222981">
+              <a:tr h="225499">
                 <a:tc vMerge="1">
                   <a:txBody>
                     <a:bodyPr/>
@@ -5419,16 +5160,12 @@
                         </a:spcBef>
                       </a:pPr>
                       <a:r>
-                        <a:rPr lang="en-US" sz="1100" b="0" i="0" spc="0" dirty="0">
+                        <a:rPr lang="de-DE" sz="1100" b="0" i="0" dirty="0">
                           <a:latin typeface="Adobe Clean Light" panose="020B0303020404020204" pitchFamily="34" charset="0"/>
                           <a:cs typeface="AdobeClean-Light"/>
                         </a:rPr>
-                        <a:t>Release Preparation and Planning</a:t>
+                        <a:t>Versionsvorbereitung und -planung</a:t>
                       </a:r>
-                      <a:endParaRPr sz="1100" b="0" i="0" spc="0" dirty="0">
-                        <a:latin typeface="Adobe Clean Light" panose="020B0303020404020204" pitchFamily="34" charset="0"/>
-                        <a:cs typeface="AdobeClean-Light"/>
-                      </a:endParaRPr>
                     </a:p>
                   </a:txBody>
                   <a:tcPr marL="0" marR="0" marT="63500" marB="0">
@@ -5475,7 +5212,7 @@
                     <a:bodyPr/>
                     <a:lstStyle/>
                     <a:p>
-                      <a:pPr>
+                      <a:pPr algn="l" rtl="0">
                         <a:lnSpc>
                           <a:spcPct val="100000"/>
                         </a:lnSpc>
@@ -5522,7 +5259,7 @@
                     <a:bodyPr/>
                     <a:lstStyle/>
                     <a:p>
-                      <a:pPr>
+                      <a:pPr algn="l" rtl="0">
                         <a:lnSpc>
                           <a:spcPct val="100000"/>
                         </a:lnSpc>
@@ -5565,13 +5302,13 @@
                   </a:ext>
                 </a:extLst>
               </a:tr>
-              <a:tr h="226657">
+              <a:tr h="229216">
                 <a:tc vMerge="1">
                   <a:txBody>
                     <a:bodyPr/>
                     <a:lstStyle/>
                     <a:p>
-                      <a:pPr marL="49530">
+                      <a:pPr marL="49530" algn="l" rtl="0">
                         <a:lnSpc>
                           <a:spcPct val="100000"/>
                         </a:lnSpc>
@@ -5638,16 +5375,12 @@
                         </a:spcBef>
                       </a:pPr>
                       <a:r>
-                        <a:rPr lang="en-US" sz="1100" b="0" i="0" spc="0" dirty="0">
+                        <a:rPr lang="de-DE" sz="1100" b="0" i="0">
                           <a:latin typeface="Adobe Clean Light" panose="020B0303020404020204" pitchFamily="34" charset="0"/>
                           <a:cs typeface="AdobeClean-Light"/>
                         </a:rPr>
                         <a:t>Executive Sponsor</a:t>
                       </a:r>
-                      <a:endParaRPr sz="1100" b="0" i="0" spc="0" dirty="0">
-                        <a:latin typeface="Adobe Clean Light" panose="020B0303020404020204" pitchFamily="34" charset="0"/>
-                        <a:cs typeface="AdobeClean-Light"/>
-                      </a:endParaRPr>
                     </a:p>
                   </a:txBody>
                   <a:tcPr marL="0" marR="0" marT="67310" marB="0">
@@ -5691,7 +5424,7 @@
                     <a:bodyPr/>
                     <a:lstStyle/>
                     <a:p>
-                      <a:pPr>
+                      <a:pPr algn="l" rtl="0">
                         <a:lnSpc>
                           <a:spcPct val="100000"/>
                         </a:lnSpc>
@@ -5738,7 +5471,7 @@
                     <a:bodyPr/>
                     <a:lstStyle/>
                     <a:p>
-                      <a:pPr>
+                      <a:pPr algn="l" rtl="0">
                         <a:lnSpc>
                           <a:spcPct val="100000"/>
                         </a:lnSpc>
@@ -5814,13 +5547,13 @@
           <a:lstStyle/>
           <a:p>
             <a:r>
-              <a:rPr lang="en-US" sz="700" i="1" dirty="0">
+              <a:rPr lang="de-DE" sz="700" i="1">
                 <a:solidFill>
                   <a:schemeClr val="bg1"/>
                 </a:solidFill>
                 <a:latin typeface="Adobe Clean" panose="020B0503020404020204" pitchFamily="34" charset="0"/>
               </a:rPr>
-              <a:t>Adobe Creative Cloud / Adobe Document Cloud (including Adobe Sign)</a:t>
+              <a:t>Adobe Creative Cloud / Adobe Document Cloud (einschließlich Adobe Sign)</a:t>
             </a:r>
           </a:p>
         </p:txBody>
@@ -5840,14 +5573,14 @@
           <p:nvPr>
             <p:extLst>
               <p:ext uri="{D42A27DB-BD31-4B8C-83A1-F6EECF244321}">
-                <p14:modId xmlns:p14="http://schemas.microsoft.com/office/powerpoint/2010/main" val="2288175540"/>
+                <p14:modId xmlns:p14="http://schemas.microsoft.com/office/powerpoint/2010/main" val="1992552089"/>
               </p:ext>
             </p:extLst>
           </p:nvPr>
         </p:nvGraphicFramePr>
         <p:xfrm>
           <a:off x="121146" y="7483227"/>
-          <a:ext cx="7498851" cy="2361428"/>
+          <a:ext cx="7498851" cy="2406851"/>
         </p:xfrm>
         <a:graphic>
           <a:graphicData uri="http://schemas.openxmlformats.org/drawingml/2006/table">
@@ -5856,35 +5589,35 @@
                 <a:tableStyleId>{2D5ABB26-0587-4C30-8999-92F81FD0307C}</a:tableStyleId>
               </a:tblPr>
               <a:tblGrid>
-                <a:gridCol w="3749427">
+                <a:gridCol w="4069854">
                   <a:extLst>
                     <a:ext uri="{9D8B030D-6E8A-4147-A177-3AD203B41FA5}">
                       <a16:colId xmlns:a16="http://schemas.microsoft.com/office/drawing/2014/main" val="20000"/>
                     </a:ext>
                   </a:extLst>
                 </a:gridCol>
-                <a:gridCol w="1006227">
+                <a:gridCol w="914400">
                   <a:extLst>
                     <a:ext uri="{9D8B030D-6E8A-4147-A177-3AD203B41FA5}">
                       <a16:colId xmlns:a16="http://schemas.microsoft.com/office/drawing/2014/main" val="20001"/>
                     </a:ext>
                   </a:extLst>
                 </a:gridCol>
-                <a:gridCol w="914399">
+                <a:gridCol w="838200">
                   <a:extLst>
                     <a:ext uri="{9D8B030D-6E8A-4147-A177-3AD203B41FA5}">
                       <a16:colId xmlns:a16="http://schemas.microsoft.com/office/drawing/2014/main" val="20002"/>
                     </a:ext>
                   </a:extLst>
                 </a:gridCol>
-                <a:gridCol w="914399">
+                <a:gridCol w="990600">
                   <a:extLst>
                     <a:ext uri="{9D8B030D-6E8A-4147-A177-3AD203B41FA5}">
                       <a16:colId xmlns:a16="http://schemas.microsoft.com/office/drawing/2014/main" val="20003"/>
                     </a:ext>
                   </a:extLst>
                 </a:gridCol>
-                <a:gridCol w="914399">
+                <a:gridCol w="685797">
                   <a:extLst>
                     <a:ext uri="{9D8B030D-6E8A-4147-A177-3AD203B41FA5}">
                       <a16:colId xmlns:a16="http://schemas.microsoft.com/office/drawing/2014/main" val="20004"/>
@@ -5892,7 +5625,7 @@
                   </a:extLst>
                 </a:gridCol>
               </a:tblGrid>
-              <a:tr h="289173">
+              <a:tr h="212973">
                 <a:tc>
                   <a:txBody>
                     <a:bodyPr/>
@@ -5907,19 +5640,15 @@
                         </a:spcBef>
                       </a:pPr>
                       <a:r>
-                        <a:rPr sz="1000" spc="0">
+                        <a:rPr lang="de-DE" sz="1000">
                           <a:solidFill>
                             <a:srgbClr val="020302"/>
                           </a:solidFill>
                           <a:latin typeface="Adobe Clean"/>
                           <a:cs typeface="Adobe Clean"/>
                         </a:rPr>
-                        <a:t>Priority</a:t>
+                        <a:t>Priorität</a:t>
                       </a:r>
-                      <a:endParaRPr sz="1000" spc="0">
-                        <a:latin typeface="Adobe Clean"/>
-                        <a:cs typeface="Adobe Clean"/>
-                      </a:endParaRPr>
                     </a:p>
                   </a:txBody>
                   <a:tcPr marL="0" marR="0" marT="7620" marB="0" anchor="ctr">
@@ -5966,49 +5695,15 @@
                         </a:spcBef>
                       </a:pPr>
                       <a:r>
-                        <a:rPr lang="en-US" sz="900" spc="0">
+                        <a:rPr lang="de-DE" sz="900">
                           <a:solidFill>
                             <a:srgbClr val="020302"/>
                           </a:solidFill>
                           <a:latin typeface="Adobe Clean"/>
                           <a:cs typeface="Adobe Clean"/>
                         </a:rPr>
-                        <a:t>Standard</a:t>
+                        <a:t>Standard Support</a:t>
                       </a:r>
-                      <a:r>
-                        <a:rPr sz="900" spc="0">
-                          <a:solidFill>
-                            <a:srgbClr val="020302"/>
-                          </a:solidFill>
-                          <a:latin typeface="Adobe Clean"/>
-                          <a:cs typeface="Adobe Clean"/>
-                        </a:rPr>
-                        <a:t> </a:t>
-                      </a:r>
-                      <a:r>
-                        <a:rPr lang="en-US" sz="900" spc="0">
-                          <a:solidFill>
-                            <a:srgbClr val="020302"/>
-                          </a:solidFill>
-                          <a:latin typeface="Adobe Clean"/>
-                          <a:cs typeface="Adobe Clean"/>
-                        </a:rPr>
-                        <a:t> </a:t>
-                      </a:r>
-                      <a:r>
-                        <a:rPr sz="900" spc="0">
-                          <a:solidFill>
-                            <a:srgbClr val="020302"/>
-                          </a:solidFill>
-                          <a:latin typeface="Adobe Clean"/>
-                          <a:cs typeface="Adobe Clean"/>
-                        </a:rPr>
-                        <a:t>Support</a:t>
-                      </a:r>
-                      <a:endParaRPr sz="900" spc="0">
-                        <a:latin typeface="Adobe Clean"/>
-                        <a:cs typeface="Adobe Clean"/>
-                      </a:endParaRPr>
                     </a:p>
                   </a:txBody>
                   <a:tcPr marL="0" marR="0" marT="0" marB="0" anchor="ctr">
@@ -6058,39 +5753,15 @@
                         </a:spcBef>
                       </a:pPr>
                       <a:r>
-                        <a:rPr sz="900" spc="0">
+                        <a:rPr lang="de-DE" sz="900">
                           <a:solidFill>
                             <a:srgbClr val="FFFFFF"/>
                           </a:solidFill>
                           <a:latin typeface="Adobe Clean"/>
                           <a:cs typeface="Adobe Clean"/>
                         </a:rPr>
-                        <a:t>Business</a:t>
+                        <a:t>Business Support</a:t>
                       </a:r>
-                      <a:r>
-                        <a:rPr lang="en-US" sz="900" spc="0">
-                          <a:solidFill>
-                            <a:srgbClr val="FFFFFF"/>
-                          </a:solidFill>
-                          <a:latin typeface="Adobe Clean"/>
-                          <a:cs typeface="Adobe Clean"/>
-                        </a:rPr>
-                        <a:t> </a:t>
-                      </a:r>
-                      <a:r>
-                        <a:rPr sz="900" spc="0">
-                          <a:solidFill>
-                            <a:srgbClr val="FFFFFF"/>
-                          </a:solidFill>
-                          <a:latin typeface="Adobe Clean"/>
-                          <a:cs typeface="Adobe Clean"/>
-                        </a:rPr>
-                        <a:t>Support</a:t>
-                      </a:r>
-                      <a:endParaRPr sz="900" spc="0">
-                        <a:latin typeface="Adobe Clean"/>
-                        <a:cs typeface="Adobe Clean"/>
-                      </a:endParaRPr>
                     </a:p>
                   </a:txBody>
                   <a:tcPr marL="0" marR="0" marT="0" marB="0" anchor="ctr">
@@ -6137,39 +5808,15 @@
                         </a:spcBef>
                       </a:pPr>
                       <a:r>
-                        <a:rPr sz="900" spc="0">
+                        <a:rPr lang="de-DE" sz="900" dirty="0">
                           <a:solidFill>
                             <a:srgbClr val="FFFFFF"/>
                           </a:solidFill>
                           <a:latin typeface="Adobe Clean"/>
                           <a:cs typeface="Adobe Clean"/>
                         </a:rPr>
-                        <a:t>Enterprise </a:t>
+                        <a:t>Enterprise Support</a:t>
                       </a:r>
-                      <a:r>
-                        <a:rPr lang="en-US" sz="900" spc="0">
-                          <a:solidFill>
-                            <a:srgbClr val="FFFFFF"/>
-                          </a:solidFill>
-                          <a:latin typeface="Adobe Clean"/>
-                          <a:cs typeface="Adobe Clean"/>
-                        </a:rPr>
-                        <a:t> </a:t>
-                      </a:r>
-                      <a:r>
-                        <a:rPr sz="900" spc="0">
-                          <a:solidFill>
-                            <a:srgbClr val="FFFFFF"/>
-                          </a:solidFill>
-                          <a:latin typeface="Adobe Clean"/>
-                          <a:cs typeface="Adobe Clean"/>
-                        </a:rPr>
-                        <a:t>Support</a:t>
-                      </a:r>
-                      <a:endParaRPr sz="900" spc="0">
-                        <a:latin typeface="Adobe Clean"/>
-                        <a:cs typeface="Adobe Clean"/>
-                      </a:endParaRPr>
                     </a:p>
                   </a:txBody>
                   <a:tcPr marL="0" marR="0" marT="0" marB="0" anchor="ctr">
@@ -6216,39 +5863,15 @@
                         </a:spcBef>
                       </a:pPr>
                       <a:r>
-                        <a:rPr sz="900" spc="0">
+                        <a:rPr lang="de-DE" sz="900">
                           <a:solidFill>
                             <a:srgbClr val="FFFFFF"/>
                           </a:solidFill>
                           <a:latin typeface="Adobe Clean"/>
                           <a:cs typeface="Adobe Clean"/>
                         </a:rPr>
-                        <a:t>Elite</a:t>
+                        <a:t>Elite Support</a:t>
                       </a:r>
-                      <a:r>
-                        <a:rPr lang="en-US" sz="900" spc="0">
-                          <a:solidFill>
-                            <a:srgbClr val="FFFFFF"/>
-                          </a:solidFill>
-                          <a:latin typeface="Adobe Clean"/>
-                          <a:cs typeface="Adobe Clean"/>
-                        </a:rPr>
-                        <a:t> </a:t>
-                      </a:r>
-                      <a:r>
-                        <a:rPr sz="900" spc="0">
-                          <a:solidFill>
-                            <a:srgbClr val="FFFFFF"/>
-                          </a:solidFill>
-                          <a:latin typeface="Adobe Clean"/>
-                          <a:cs typeface="Adobe Clean"/>
-                        </a:rPr>
-                        <a:t>Support</a:t>
-                      </a:r>
-                      <a:endParaRPr sz="900" spc="0">
-                        <a:latin typeface="Adobe Clean"/>
-                        <a:cs typeface="Adobe Clean"/>
-                      </a:endParaRPr>
                     </a:p>
                   </a:txBody>
                   <a:tcPr marL="0" marR="0" marT="0" marB="0" anchor="ctr">
@@ -6298,26 +5921,22 @@
                           <a:spcPct val="100000"/>
                         </a:lnSpc>
                         <a:spcBef>
-                          <a:spcPts val="30"/>
+                          <a:spcPts val="600"/>
                         </a:spcBef>
                       </a:pPr>
                       <a:r>
-                        <a:rPr sz="900" b="1" spc="0" dirty="0">
+                        <a:rPr lang="de-DE" sz="900" b="1" dirty="0">
                           <a:solidFill>
                             <a:srgbClr val="020302"/>
                           </a:solidFill>
                           <a:latin typeface="Adobe Clean"/>
                           <a:cs typeface="Adobe Clean"/>
                         </a:rPr>
-                        <a:t>PRIORITY 1</a:t>
+                        <a:t>PRIORITÄT 1</a:t>
                       </a:r>
-                      <a:endParaRPr sz="900" spc="0" dirty="0">
-                        <a:latin typeface="Adobe Clean"/>
-                        <a:cs typeface="Adobe Clean"/>
-                      </a:endParaRPr>
-                    </a:p>
-                    <a:p>
-                      <a:pPr marL="50800" marR="387985">
+                    </a:p>
+                    <a:p>
+                      <a:pPr marL="50800" marR="387985" defTabSz="985838">
                         <a:lnSpc>
                           <a:spcPts val="1000"/>
                         </a:lnSpc>
@@ -6326,19 +5945,14 @@
                         </a:spcBef>
                       </a:pPr>
                       <a:r>
-                        <a:rPr lang="en-US" sz="900" b="0" i="0" spc="0" dirty="0">
+                        <a:rPr lang="de-DE" sz="900" b="0" i="0" dirty="0">
                           <a:solidFill>
                             <a:srgbClr val="000000"/>
                           </a:solidFill>
-                          <a:effectLst/>
                           <a:latin typeface="Adobe Clean Light" panose="020B0303020404020204" pitchFamily="34" charset="0"/>
                         </a:rPr>
-                        <a:t>Customer's production business functions are down or have significant data loss or service degradation and immediate attention is required to restore functionality and usability. </a:t>
+                        <a:t>Die Produktionsfunktionen im Unternehmen des Kunden sind ausgefallen oder weisen einen erheblichen Datenverlust oder eine Beeinträchtigung des Service auf und ein sofortiges Eingreifen ist nötig, um Funktionalität und Nutzbarkeit wiederherzustellen. </a:t>
                       </a:r>
-                      <a:endParaRPr sz="900" spc="0" dirty="0">
-                        <a:latin typeface="AdobeClean-Light"/>
-                        <a:cs typeface="AdobeClean-Light"/>
-                      </a:endParaRPr>
                     </a:p>
                   </a:txBody>
                   <a:tcPr marL="0" marR="0" marT="0" marB="0" anchor="ctr">
@@ -6385,7 +5999,7 @@
                         </a:spcBef>
                       </a:pPr>
                       <a:r>
-                        <a:rPr lang="en-US" sz="900" spc="0">
+                        <a:rPr lang="de-DE" sz="900" dirty="0">
                           <a:solidFill>
                             <a:srgbClr val="020302"/>
                           </a:solidFill>
@@ -6405,19 +6019,15 @@
                         </a:spcBef>
                       </a:pPr>
                       <a:r>
-                        <a:rPr lang="en-US" sz="900" spc="0">
+                        <a:rPr lang="de-DE" sz="900" dirty="0">
                           <a:solidFill>
                             <a:srgbClr val="020302"/>
                           </a:solidFill>
                           <a:latin typeface="AdobeClean-Light"/>
                           <a:cs typeface="AdobeClean-Light"/>
                         </a:rPr>
-                        <a:t> 30 minutes</a:t>
+                        <a:t>30 Minuten</a:t>
                       </a:r>
-                      <a:endParaRPr lang="en-US" sz="900" spc="0">
-                        <a:latin typeface="AdobeClean-Light"/>
-                        <a:cs typeface="AdobeClean-Light"/>
-                      </a:endParaRPr>
                     </a:p>
                   </a:txBody>
                   <a:tcPr marL="0" marR="0" marT="0" marB="0" anchor="ctr">
@@ -6462,10 +6072,10 @@
                         <a:tabLst/>
                       </a:pPr>
                       <a:r>
-                        <a:rPr lang="en-US" sz="1000" i="0" spc="0" dirty="0">
+                        <a:rPr lang="de-DE" sz="1000" i="0" dirty="0">
                           <a:latin typeface="AdobeClean-Light"/>
                         </a:rPr>
-                        <a:t>Customers who purchase a Support Plan for applicable Adobe Products and Services receive priority case routing that fast-tracks cases to Adobe’s Support Engineers. </a:t>
+                        <a:t>Kunden, die einen Support-Plan für die entsprechenden Adobe-Produkte und -Services erwerben, erhalten eine bevorzugte Weiterleitung von Fällen an die Support-Techniker von Adobe. </a:t>
                       </a:r>
                     </a:p>
                   </a:txBody>
@@ -6513,7 +6123,7 @@
                         </a:spcBef>
                       </a:pPr>
                       <a:r>
-                        <a:rPr sz="900" spc="0">
+                        <a:rPr lang="de-DE" sz="900">
                           <a:solidFill>
                             <a:srgbClr val="020302"/>
                           </a:solidFill>
@@ -6523,10 +6133,52 @@
                           <a:latin typeface="AdobeClean-Light"/>
                           <a:cs typeface="AdobeClean-Light"/>
                         </a:rPr>
-                        <a:t>24x7 /  </a:t>
+                        <a:t>24x7/30 Minuten</a:t>
                       </a:r>
+                    </a:p>
+                  </a:txBody>
+                  <a:tcPr marL="0" marR="0" marT="0" marB="0" anchor="ctr">
+                    <a:lnL w="3175">
+                      <a:solidFill>
+                        <a:srgbClr val="B7B8B8"/>
+                      </a:solidFill>
+                      <a:prstDash val="solid"/>
+                    </a:lnL>
+                    <a:lnR w="3175">
+                      <a:solidFill>
+                        <a:srgbClr val="B7B8B8"/>
+                      </a:solidFill>
+                      <a:prstDash val="solid"/>
+                    </a:lnR>
+                    <a:lnT w="76200">
+                      <a:solidFill>
+                        <a:srgbClr val="2E8FFF"/>
+                      </a:solidFill>
+                      <a:prstDash val="solid"/>
+                    </a:lnT>
+                    <a:lnB w="3175">
+                      <a:solidFill>
+                        <a:srgbClr val="B7B8B8"/>
+                      </a:solidFill>
+                      <a:prstDash val="solid"/>
+                    </a:lnB>
+                  </a:tcPr>
+                </a:tc>
+                <a:tc rowSpan="4" hMerge="1">
+                  <a:txBody>
+                    <a:bodyPr/>
+                    <a:lstStyle/>
+                    <a:p>
+                      <a:pPr marL="0" marR="271780" indent="103505" algn="ctr">
+                        <a:lnSpc>
+                          <a:spcPct val="100000"/>
+                        </a:lnSpc>
+                        <a:spcBef>
+                          <a:spcPts val="670"/>
+                        </a:spcBef>
+                      </a:pPr>
                       <a:r>
-                        <a:rPr lang="en-US" sz="900" spc="0">
+                        <a:rPr lang="de-DE" sz="900">
                           <a:solidFill>
                             <a:srgbClr val="020302"/>
                           </a:solidFill>
@@ -6536,168 +6188,8 @@
                           <a:latin typeface="AdobeClean-Light"/>
                           <a:cs typeface="AdobeClean-Light"/>
                         </a:rPr>
-                        <a:t>         </a:t>
+                        <a:t>24x7/15 Minuten</a:t>
                       </a:r>
-                      <a:r>
-                        <a:rPr sz="900" spc="0">
-                          <a:solidFill>
-                            <a:srgbClr val="020302"/>
-                          </a:solidFill>
-                          <a:highlight>
-                            <a:srgbClr val="FFFF00"/>
-                          </a:highlight>
-                          <a:latin typeface="AdobeClean-Light"/>
-                          <a:cs typeface="AdobeClean-Light"/>
-                        </a:rPr>
-                        <a:t>30</a:t>
-                      </a:r>
-                      <a:r>
-                        <a:rPr lang="en-US" sz="900" spc="0">
-                          <a:solidFill>
-                            <a:srgbClr val="020302"/>
-                          </a:solidFill>
-                          <a:highlight>
-                            <a:srgbClr val="FFFF00"/>
-                          </a:highlight>
-                          <a:latin typeface="AdobeClean-Light"/>
-                          <a:cs typeface="AdobeClean-Light"/>
-                        </a:rPr>
-                        <a:t> </a:t>
-                      </a:r>
-                      <a:r>
-                        <a:rPr sz="900" spc="0">
-                          <a:solidFill>
-                            <a:srgbClr val="020302"/>
-                          </a:solidFill>
-                          <a:highlight>
-                            <a:srgbClr val="FFFF00"/>
-                          </a:highlight>
-                          <a:latin typeface="AdobeClean-Light"/>
-                          <a:cs typeface="AdobeClean-Light"/>
-                        </a:rPr>
-                        <a:t>minutes</a:t>
-                      </a:r>
-                      <a:endParaRPr sz="900" spc="0">
-                        <a:highlight>
-                          <a:srgbClr val="FFFF00"/>
-                        </a:highlight>
-                        <a:latin typeface="AdobeClean-Light"/>
-                        <a:cs typeface="AdobeClean-Light"/>
-                      </a:endParaRPr>
-                    </a:p>
-                  </a:txBody>
-                  <a:tcPr marL="0" marR="0" marT="0" marB="0" anchor="ctr">
-                    <a:lnL w="3175">
-                      <a:solidFill>
-                        <a:srgbClr val="B7B8B8"/>
-                      </a:solidFill>
-                      <a:prstDash val="solid"/>
-                    </a:lnL>
-                    <a:lnR w="3175">
-                      <a:solidFill>
-                        <a:srgbClr val="B7B8B8"/>
-                      </a:solidFill>
-                      <a:prstDash val="solid"/>
-                    </a:lnR>
-                    <a:lnT w="76200">
-                      <a:solidFill>
-                        <a:srgbClr val="2E8FFF"/>
-                      </a:solidFill>
-                      <a:prstDash val="solid"/>
-                    </a:lnT>
-                    <a:lnB w="3175">
-                      <a:solidFill>
-                        <a:srgbClr val="B7B8B8"/>
-                      </a:solidFill>
-                      <a:prstDash val="solid"/>
-                    </a:lnB>
-                  </a:tcPr>
-                </a:tc>
-                <a:tc rowSpan="4" hMerge="1">
-                  <a:txBody>
-                    <a:bodyPr/>
-                    <a:lstStyle/>
-                    <a:p>
-                      <a:pPr marL="0" marR="271780" indent="103505" algn="ctr">
-                        <a:lnSpc>
-                          <a:spcPct val="100000"/>
-                        </a:lnSpc>
-                        <a:spcBef>
-                          <a:spcPts val="670"/>
-                        </a:spcBef>
-                      </a:pPr>
-                      <a:r>
-                        <a:rPr sz="900" spc="0">
-                          <a:solidFill>
-                            <a:srgbClr val="020302"/>
-                          </a:solidFill>
-                          <a:highlight>
-                            <a:srgbClr val="FFFF00"/>
-                          </a:highlight>
-                          <a:latin typeface="AdobeClean-Light"/>
-                          <a:cs typeface="AdobeClean-Light"/>
-                        </a:rPr>
-                        <a:t>24x7 / </a:t>
-                      </a:r>
-                      <a:r>
-                        <a:rPr lang="en-US" sz="900" spc="0">
-                          <a:solidFill>
-                            <a:srgbClr val="020302"/>
-                          </a:solidFill>
-                          <a:highlight>
-                            <a:srgbClr val="FFFF00"/>
-                          </a:highlight>
-                          <a:latin typeface="AdobeClean-Light"/>
-                          <a:cs typeface="AdobeClean-Light"/>
-                        </a:rPr>
-                        <a:t>       </a:t>
-                      </a:r>
-                      <a:r>
-                        <a:rPr sz="900" spc="0">
-                          <a:solidFill>
-                            <a:srgbClr val="020302"/>
-                          </a:solidFill>
-                          <a:highlight>
-                            <a:srgbClr val="FFFF00"/>
-                          </a:highlight>
-                          <a:latin typeface="AdobeClean-Light"/>
-                          <a:cs typeface="AdobeClean-Light"/>
-                        </a:rPr>
-                        <a:t> 15</a:t>
-                      </a:r>
-                      <a:r>
-                        <a:rPr lang="en-US" sz="900" spc="0">
-                          <a:solidFill>
-                            <a:srgbClr val="020302"/>
-                          </a:solidFill>
-                          <a:highlight>
-                            <a:srgbClr val="FFFF00"/>
-                          </a:highlight>
-                          <a:latin typeface="AdobeClean-Light"/>
-                          <a:cs typeface="AdobeClean-Light"/>
-                        </a:rPr>
-                        <a:t> </a:t>
-                      </a:r>
-                      <a:r>
-                        <a:rPr sz="900" spc="0">
-                          <a:solidFill>
-                            <a:srgbClr val="020302"/>
-                          </a:solidFill>
-                          <a:highlight>
-                            <a:srgbClr val="FFFF00"/>
-                          </a:highlight>
-                          <a:latin typeface="AdobeClean-Light"/>
-                          <a:cs typeface="AdobeClean-Light"/>
-                        </a:rPr>
-                        <a:t>minutes</a:t>
-                      </a:r>
-                      <a:endParaRPr sz="900" spc="0">
-                        <a:highlight>
-                          <a:srgbClr val="FFFF00"/>
-                        </a:highlight>
-                        <a:latin typeface="AdobeClean-Light"/>
-                        <a:cs typeface="AdobeClean-Light"/>
-                      </a:endParaRPr>
                     </a:p>
                   </a:txBody>
                   <a:tcPr marL="0" marR="0" marT="0" marB="0" anchor="ctr">
@@ -6748,19 +6240,15 @@
                         </a:spcBef>
                       </a:pPr>
                       <a:r>
-                        <a:rPr sz="900" b="1" spc="0">
+                        <a:rPr lang="de-DE" sz="900" b="1" dirty="0">
                           <a:solidFill>
                             <a:srgbClr val="020302"/>
                           </a:solidFill>
                           <a:latin typeface="Adobe Clean"/>
                           <a:cs typeface="Adobe Clean"/>
                         </a:rPr>
-                        <a:t>PRIORITY 2</a:t>
+                        <a:t>PRIORITÄT 2</a:t>
                       </a:r>
-                      <a:endParaRPr sz="900" spc="0">
-                        <a:latin typeface="Adobe Clean"/>
-                        <a:cs typeface="Adobe Clean"/>
-                      </a:endParaRPr>
                     </a:p>
                     <a:p>
                       <a:pPr marL="50165" marR="203200" indent="0" defTabSz="914400" eaLnBrk="1" fontAlgn="auto" latinLnBrk="0" hangingPunct="1">
@@ -6781,19 +6269,14 @@
                         <a:defRPr/>
                       </a:pPr>
                       <a:r>
-                        <a:rPr lang="en-US" sz="900" b="0" i="0" spc="0">
+                        <a:rPr lang="de-DE" sz="900" b="0" i="0" dirty="0">
                           <a:solidFill>
                             <a:srgbClr val="000000"/>
                           </a:solidFill>
-                          <a:effectLst/>
                           <a:latin typeface="Adobe Clean Light" panose="020B0303020404020204" pitchFamily="34" charset="0"/>
                         </a:rPr>
-                        <a:t>Customer's business functions have major service degradation or potential data loss, or a major feature is impacted. </a:t>
+                        <a:t>Die Unternehmensfunktionen des Kunden weisen erhebliche Beeinträchtigungen des Service oder möglichen Datenverlust auf oder eine zentrale Funktion ist betroffen. </a:t>
                       </a:r>
-                      <a:endParaRPr sz="900" b="0" i="0" spc="0">
-                        <a:latin typeface="Adobe Clean Light" panose="020B0303020404020204" pitchFamily="34" charset="0"/>
-                        <a:cs typeface="AdobeClean-Light"/>
-                      </a:endParaRPr>
                     </a:p>
                   </a:txBody>
                   <a:tcPr marL="0" marR="0" marT="0" marB="0" anchor="ctr">
@@ -6840,7 +6323,7 @@
                         </a:spcBef>
                       </a:pPr>
                       <a:r>
-                        <a:rPr lang="en-US" sz="900" spc="0">
+                        <a:rPr lang="de-DE" sz="900" dirty="0">
                           <a:solidFill>
                             <a:srgbClr val="020302"/>
                           </a:solidFill>
@@ -6860,19 +6343,15 @@
                         </a:spcBef>
                       </a:pPr>
                       <a:r>
-                        <a:rPr lang="en-US" sz="900" spc="0">
+                        <a:rPr lang="de-DE" sz="900" dirty="0">
                           <a:solidFill>
                             <a:srgbClr val="020302"/>
                           </a:solidFill>
                           <a:latin typeface="AdobeClean-Light"/>
                           <a:cs typeface="AdobeClean-Light"/>
                         </a:rPr>
-                        <a:t>     1 hour</a:t>
+                        <a:t>     1 Stunde</a:t>
                       </a:r>
-                      <a:endParaRPr lang="en-US" sz="900" spc="0">
-                        <a:latin typeface="AdobeClean-Light"/>
-                        <a:cs typeface="AdobeClean-Light"/>
-                      </a:endParaRPr>
                     </a:p>
                   </a:txBody>
                   <a:tcPr marL="0" marR="0" marT="0" marB="0" anchor="ctr">
@@ -6907,7 +6386,7 @@
                     <a:bodyPr/>
                     <a:lstStyle/>
                     <a:p>
-                      <a:pPr marL="0" marR="184785" indent="-194310" algn="ctr">
+                      <a:pPr marL="0" marR="184785" indent="-194310" algn="l" rtl="0">
                         <a:lnSpc>
                           <a:spcPct val="100000"/>
                         </a:lnSpc>
@@ -6959,7 +6438,7 @@
                     <a:bodyPr/>
                     <a:lstStyle/>
                     <a:p>
-                      <a:pPr marL="0" marR="325755" indent="-5715" algn="ctr">
+                      <a:pPr marL="0" marR="325755" indent="-5715" algn="l" rtl="0">
                         <a:lnSpc>
                           <a:spcPct val="100000"/>
                         </a:lnSpc>
@@ -7008,7 +6487,7 @@
                     <a:bodyPr/>
                     <a:lstStyle/>
                     <a:p>
-                      <a:pPr marL="0" marR="259079" indent="111760" algn="ctr">
+                      <a:pPr marL="0" marR="259079" indent="111760" algn="l" rtl="0">
                         <a:lnSpc>
                           <a:spcPct val="100000"/>
                         </a:lnSpc>
@@ -7073,29 +6552,15 @@
                         </a:spcBef>
                       </a:pPr>
                       <a:r>
-                        <a:rPr sz="900" b="1" spc="0">
+                        <a:rPr lang="de-DE" sz="900" b="1">
                           <a:solidFill>
                             <a:srgbClr val="020302"/>
                           </a:solidFill>
                           <a:latin typeface="Adobe Clean"/>
                           <a:cs typeface="Adobe Clean"/>
                         </a:rPr>
-                        <a:t>PRIORITY</a:t>
+                        <a:t>PRIORITÄT 3</a:t>
                       </a:r>
-                      <a:r>
-                        <a:rPr lang="en-US" sz="900" b="1" spc="0">
-                          <a:solidFill>
-                            <a:srgbClr val="020302"/>
-                          </a:solidFill>
-                          <a:latin typeface="Adobe Clean"/>
-                          <a:cs typeface="Adobe Clean"/>
-                        </a:rPr>
-                        <a:t> 3</a:t>
-                      </a:r>
-                      <a:endParaRPr lang="en-US" sz="900" spc="0">
-                        <a:latin typeface="Adobe Clean"/>
-                        <a:cs typeface="Adobe Clean"/>
-                      </a:endParaRPr>
                     </a:p>
                     <a:p>
                       <a:pPr marL="49530" marR="212090" indent="-2540" defTabSz="914400" eaLnBrk="1" fontAlgn="auto" latinLnBrk="0" hangingPunct="1">
@@ -7116,26 +6581,21 @@
                         <a:defRPr/>
                       </a:pPr>
                       <a:r>
-                        <a:rPr kumimoji="0" lang="en-US" sz="900" b="0" i="0" u="none" strike="noStrike" kern="1200" cap="none" spc="0" normalizeH="0" baseline="0" noProof="0">
+                        <a:rPr kumimoji="0" lang="de-DE" sz="900" b="0" i="0" u="none" strike="noStrike" cap="none" normalizeH="0" baseline="0" noProof="0">
                           <a:ln>
                             <a:noFill/>
                           </a:ln>
                           <a:solidFill>
                             <a:srgbClr val="000000"/>
                           </a:solidFill>
-                          <a:effectLst/>
                           <a:uLnTx/>
                           <a:uFillTx/>
                           <a:latin typeface="Adobe Clean Light" panose="020B0303020404020204" pitchFamily="34" charset="0"/>
                           <a:ea typeface="+mn-ea"/>
                           <a:cs typeface="+mn-cs"/>
                         </a:rPr>
-                        <a:t>Customer's business functions have minor service degradation but there exists a solution/workaround allowing business functions to continue normally. </a:t>
+                        <a:t>Die Unternehmensfunktionen des Kunden weisen eine geringfügige Beeinträchtigung des Service auf, es gibt jedoch eine Lösung/Problemumgehung, mit der die Unternehmensfunktionen weiterhin normal genutzt werden können </a:t>
                       </a:r>
-                      <a:endParaRPr lang="en-US" sz="900" b="0" i="0" spc="0">
-                        <a:latin typeface="Adobe Clean Light" panose="020B0303020404020204" pitchFamily="34" charset="0"/>
-                        <a:cs typeface="AdobeClean-Light"/>
-                      </a:endParaRPr>
                     </a:p>
                   </a:txBody>
                   <a:tcPr marL="0" marR="0" marT="0" marB="0" anchor="ctr">
@@ -7185,14 +6645,14 @@
                         </a:tabLst>
                       </a:pPr>
                       <a:r>
-                        <a:rPr lang="en-US" sz="900" spc="0">
+                        <a:rPr lang="de-DE" sz="900">
                           <a:solidFill>
                             <a:srgbClr val="020302"/>
                           </a:solidFill>
                           <a:latin typeface="AdobeClean-Light"/>
                           <a:cs typeface="AdobeClean-Light"/>
                         </a:rPr>
-                        <a:t>Business day /   </a:t>
+                        <a:t>Geschäftstag /   </a:t>
                       </a:r>
                     </a:p>
                     <a:p>
@@ -7205,19 +6665,15 @@
                         </a:spcBef>
                       </a:pPr>
                       <a:r>
-                        <a:rPr lang="en-US" sz="900" spc="0">
+                        <a:rPr lang="de-DE" sz="900">
                           <a:solidFill>
                             <a:srgbClr val="020302"/>
                           </a:solidFill>
                           <a:latin typeface="AdobeClean-Light"/>
                           <a:cs typeface="AdobeClean-Light"/>
                         </a:rPr>
-                        <a:t>4 hours</a:t>
+                        <a:t>4 Stunden</a:t>
                       </a:r>
-                      <a:endParaRPr lang="en-US" sz="900" spc="0">
-                        <a:latin typeface="AdobeClean-Light"/>
-                        <a:cs typeface="AdobeClean-Light"/>
-                      </a:endParaRPr>
                     </a:p>
                   </a:txBody>
                   <a:tcPr marL="0" marR="0" marT="0" marB="0" anchor="ctr">
@@ -7252,7 +6708,7 @@
                     <a:bodyPr/>
                     <a:lstStyle/>
                     <a:p>
-                      <a:pPr marL="0" marR="185420" indent="-193675" algn="ctr">
+                      <a:pPr marL="0" marR="185420" indent="-193675" algn="l" rtl="0">
                         <a:lnSpc>
                           <a:spcPct val="100000"/>
                         </a:lnSpc>
@@ -7304,7 +6760,7 @@
                     <a:bodyPr/>
                     <a:lstStyle/>
                     <a:p>
-                      <a:pPr marL="0" marR="184785" indent="-194310" algn="ctr">
+                      <a:pPr marL="0" marR="184785" indent="-194310" algn="l" rtl="0">
                         <a:lnSpc>
                           <a:spcPct val="100000"/>
                         </a:lnSpc>
@@ -7353,7 +6809,7 @@
                     <a:bodyPr/>
                     <a:lstStyle/>
                     <a:p>
-                      <a:pPr marL="0" marR="326390" indent="-5715" algn="ctr">
+                      <a:pPr marL="0" marR="326390" indent="-5715" algn="l" rtl="0">
                         <a:lnSpc>
                           <a:spcPct val="100000"/>
                         </a:lnSpc>
@@ -7418,19 +6874,15 @@
                         </a:spcBef>
                       </a:pPr>
                       <a:r>
-                        <a:rPr sz="900" b="1" spc="0">
+                        <a:rPr lang="de-DE" sz="900" b="1">
                           <a:solidFill>
                             <a:srgbClr val="020302"/>
                           </a:solidFill>
                           <a:latin typeface="Adobe Clean"/>
                           <a:cs typeface="Adobe Clean"/>
                         </a:rPr>
-                        <a:t>PRIORITY 4</a:t>
+                        <a:t>PRIORITÄT 4</a:t>
                       </a:r>
-                      <a:endParaRPr sz="900" spc="0">
-                        <a:latin typeface="Adobe Clean"/>
-                        <a:cs typeface="Adobe Clean"/>
-                      </a:endParaRPr>
                     </a:p>
                     <a:p>
                       <a:pPr marL="48895" marR="0" indent="0" defTabSz="914400" eaLnBrk="1" fontAlgn="auto" latinLnBrk="0" hangingPunct="1">
@@ -7451,19 +6903,14 @@
                         <a:defRPr/>
                       </a:pPr>
                       <a:r>
-                        <a:rPr lang="en-US" sz="900" b="0" i="0" spc="0">
+                        <a:rPr lang="de-DE" sz="900" b="0" i="0">
                           <a:solidFill>
                             <a:srgbClr val="000000"/>
                           </a:solidFill>
-                          <a:effectLst/>
                           <a:latin typeface="Adobe Clean Light" panose="020B0303020404020204" pitchFamily="34" charset="0"/>
                         </a:rPr>
-                        <a:t>General question regarding current product functionality or an enhancement request.</a:t>
+                        <a:t>Allgemeine Frage zur aktuellen Produktfunktionalität oder Anfrage zu einer Erweiterung.</a:t>
                       </a:r>
-                      <a:endParaRPr sz="900" b="0" i="0" spc="0">
-                        <a:latin typeface="Adobe Clean Light" panose="020B0303020404020204" pitchFamily="34" charset="0"/>
-                        <a:cs typeface="AdobeClean-Light"/>
-                      </a:endParaRPr>
                     </a:p>
                   </a:txBody>
                   <a:tcPr marL="0" marR="0" marT="0" marB="0" anchor="ctr">
@@ -7513,14 +6960,14 @@
                         </a:tabLst>
                       </a:pPr>
                       <a:r>
-                        <a:rPr lang="en-US" sz="900" spc="0" dirty="0">
+                        <a:rPr lang="de-DE" sz="900" dirty="0">
                           <a:solidFill>
                             <a:srgbClr val="020302"/>
                           </a:solidFill>
                           <a:latin typeface="AdobeClean-Light"/>
                           <a:cs typeface="AdobeClean-Light"/>
                         </a:rPr>
-                        <a:t>  Business day /   </a:t>
+                        <a:t>  Geschäftstag /   </a:t>
                       </a:r>
                     </a:p>
                     <a:p>
@@ -7533,19 +6980,15 @@
                         </a:spcBef>
                       </a:pPr>
                       <a:r>
-                        <a:rPr lang="en-US" sz="900" spc="0" dirty="0">
+                        <a:rPr lang="de-DE" sz="900" dirty="0">
                           <a:solidFill>
                             <a:srgbClr val="020302"/>
                           </a:solidFill>
                           <a:latin typeface="AdobeClean-Light"/>
                           <a:cs typeface="AdobeClean-Light"/>
                         </a:rPr>
-                        <a:t>1 day </a:t>
+                        <a:t>1 Tag </a:t>
                       </a:r>
-                      <a:endParaRPr lang="en-US" sz="900" spc="0" dirty="0">
-                        <a:latin typeface="AdobeClean-Light"/>
-                        <a:cs typeface="AdobeClean-Light"/>
-                      </a:endParaRPr>
                     </a:p>
                   </a:txBody>
                   <a:tcPr marL="0" marR="0" marT="0" marB="0" anchor="ctr">
@@ -7580,7 +7023,7 @@
                     <a:bodyPr/>
                     <a:lstStyle/>
                     <a:p>
-                      <a:pPr marL="0" marR="223520" indent="-202565" algn="ctr">
+                      <a:pPr marL="0" marR="223520" indent="-202565" algn="l" rtl="0">
                         <a:lnSpc>
                           <a:spcPct val="100000"/>
                         </a:lnSpc>
@@ -7632,7 +7075,7 @@
                     <a:bodyPr/>
                     <a:lstStyle/>
                     <a:p>
-                      <a:pPr marL="0" marR="223520" indent="-202565" algn="ctr">
+                      <a:pPr marL="0" marR="223520" indent="-202565" algn="l" rtl="0">
                         <a:lnSpc>
                           <a:spcPct val="100000"/>
                         </a:lnSpc>
@@ -7681,7 +7124,7 @@
                     <a:bodyPr/>
                     <a:lstStyle/>
                     <a:p>
-                      <a:pPr marL="0" marR="223520" indent="-202565" algn="ctr">
+                      <a:pPr marL="0" marR="223520" indent="-202565" algn="l" rtl="0">
                         <a:lnSpc>
                           <a:spcPct val="100000"/>
                         </a:lnSpc>
@@ -7751,8 +7194,8 @@
         </p:nvSpPr>
         <p:spPr>
           <a:xfrm>
-            <a:off x="97788" y="9888626"/>
-            <a:ext cx="2245360" cy="133370"/>
+            <a:off x="97788" y="9906000"/>
+            <a:ext cx="4093212" cy="133370"/>
           </a:xfrm>
           <a:prstGeom prst="rect">
             <a:avLst/>
@@ -7864,36 +7307,8 @@
               </a:spcBef>
             </a:pPr>
             <a:r>
-              <a:rPr lang="en-US" spc="-10" dirty="0"/>
-              <a:t>©202</a:t>
-            </a:r>
-            <a:r>
-              <a:rPr lang="en-US" spc="-5" dirty="0"/>
-              <a:t>2 Adobe. All</a:t>
-            </a:r>
-            <a:r>
-              <a:rPr lang="en-US" spc="-10" dirty="0"/>
-              <a:t> Rights</a:t>
-            </a:r>
-            <a:r>
-              <a:rPr lang="en-US" spc="-5" dirty="0"/>
-              <a:t> </a:t>
-            </a:r>
-            <a:r>
-              <a:rPr lang="en-US" spc="-10" dirty="0"/>
-              <a:t>Reserved.</a:t>
-            </a:r>
-            <a:r>
-              <a:rPr lang="en-US" spc="-5" dirty="0"/>
-              <a:t> Adobe</a:t>
-            </a:r>
-            <a:r>
-              <a:rPr lang="en-US" spc="60" dirty="0"/>
-              <a:t> </a:t>
-            </a:r>
-            <a:r>
-              <a:rPr lang="en-US" spc="-10" dirty="0"/>
-              <a:t>Confidential.</a:t>
+              <a:rPr lang="de-DE" dirty="0"/>
+              <a:t>©2022 Adobe. All Rights Reserved. Adobe Confidential.</a:t>
             </a:r>
           </a:p>
         </p:txBody>
@@ -8070,7 +7485,7 @@
         <p:spPr>
           <a:xfrm>
             <a:off x="371909" y="1607065"/>
-            <a:ext cx="2148840" cy="738536"/>
+            <a:ext cx="2054276" cy="921471"/>
           </a:xfrm>
           <a:prstGeom prst="rect">
             <a:avLst/>
@@ -8091,15 +7506,11 @@
               </a:spcBef>
             </a:pPr>
             <a:r>
-              <a:rPr lang="en-US" sz="1000" dirty="0">
+              <a:rPr lang="de-DE" sz="1000" dirty="0">
                 <a:latin typeface="Adobe Clean Light" panose="020B0303020404020204" pitchFamily="34" charset="0"/>
               </a:rPr>
-              <a:t>An assigned Account Support Lead to monitor case progress and function as your escalation point and internal advocate within Adobe Support.</a:t>
+              <a:t>Ein zugewiesener Account Support Lead überwacht den Fortschritt des Falles und fungiert als Ihre zentrale Anlaufstelle und interner Ansprechpartner im Adobe-Support.</a:t>
             </a:r>
-            <a:endParaRPr lang="en-US" sz="1000" dirty="0">
-              <a:latin typeface="Adobe Clean Light" panose="020B0303020404020204" pitchFamily="34" charset="0"/>
-              <a:cs typeface="AdobeClean-Light"/>
-            </a:endParaRPr>
           </a:p>
         </p:txBody>
       </p:sp>
@@ -8170,7 +7581,7 @@
               </a:spcAft>
             </a:pPr>
             <a:r>
-              <a:rPr lang="en-US" sz="1200" b="1" spc="-10" dirty="0">
+              <a:rPr lang="de-DE" sz="1200" b="1">
                 <a:solidFill>
                   <a:srgbClr val="020302"/>
                 </a:solidFill>
@@ -8196,7 +7607,7 @@
         <p:spPr>
           <a:xfrm>
             <a:off x="430064" y="5732304"/>
-            <a:ext cx="1983611" cy="45719"/>
+            <a:ext cx="2617936" cy="45719"/>
           </a:xfrm>
           <a:custGeom>
             <a:avLst/>
@@ -8244,14 +7655,14 @@
         <p:spPr>
           <a:xfrm>
             <a:off x="318713" y="5432541"/>
-            <a:ext cx="2180405" cy="307777"/>
+            <a:ext cx="3194163" cy="307777"/>
           </a:xfrm>
           <a:prstGeom prst="rect">
             <a:avLst/>
           </a:prstGeom>
         </p:spPr>
         <p:txBody>
-          <a:bodyPr wrap="none">
+          <a:bodyPr wrap="square">
             <a:spAutoFit/>
           </a:bodyPr>
           <a:lstStyle/>
@@ -8265,19 +7676,15 @@
               </a:spcBef>
             </a:pPr>
             <a:r>
-              <a:rPr lang="en-US" sz="1400" b="1" spc="-10" dirty="0">
+              <a:rPr lang="de-DE" sz="1400" b="1">
                 <a:solidFill>
                   <a:srgbClr val="020302"/>
                 </a:solidFill>
                 <a:latin typeface="Adobe Clean"/>
                 <a:cs typeface="Adobe Clean"/>
               </a:rPr>
-              <a:t>Standard Support Features</a:t>
+              <a:t>Standardfunktionen des Supports</a:t>
             </a:r>
-            <a:endParaRPr lang="en-US" sz="1400" dirty="0">
-              <a:latin typeface="Adobe Clean"/>
-              <a:cs typeface="Adobe Clean"/>
-            </a:endParaRPr>
           </a:p>
         </p:txBody>
       </p:sp>
@@ -8295,8 +7702,8 @@
         </p:nvSpPr>
         <p:spPr>
           <a:xfrm>
-            <a:off x="401995" y="736965"/>
-            <a:ext cx="2011680" cy="0"/>
+            <a:off x="401995" y="736964"/>
+            <a:ext cx="2388546" cy="45719"/>
           </a:xfrm>
           <a:custGeom>
             <a:avLst/>
@@ -8344,7 +7751,7 @@
         <p:spPr>
           <a:xfrm>
             <a:off x="318713" y="429188"/>
-            <a:ext cx="2251572" cy="307777"/>
+            <a:ext cx="2837588" cy="307777"/>
           </a:xfrm>
           <a:prstGeom prst="rect">
             <a:avLst/>
@@ -8365,19 +7772,15 @@
               </a:spcBef>
             </a:pPr>
             <a:r>
-              <a:rPr lang="en-US" sz="1400" b="1" spc="-10" dirty="0">
+              <a:rPr lang="de-DE" sz="1400" b="1" dirty="0">
                 <a:solidFill>
                   <a:srgbClr val="020302"/>
                 </a:solidFill>
                 <a:latin typeface="Adobe Clean"/>
                 <a:cs typeface="Adobe Clean"/>
               </a:rPr>
-              <a:t>Business Support Features</a:t>
+              <a:t>Umfang von Business Support</a:t>
             </a:r>
-            <a:endParaRPr lang="en-US" sz="1400" dirty="0">
-              <a:latin typeface="Adobe Clean"/>
-              <a:cs typeface="Adobe Clean"/>
-            </a:endParaRPr>
           </a:p>
         </p:txBody>
       </p:sp>
@@ -8395,7 +7798,7 @@
         </p:nvSpPr>
         <p:spPr>
           <a:xfrm>
-            <a:off x="2793313" y="1593956"/>
+            <a:off x="2793313" y="1712228"/>
             <a:ext cx="2148840" cy="497572"/>
           </a:xfrm>
           <a:prstGeom prst="rect">
@@ -8414,11 +7817,11 @@
               </a:spcBef>
             </a:pPr>
             <a:r>
-              <a:rPr lang="en-US" sz="1000" dirty="0">
+              <a:rPr lang="de-DE" sz="1000" dirty="0">
                 <a:latin typeface="Adobe Clean Light" panose="020B0303020404020204" pitchFamily="34" charset="0"/>
                 <a:cs typeface="AdobeClean-Light"/>
               </a:rPr>
-              <a:t>Receive prioritized routing to ensure faster connection to more senior support resources on submitted cases. </a:t>
+              <a:t>Umfasst die vorrangige Weiterleitung von Support-Fällen, damit sie von erfahreneren Support-Mitarbeitern schneller bearbeitet werden. </a:t>
             </a:r>
           </a:p>
         </p:txBody>
@@ -8440,7 +7843,7 @@
         <p:spPr>
           <a:xfrm>
             <a:off x="3218164" y="1320426"/>
-            <a:ext cx="1976242" cy="184666"/>
+            <a:ext cx="1976242" cy="369332"/>
           </a:xfrm>
           <a:prstGeom prst="rect">
             <a:avLst/>
@@ -8461,13 +7864,30 @@
               </a:spcAft>
             </a:pPr>
             <a:r>
-              <a:rPr lang="en-US" sz="1200" b="1" spc="-10" dirty="0">
+              <a:rPr lang="de-DE" sz="1200" b="1" dirty="0">
                 <a:solidFill>
                   <a:srgbClr val="020302"/>
                 </a:solidFill>
                 <a:latin typeface="Adobe Clean" panose="020B0503020404020204" pitchFamily="34" charset="0"/>
               </a:rPr>
-              <a:t>Priority Case Routing</a:t>
+              <a:t>Vorrangige Weiterleitung </a:t>
+            </a:r>
+            <a:br>
+              <a:rPr lang="de-DE" sz="1200" b="1" dirty="0">
+                <a:solidFill>
+                  <a:srgbClr val="020302"/>
+                </a:solidFill>
+                <a:latin typeface="Adobe Clean" panose="020B0503020404020204" pitchFamily="34" charset="0"/>
+              </a:rPr>
+            </a:br>
+            <a:r>
+              <a:rPr lang="de-DE" sz="1200" b="1" dirty="0">
+                <a:solidFill>
+                  <a:srgbClr val="020302"/>
+                </a:solidFill>
+                <a:latin typeface="Adobe Clean" panose="020B0503020404020204" pitchFamily="34" charset="0"/>
+              </a:rPr>
+              <a:t>von Fällen</a:t>
             </a:r>
           </a:p>
         </p:txBody>
@@ -8487,7 +7907,7 @@
         <p:spPr>
           <a:xfrm>
             <a:off x="5346216" y="1596236"/>
-            <a:ext cx="2148840" cy="651460"/>
+            <a:ext cx="2273784" cy="805349"/>
           </a:xfrm>
           <a:prstGeom prst="rect">
             <a:avLst/>
@@ -8508,15 +7928,11 @@
               </a:spcBef>
             </a:pPr>
             <a:r>
-              <a:rPr lang="en-US" sz="1000" dirty="0">
+              <a:rPr lang="de-DE" sz="1000" dirty="0">
                 <a:latin typeface="Adobe Clean Light" panose="020B0303020404020204" pitchFamily="34" charset="0"/>
               </a:rPr>
-              <a:t>A designated point of contact within Adobe who can provide escalation assistance, regular updates and ensure priority is given to your most critical open support requests.</a:t>
+              <a:t>Ein spezifischer Ansprechpartner innerhalb von Adobe, der Unterstützung bei Eskalation und regelmäßigen Updates bietet und sicherstellt, dass die wichtigsten offenen Support-Anfragen priorisiert werden.</a:t>
             </a:r>
-            <a:endParaRPr lang="en-US" sz="1000" dirty="0">
-              <a:latin typeface="Adobe Clean Light" panose="020B0303020404020204" pitchFamily="34" charset="0"/>
-              <a:cs typeface="AdobeClean-Light"/>
-            </a:endParaRPr>
           </a:p>
         </p:txBody>
       </p:sp>
@@ -8536,8 +7952,8 @@
         </p:nvSpPr>
         <p:spPr>
           <a:xfrm>
-            <a:off x="5801129" y="1318056"/>
-            <a:ext cx="1608472" cy="184666"/>
+            <a:off x="5801128" y="1318056"/>
+            <a:ext cx="1766915" cy="184666"/>
           </a:xfrm>
           <a:prstGeom prst="rect">
             <a:avLst/>
@@ -8558,13 +7974,13 @@
               </a:spcAft>
             </a:pPr>
             <a:r>
-              <a:rPr lang="en-US" sz="1200" b="1" spc="-10" dirty="0">
+              <a:rPr lang="de-DE" sz="1200" b="1" dirty="0">
                 <a:solidFill>
                   <a:srgbClr val="020302"/>
                 </a:solidFill>
                 <a:latin typeface="Adobe Clean" panose="020B0503020404020204" pitchFamily="34" charset="0"/>
               </a:rPr>
-              <a:t>Escalation Management</a:t>
+              <a:t>Eskalations-Management</a:t>
             </a:r>
           </a:p>
         </p:txBody>
@@ -8584,7 +8000,7 @@
         <p:spPr>
           <a:xfrm>
             <a:off x="3183539" y="3615388"/>
-            <a:ext cx="2250745" cy="276999"/>
+            <a:ext cx="2074261" cy="461665"/>
           </a:xfrm>
           <a:prstGeom prst="rect">
             <a:avLst/>
@@ -8598,10 +8014,10 @@
           <a:lstStyle/>
           <a:p>
             <a:r>
-              <a:rPr lang="en-US" sz="1200" b="1" dirty="0">
+              <a:rPr lang="de-DE" sz="1200" b="1" dirty="0">
                 <a:latin typeface="Adobe Clean" panose="020B0503020404020204" pitchFamily="34" charset="0"/>
               </a:rPr>
-              <a:t>Accelerated Issue Prioritization</a:t>
+              <a:t>Beschleunigte Priorisierung von Problemen</a:t>
             </a:r>
           </a:p>
         </p:txBody>
@@ -8620,8 +8036,8 @@
         </p:nvSpPr>
         <p:spPr>
           <a:xfrm>
-            <a:off x="2850511" y="3943707"/>
-            <a:ext cx="2148840" cy="497572"/>
+            <a:off x="2850510" y="4074428"/>
+            <a:ext cx="2343895" cy="497572"/>
           </a:xfrm>
           <a:prstGeom prst="rect">
             <a:avLst/>
@@ -8640,11 +8056,11 @@
               <a:defRPr/>
             </a:pPr>
             <a:r>
-              <a:rPr lang="en-US" sz="1000" dirty="0">
+              <a:rPr lang="de-DE" sz="1000" dirty="0">
                 <a:latin typeface="Adobe Clean Light" panose="020B0303020404020204" pitchFamily="34" charset="0"/>
                 <a:cs typeface="Adobe Clean Light"/>
               </a:rPr>
-              <a:t>Receive higher prioritization on support case work through facilitated engagement with Engineering.</a:t>
+              <a:t>Höhere Priorisierung von Support-Fällen durch einfachere Kontaktaufnahme mit dem Engineering-Team.</a:t>
             </a:r>
           </a:p>
         </p:txBody>
@@ -8718,7 +8134,7 @@
         </p:nvSpPr>
         <p:spPr>
           <a:xfrm rot="5400000" flipH="1">
-            <a:off x="3863232" y="5080580"/>
+            <a:off x="3863232" y="5234940"/>
             <a:ext cx="45719" cy="5577840"/>
           </a:xfrm>
           <a:custGeom>
@@ -8797,12 +8213,12 @@
               </a:spcAft>
             </a:pPr>
             <a:r>
-              <a:rPr lang="en-US" sz="1200" b="1" dirty="0">
+              <a:rPr lang="de-DE" sz="1200" b="1">
                 <a:latin typeface="Adobe Clean" panose="020B0503020404020204" pitchFamily="34" charset="0"/>
                 <a:ea typeface="Open Sans" pitchFamily="34" charset="0"/>
                 <a:cs typeface="Open Sans" pitchFamily="34" charset="0"/>
               </a:rPr>
-              <a:t>Community Forums</a:t>
+              <a:t>Community-Foren</a:t>
             </a:r>
           </a:p>
         </p:txBody>
@@ -8822,7 +8238,7 @@
         <p:spPr>
           <a:xfrm>
             <a:off x="441718" y="6777939"/>
-            <a:ext cx="2148840" cy="959237"/>
+            <a:ext cx="2148840" cy="1113125"/>
           </a:xfrm>
           <a:prstGeom prst="rect">
             <a:avLst/>
@@ -8835,13 +8251,47 @@
           <a:lstStyle/>
           <a:p>
             <a:r>
-              <a:rPr lang="en-US" sz="1000" dirty="0">
+              <a:rPr lang="de-DE" sz="1000" dirty="0">
                 <a:solidFill>
                   <a:srgbClr val="000000"/>
                 </a:solidFill>
                 <a:latin typeface="Adobe Clean Light" panose="020B0303020404020204" pitchFamily="34" charset="0"/>
               </a:rPr>
-              <a:t>Continuous online access to a growing database of technical solutions, product documentation, FAQs and more. Connect with other customers on Adobe Community to share best practices and lessons learned..</a:t>
+              <a:t>Kontinuierlicher Online-Zugriff auf </a:t>
+            </a:r>
+            <a:br>
+              <a:rPr lang="de-DE" sz="1000" dirty="0">
+                <a:solidFill>
+                  <a:srgbClr val="000000"/>
+                </a:solidFill>
+                <a:latin typeface="Adobe Clean Light" panose="020B0303020404020204" pitchFamily="34" charset="0"/>
+              </a:rPr>
+            </a:br>
+            <a:r>
+              <a:rPr lang="de-DE" sz="1000" dirty="0">
+                <a:solidFill>
+                  <a:srgbClr val="000000"/>
+                </a:solidFill>
+                <a:latin typeface="Adobe Clean Light" panose="020B0303020404020204" pitchFamily="34" charset="0"/>
+              </a:rPr>
+              <a:t>eine wachsende Datenbank technischer Lösungen, Produktdokumentationen, FAQs und mehr. Tauschen Sie sich mit anderen Kunden in der Adobe-Community über Best Practices </a:t>
+            </a:r>
+            <a:br>
+              <a:rPr lang="de-DE" sz="1000" dirty="0">
+                <a:solidFill>
+                  <a:srgbClr val="000000"/>
+                </a:solidFill>
+                <a:latin typeface="Adobe Clean Light" panose="020B0303020404020204" pitchFamily="34" charset="0"/>
+              </a:rPr>
+            </a:br>
+            <a:r>
+              <a:rPr lang="de-DE" sz="1000" dirty="0">
+                <a:solidFill>
+                  <a:srgbClr val="000000"/>
+                </a:solidFill>
+                <a:latin typeface="Adobe Clean Light" panose="020B0303020404020204" pitchFamily="34" charset="0"/>
+              </a:rPr>
+              <a:t>und Erfahrungen aus.</a:t>
             </a:r>
           </a:p>
         </p:txBody>
@@ -8884,12 +8334,12 @@
               </a:spcAft>
             </a:pPr>
             <a:r>
-              <a:rPr lang="en-US" sz="1200" b="1" dirty="0">
+              <a:rPr lang="de-DE" sz="1200" b="1">
                 <a:latin typeface="Adobe Clean" panose="020B0503020404020204" pitchFamily="34" charset="0"/>
                 <a:ea typeface="Open Sans" pitchFamily="34" charset="0"/>
                 <a:cs typeface="Open Sans" pitchFamily="34" charset="0"/>
               </a:rPr>
-              <a:t>Self-Help Portal</a:t>
+              <a:t>Selbsthilfe-Portal</a:t>
             </a:r>
           </a:p>
         </p:txBody>
@@ -8909,7 +8359,7 @@
         <p:spPr>
           <a:xfrm>
             <a:off x="2930461" y="6767810"/>
-            <a:ext cx="2148840" cy="805349"/>
+            <a:ext cx="1946340" cy="1113125"/>
           </a:xfrm>
           <a:prstGeom prst="rect">
             <a:avLst/>
@@ -8922,13 +8372,64 @@
           <a:lstStyle/>
           <a:p>
             <a:r>
-              <a:rPr lang="en-US" sz="1000" dirty="0">
+              <a:rPr lang="de-DE" sz="1000" dirty="0">
                 <a:solidFill>
                   <a:srgbClr val="000000"/>
                 </a:solidFill>
                 <a:latin typeface="Adobe Clean Light" panose="020B0303020404020204" pitchFamily="34" charset="0"/>
               </a:rPr>
-              <a:t>On-demand access to the online Self-help Support Portal review case status, and browse other resources, like our  news and alerts, knowledge base, featured tips, and more.</a:t>
+              <a:t>On-Demand-Zugriff auf das </a:t>
+            </a:r>
+            <a:br>
+              <a:rPr lang="de-DE" sz="1000" dirty="0">
+                <a:solidFill>
+                  <a:srgbClr val="000000"/>
+                </a:solidFill>
+                <a:latin typeface="Adobe Clean Light" panose="020B0303020404020204" pitchFamily="34" charset="0"/>
+              </a:rPr>
+            </a:br>
+            <a:r>
+              <a:rPr lang="de-DE" sz="1000" dirty="0">
+                <a:solidFill>
+                  <a:srgbClr val="000000"/>
+                </a:solidFill>
+                <a:latin typeface="Adobe Clean Light" panose="020B0303020404020204" pitchFamily="34" charset="0"/>
+              </a:rPr>
+              <a:t>Online-Selbsthilfe-Support-Portal, </a:t>
+            </a:r>
+            <a:br>
+              <a:rPr lang="de-DE" sz="1000" dirty="0">
+                <a:solidFill>
+                  <a:srgbClr val="000000"/>
+                </a:solidFill>
+                <a:latin typeface="Adobe Clean Light" panose="020B0303020404020204" pitchFamily="34" charset="0"/>
+              </a:rPr>
+            </a:br>
+            <a:r>
+              <a:rPr lang="de-DE" sz="1000" dirty="0">
+                <a:solidFill>
+                  <a:srgbClr val="000000"/>
+                </a:solidFill>
+                <a:latin typeface="Adobe Clean Light" panose="020B0303020404020204" pitchFamily="34" charset="0"/>
+              </a:rPr>
+              <a:t>um den Fallstatus zu überprüfen und andere Ressourcen zu durchsuchen, </a:t>
+            </a:r>
+            <a:br>
+              <a:rPr lang="de-DE" sz="1000" dirty="0">
+                <a:solidFill>
+                  <a:srgbClr val="000000"/>
+                </a:solidFill>
+                <a:latin typeface="Adobe Clean Light" panose="020B0303020404020204" pitchFamily="34" charset="0"/>
+              </a:rPr>
+            </a:br>
+            <a:r>
+              <a:rPr lang="de-DE" sz="1000" dirty="0">
+                <a:solidFill>
+                  <a:srgbClr val="000000"/>
+                </a:solidFill>
+                <a:latin typeface="Adobe Clean Light" panose="020B0303020404020204" pitchFamily="34" charset="0"/>
+              </a:rPr>
+              <a:t>z. B. unsere Neuigkeiten und Hinweise, Wissensdatenbank, spezielle Tipps und mehr.</a:t>
             </a:r>
           </a:p>
         </p:txBody>
@@ -8948,7 +8449,7 @@
         <p:spPr>
           <a:xfrm>
             <a:off x="5419204" y="6743263"/>
-            <a:ext cx="2148840" cy="641201"/>
+            <a:ext cx="2148840" cy="1102866"/>
           </a:xfrm>
           <a:prstGeom prst="rect">
             <a:avLst/>
@@ -8972,104 +8473,71 @@
               </a:tabLst>
             </a:pPr>
             <a:r>
-              <a:rPr lang="en-US" sz="1000" spc="-20" dirty="0">
+              <a:rPr lang="de-DE" sz="1000" dirty="0">
                 <a:solidFill>
                   <a:srgbClr val="020302"/>
                 </a:solidFill>
                 <a:latin typeface="AdobeClean-Light"/>
                 <a:cs typeface="AdobeClean-Light"/>
               </a:rPr>
-              <a:t>Authorized Users (Admins) can start a chat session with Adobe Support </a:t>
+              <a:t>Autorisierte Benutzer (Administratoren) können eine </a:t>
             </a:r>
-            <a:r>
-              <a:rPr lang="en-US" sz="1000" spc="-5" dirty="0">
+            <a:br>
+              <a:rPr lang="de-DE" sz="1000" dirty="0">
                 <a:solidFill>
                   <a:srgbClr val="020302"/>
                 </a:solidFill>
                 <a:latin typeface="AdobeClean-Light"/>
                 <a:cs typeface="AdobeClean-Light"/>
               </a:rPr>
-              <a:t>to </a:t>
-            </a:r>
+            </a:br>
             <a:r>
-              <a:rPr lang="en-US" sz="1000" spc="-10" dirty="0">
+              <a:rPr lang="de-DE" sz="1000" dirty="0">
                 <a:solidFill>
                   <a:srgbClr val="020302"/>
                 </a:solidFill>
                 <a:latin typeface="AdobeClean-Light"/>
                 <a:cs typeface="AdobeClean-Light"/>
               </a:rPr>
-              <a:t>get </a:t>
+              <a:t>Chat-Sitzung mit dem Adobe-Support beginnen, um Antworten und Hilfe </a:t>
             </a:r>
-            <a:r>
-              <a:rPr lang="en-US" sz="1000" spc="-20" dirty="0">
+            <a:br>
+              <a:rPr lang="de-DE" sz="1000" dirty="0">
                 <a:solidFill>
                   <a:srgbClr val="020302"/>
                 </a:solidFill>
                 <a:latin typeface="AdobeClean-Light"/>
                 <a:cs typeface="AdobeClean-Light"/>
               </a:rPr>
-              <a:t>answers</a:t>
-            </a:r>
+            </a:br>
             <a:r>
-              <a:rPr lang="en-US" sz="1000" spc="-45" dirty="0">
+              <a:rPr lang="de-DE" sz="1000" dirty="0">
                 <a:solidFill>
                   <a:srgbClr val="020302"/>
                 </a:solidFill>
                 <a:latin typeface="AdobeClean-Light"/>
                 <a:cs typeface="AdobeClean-Light"/>
               </a:rPr>
-              <a:t> and </a:t>
+              <a:t>bei der Einreichung von Fällen </a:t>
             </a:r>
-            <a:r>
-              <a:rPr lang="en-US" sz="1000" spc="-15" dirty="0">
+            <a:br>
+              <a:rPr lang="de-DE" sz="1000" dirty="0">
                 <a:solidFill>
                   <a:srgbClr val="020302"/>
                 </a:solidFill>
                 <a:latin typeface="AdobeClean-Light"/>
                 <a:cs typeface="AdobeClean-Light"/>
               </a:rPr>
-              <a:t>help </a:t>
-            </a:r>
+            </a:br>
             <a:r>
-              <a:rPr lang="en-US" sz="1000" spc="-10" dirty="0">
+              <a:rPr lang="de-DE" sz="1000" dirty="0">
                 <a:solidFill>
                   <a:srgbClr val="020302"/>
                 </a:solidFill>
                 <a:latin typeface="AdobeClean-Light"/>
                 <a:cs typeface="AdobeClean-Light"/>
               </a:rPr>
-              <a:t>with</a:t>
-            </a:r>
-            <a:r>
-              <a:rPr lang="en-US" sz="1000" spc="85" dirty="0">
-                <a:solidFill>
-                  <a:srgbClr val="020302"/>
-                </a:solidFill>
-                <a:latin typeface="AdobeClean-Light"/>
-                <a:cs typeface="AdobeClean-Light"/>
-              </a:rPr>
-              <a:t> </a:t>
-            </a:r>
-            <a:r>
-              <a:rPr lang="en-US" sz="1000" spc="-10" dirty="0">
-                <a:solidFill>
-                  <a:srgbClr val="020302"/>
-                </a:solidFill>
-                <a:latin typeface="AdobeClean-Light"/>
-                <a:cs typeface="AdobeClean-Light"/>
-              </a:rPr>
-              <a:t>case </a:t>
-            </a:r>
-            <a:r>
-              <a:rPr lang="en-US" sz="1000" spc="-20" dirty="0">
-                <a:solidFill>
-                  <a:srgbClr val="020302"/>
-                </a:solidFill>
-                <a:latin typeface="AdobeClean-Light"/>
-                <a:cs typeface="AdobeClean-Light"/>
-              </a:rPr>
-              <a:t>submission.</a:t>
+              <a:t>zu erhalten.</a:t>
             </a:r>
           </a:p>
           <a:p>
@@ -9085,19 +8553,15 @@
               </a:tabLst>
             </a:pPr>
             <a:r>
-              <a:rPr lang="en-US" sz="1000" i="1" spc="-10" dirty="0">
+              <a:rPr lang="de-DE" sz="1000" i="1" dirty="0">
                 <a:solidFill>
                   <a:srgbClr val="7A7A7A"/>
                 </a:solidFill>
                 <a:latin typeface="AdobeClean-LightIt"/>
                 <a:cs typeface="AdobeClean-LightIt"/>
               </a:rPr>
-              <a:t>Subject to local hours</a:t>
+              <a:t>Je nach lokalen Öffnungszeiten</a:t>
             </a:r>
-            <a:endParaRPr lang="en-US" sz="1000" dirty="0">
-              <a:latin typeface="AdobeClean-Light"/>
-              <a:cs typeface="AdobeClean-Light"/>
-            </a:endParaRPr>
           </a:p>
         </p:txBody>
       </p:sp>
@@ -9139,12 +8603,12 @@
               </a:spcAft>
             </a:pPr>
             <a:r>
-              <a:rPr lang="en-US" sz="1200" b="1" dirty="0">
+              <a:rPr lang="de-DE" sz="1200" b="1">
                 <a:latin typeface="Adobe Clean" panose="020B0503020404020204" pitchFamily="34" charset="0"/>
                 <a:ea typeface="Open Sans" pitchFamily="34" charset="0"/>
                 <a:cs typeface="Open Sans" pitchFamily="34" charset="0"/>
               </a:rPr>
-              <a:t>Chat Support</a:t>
+              <a:t>Chat-Support</a:t>
             </a:r>
           </a:p>
         </p:txBody>
@@ -9187,12 +8651,12 @@
               </a:spcAft>
             </a:pPr>
             <a:r>
-              <a:rPr lang="en-US" sz="1200" b="1" dirty="0">
+              <a:rPr lang="de-DE" sz="1200" b="1">
                 <a:latin typeface="Adobe Clean" panose="020B0503020404020204" pitchFamily="34" charset="0"/>
                 <a:ea typeface="Open Sans" pitchFamily="34" charset="0"/>
                 <a:cs typeface="Open Sans" pitchFamily="34" charset="0"/>
               </a:rPr>
-              <a:t>Phone Support</a:t>
+              <a:t>Telefonischer Support</a:t>
             </a:r>
           </a:p>
         </p:txBody>
@@ -9225,116 +8689,42 @@
           <a:lstStyle/>
           <a:p>
             <a:r>
-              <a:rPr lang="en-US" sz="1000" dirty="0">
+              <a:rPr lang="de-DE" sz="1000" dirty="0">
                 <a:solidFill>
                   <a:srgbClr val="020302"/>
                 </a:solidFill>
                 <a:latin typeface="AdobeClean-Light"/>
               </a:rPr>
-              <a:t>Authorized Users (Admins) </a:t>
+              <a:t>Autorisierte Benutzer (Administratoren) </a:t>
             </a:r>
             <a:r>
-              <a:rPr lang="en-US" sz="1000" dirty="0">
+              <a:rPr lang="de-DE" sz="1000" dirty="0">
                 <a:latin typeface="Adobe Clean Light"/>
               </a:rPr>
-              <a:t>can call Adobe Support via phone </a:t>
+              <a:t>können den Adobe-Support telefonisch kontaktieren, </a:t>
             </a:r>
             <a:r>
-              <a:rPr lang="en-US" sz="1000" spc="-5" dirty="0">
+              <a:rPr lang="de-DE" sz="1000" dirty="0">
                 <a:solidFill>
                   <a:srgbClr val="020302"/>
                 </a:solidFill>
                 <a:latin typeface="AdobeClean-Light"/>
                 <a:cs typeface="AdobeClean-Light"/>
               </a:rPr>
-              <a:t>to </a:t>
-            </a:r>
-            <a:r>
-              <a:rPr lang="en-US" sz="1000" spc="-10" dirty="0">
-                <a:solidFill>
-                  <a:srgbClr val="020302"/>
-                </a:solidFill>
-                <a:latin typeface="AdobeClean-Light"/>
-                <a:cs typeface="AdobeClean-Light"/>
-              </a:rPr>
-              <a:t>get </a:t>
-            </a:r>
-            <a:r>
-              <a:rPr lang="en-US" sz="1000" spc="-20" dirty="0">
-                <a:solidFill>
-                  <a:srgbClr val="020302"/>
-                </a:solidFill>
-                <a:latin typeface="AdobeClean-Light"/>
-                <a:cs typeface="AdobeClean-Light"/>
-              </a:rPr>
-              <a:t>answers</a:t>
-            </a:r>
-            <a:r>
-              <a:rPr lang="en-US" sz="1000" spc="-45" dirty="0">
-                <a:solidFill>
-                  <a:srgbClr val="020302"/>
-                </a:solidFill>
-                <a:latin typeface="AdobeClean-Light"/>
-                <a:cs typeface="AdobeClean-Light"/>
-              </a:rPr>
-              <a:t> and</a:t>
-            </a:r>
-            <a:r>
-              <a:rPr lang="en-US" sz="1000" dirty="0">
-                <a:solidFill>
-                  <a:srgbClr val="020302"/>
-                </a:solidFill>
-                <a:latin typeface="AdobeClean-Light"/>
-                <a:cs typeface="AdobeClean-Light"/>
-              </a:rPr>
-              <a:t> </a:t>
-            </a:r>
-            <a:r>
-              <a:rPr lang="en-US" sz="1000" spc="-15" dirty="0">
-                <a:solidFill>
-                  <a:srgbClr val="020302"/>
-                </a:solidFill>
-                <a:latin typeface="AdobeClean-Light"/>
-                <a:cs typeface="AdobeClean-Light"/>
-              </a:rPr>
-              <a:t>help </a:t>
-            </a:r>
-            <a:r>
-              <a:rPr lang="en-US" sz="1000" spc="-10" dirty="0">
-                <a:solidFill>
-                  <a:srgbClr val="020302"/>
-                </a:solidFill>
-                <a:latin typeface="AdobeClean-Light"/>
-                <a:cs typeface="AdobeClean-Light"/>
-              </a:rPr>
-              <a:t>with case </a:t>
-            </a:r>
-            <a:r>
-              <a:rPr lang="en-US" sz="1000" spc="-20" dirty="0">
-                <a:solidFill>
-                  <a:srgbClr val="020302"/>
-                </a:solidFill>
-                <a:latin typeface="AdobeClean-Light"/>
-                <a:cs typeface="AdobeClean-Light"/>
-              </a:rPr>
-              <a:t>submission.</a:t>
+              <a:t>um Antworten und Hilfe bei der Einreichung von Fällen zu erhalten.</a:t>
             </a:r>
           </a:p>
           <a:p>
             <a:r>
-              <a:rPr lang="en-US" sz="1000" i="1" spc="-10" dirty="0">
+              <a:rPr lang="de-DE" sz="1000" i="1" dirty="0">
                 <a:solidFill>
                   <a:srgbClr val="7A7A7A"/>
                 </a:solidFill>
                 <a:latin typeface="Adobe Clean Light" panose="020B0303020404020204" pitchFamily="34" charset="0"/>
                 <a:cs typeface="AdobeClean-LightIt"/>
               </a:rPr>
-              <a:t>Subject to local hours</a:t>
+              <a:t>Je nach lokalen Öffnungszeiten</a:t>
             </a:r>
-            <a:endParaRPr lang="en-US" sz="1000" i="1" dirty="0">
-              <a:latin typeface="Adobe Clean Light" panose="020B0303020404020204" pitchFamily="34" charset="0"/>
-              <a:cs typeface="AdobeClean-Light"/>
-            </a:endParaRPr>
           </a:p>
         </p:txBody>
       </p:sp>
@@ -9376,12 +8766,12 @@
               </a:spcAft>
             </a:pPr>
             <a:r>
-              <a:rPr lang="en-US" sz="1200" b="1" dirty="0">
+              <a:rPr lang="de-DE" sz="1200" b="1">
                 <a:latin typeface="Adobe Clean" panose="020B0503020404020204" pitchFamily="34" charset="0"/>
                 <a:ea typeface="Open Sans" pitchFamily="34" charset="0"/>
                 <a:cs typeface="Open Sans" pitchFamily="34" charset="0"/>
               </a:rPr>
-              <a:t>Web Case Submission</a:t>
+              <a:t>Fallübermittlung über das Web</a:t>
             </a:r>
           </a:p>
         </p:txBody>
@@ -9414,26 +8804,20 @@
           <a:lstStyle/>
           <a:p>
             <a:r>
-              <a:rPr lang="en-US" sz="1000" dirty="0">
+              <a:rPr lang="de-DE" sz="1000">
                 <a:solidFill>
                   <a:srgbClr val="020302"/>
                 </a:solidFill>
                 <a:latin typeface="AdobeClean-Light"/>
               </a:rPr>
-              <a:t>Authorized Users (Admins) </a:t>
+              <a:t>Autorisierte Benutzer (Administratoren) </a:t>
             </a:r>
             <a:r>
-              <a:rPr lang="en-US" sz="1000" dirty="0">
+              <a:rPr lang="de-DE" sz="1000">
                 <a:latin typeface="Adobe Clean Light"/>
               </a:rPr>
-              <a:t>can submit unlimited web cases at any time for support issues for review by our technical support team.</a:t>
+              <a:t>können jederzeit eine unbegrenzte Anzahl von Web-Fällen zur Überprüfung durch unser technisches Support-Team einreichen.</a:t>
             </a:r>
-            <a:endParaRPr lang="en-US" sz="1000" dirty="0">
-              <a:solidFill>
-                <a:srgbClr val="000000"/>
-              </a:solidFill>
-              <a:latin typeface="Adobe Clean Light"/>
-            </a:endParaRPr>
           </a:p>
         </p:txBody>
       </p:sp>
@@ -9828,8 +9212,8 @@
         </p:nvSpPr>
         <p:spPr>
           <a:xfrm>
-            <a:off x="97788" y="9888626"/>
-            <a:ext cx="2245360" cy="133370"/>
+            <a:off x="97787" y="9906000"/>
+            <a:ext cx="3194163" cy="133370"/>
           </a:xfrm>
           <a:prstGeom prst="rect">
             <a:avLst/>
@@ -9941,36 +9325,8 @@
               </a:spcBef>
             </a:pPr>
             <a:r>
-              <a:rPr lang="en-US" spc="-10" dirty="0"/>
-              <a:t>©202</a:t>
-            </a:r>
-            <a:r>
-              <a:rPr lang="en-US" spc="-5" dirty="0"/>
-              <a:t>2 Adobe. All</a:t>
-            </a:r>
-            <a:r>
-              <a:rPr lang="en-US" spc="-10" dirty="0"/>
-              <a:t> Rights</a:t>
-            </a:r>
-            <a:r>
-              <a:rPr lang="en-US" spc="-5" dirty="0"/>
-              <a:t> </a:t>
-            </a:r>
-            <a:r>
-              <a:rPr lang="en-US" spc="-10" dirty="0"/>
-              <a:t>Reserved.</a:t>
-            </a:r>
-            <a:r>
-              <a:rPr lang="en-US" spc="-5" dirty="0"/>
-              <a:t> Adobe</a:t>
-            </a:r>
-            <a:r>
-              <a:rPr lang="en-US" spc="60" dirty="0"/>
-              <a:t> </a:t>
-            </a:r>
-            <a:r>
-              <a:rPr lang="en-US" spc="-10" dirty="0"/>
-              <a:t>Confidential.</a:t>
+              <a:rPr lang="de-DE" dirty="0"/>
+              <a:t>©2022 Adobe. All Rights Reserved. Adobe Confidential.</a:t>
             </a:r>
           </a:p>
         </p:txBody>
@@ -10027,49 +9383,15 @@
               </a:lnSpc>
             </a:pPr>
             <a:r>
-              <a:rPr sz="500" spc="-5" dirty="0">
+              <a:rPr lang="de-DE" sz="500">
                 <a:solidFill>
                   <a:srgbClr val="6C6C6C"/>
                 </a:solidFill>
                 <a:latin typeface="Adobe Clean"/>
                 <a:cs typeface="Adobe Clean"/>
               </a:rPr>
-              <a:t>©2020 Adobe. All Rights Reserved. </a:t>
+              <a:t>©2020 Adobe. All Rights Reserved. Adobe Confidential.</a:t>
             </a:r>
-            <a:r>
-              <a:rPr sz="500" dirty="0">
-                <a:solidFill>
-                  <a:srgbClr val="6C6C6C"/>
-                </a:solidFill>
-                <a:latin typeface="Adobe Clean"/>
-                <a:cs typeface="Adobe Clean"/>
-              </a:rPr>
-              <a:t>Adobe</a:t>
-            </a:r>
-            <a:r>
-              <a:rPr sz="500" spc="5" dirty="0">
-                <a:solidFill>
-                  <a:srgbClr val="6C6C6C"/>
-                </a:solidFill>
-                <a:latin typeface="Adobe Clean"/>
-                <a:cs typeface="Adobe Clean"/>
-              </a:rPr>
-              <a:t> </a:t>
-            </a:r>
-            <a:r>
-              <a:rPr sz="500" spc="-5" dirty="0">
-                <a:solidFill>
-                  <a:srgbClr val="6C6C6C"/>
-                </a:solidFill>
-                <a:latin typeface="Adobe Clean"/>
-                <a:cs typeface="Adobe Clean"/>
-              </a:rPr>
-              <a:t>Confidential.</a:t>
-            </a:r>
-            <a:endParaRPr sz="500">
-              <a:latin typeface="Adobe Clean"/>
-              <a:cs typeface="Adobe Clean"/>
-            </a:endParaRPr>
           </a:p>
           <a:p>
             <a:pPr>
@@ -10095,39 +9417,15 @@
               </a:spcBef>
             </a:pPr>
             <a:r>
-              <a:rPr sz="800" spc="-5" dirty="0">
+              <a:rPr lang="de-DE" sz="800">
                 <a:solidFill>
                   <a:srgbClr val="6D6D6D"/>
                 </a:solidFill>
                 <a:latin typeface="Adobe Clean"/>
                 <a:cs typeface="Adobe Clean"/>
               </a:rPr>
-              <a:t>©2020 Adobe. All Rights Reserved. Adobe</a:t>
+              <a:t>©2020 Adobe. All Rights Reserved. Adobe Confidential.</a:t>
             </a:r>
-            <a:r>
-              <a:rPr sz="800" spc="75" dirty="0">
-                <a:solidFill>
-                  <a:srgbClr val="6D6D6D"/>
-                </a:solidFill>
-                <a:latin typeface="Adobe Clean"/>
-                <a:cs typeface="Adobe Clean"/>
-              </a:rPr>
-              <a:t> </a:t>
-            </a:r>
-            <a:r>
-              <a:rPr sz="800" spc="-5" dirty="0">
-                <a:solidFill>
-                  <a:srgbClr val="6D6D6D"/>
-                </a:solidFill>
-                <a:latin typeface="Adobe Clean"/>
-                <a:cs typeface="Adobe Clean"/>
-              </a:rPr>
-              <a:t>Confidential.</a:t>
-            </a:r>
-            <a:endParaRPr sz="800">
-              <a:latin typeface="Adobe Clean"/>
-              <a:cs typeface="Adobe Clean"/>
-            </a:endParaRPr>
           </a:p>
         </p:txBody>
       </p:sp>
@@ -10211,19 +9509,15 @@
               </a:spcBef>
             </a:pPr>
             <a:r>
-              <a:rPr lang="en-US" sz="1400" b="1" spc="-15" dirty="0">
+              <a:rPr lang="de-DE" sz="1400" b="1">
                 <a:solidFill>
                   <a:srgbClr val="020302"/>
                 </a:solidFill>
                 <a:latin typeface="Adobe Clean"/>
                 <a:cs typeface="Adobe Clean"/>
               </a:rPr>
-              <a:t>Resources</a:t>
+              <a:t>Ressourcen</a:t>
             </a:r>
-            <a:endParaRPr sz="1400" dirty="0">
-              <a:latin typeface="Adobe Clean"/>
-              <a:cs typeface="Adobe Clean"/>
-            </a:endParaRPr>
           </a:p>
         </p:txBody>
       </p:sp>
@@ -10257,7 +9551,7 @@
               </a:spcBef>
             </a:pPr>
             <a:r>
-              <a:rPr sz="800" spc="-15" dirty="0">
+              <a:rPr lang="de-DE" sz="800">
                 <a:solidFill>
                   <a:srgbClr val="777879"/>
                 </a:solidFill>
@@ -10266,10 +9560,6 @@
               </a:rPr>
               <a:t>Adobe</a:t>
             </a:r>
-            <a:endParaRPr sz="800">
-              <a:latin typeface="Adobe Clean"/>
-              <a:cs typeface="Adobe Clean"/>
-            </a:endParaRPr>
           </a:p>
           <a:p>
             <a:pPr marL="12700">
@@ -10278,39 +9568,15 @@
               </a:lnSpc>
             </a:pPr>
             <a:r>
-              <a:rPr sz="800" spc="-15" dirty="0">
+              <a:rPr lang="de-DE" sz="800">
                 <a:solidFill>
                   <a:srgbClr val="777879"/>
                 </a:solidFill>
                 <a:latin typeface="Adobe Clean"/>
                 <a:cs typeface="Adobe Clean"/>
               </a:rPr>
-              <a:t>345 Park</a:t>
+              <a:t>345 Park Avenue</a:t>
             </a:r>
-            <a:r>
-              <a:rPr sz="800" spc="-100" dirty="0">
-                <a:solidFill>
-                  <a:srgbClr val="777879"/>
-                </a:solidFill>
-                <a:latin typeface="Adobe Clean"/>
-                <a:cs typeface="Adobe Clean"/>
-              </a:rPr>
-              <a:t> </a:t>
-            </a:r>
-            <a:r>
-              <a:rPr sz="800" spc="-15" dirty="0">
-                <a:solidFill>
-                  <a:srgbClr val="777879"/>
-                </a:solidFill>
-                <a:latin typeface="Adobe Clean"/>
-                <a:cs typeface="Adobe Clean"/>
-              </a:rPr>
-              <a:t>Avenue</a:t>
-            </a:r>
-            <a:endParaRPr sz="800">
-              <a:latin typeface="Adobe Clean"/>
-              <a:cs typeface="Adobe Clean"/>
-            </a:endParaRPr>
           </a:p>
           <a:p>
             <a:pPr marL="12700">
@@ -10319,49 +9585,15 @@
               </a:lnSpc>
             </a:pPr>
             <a:r>
-              <a:rPr sz="800" spc="-10" dirty="0">
+              <a:rPr lang="de-DE" sz="800">
                 <a:solidFill>
                   <a:srgbClr val="777879"/>
                 </a:solidFill>
                 <a:latin typeface="Adobe Clean"/>
                 <a:cs typeface="Adobe Clean"/>
               </a:rPr>
-              <a:t>San </a:t>
+              <a:t>San Jose, CA95110-2704</a:t>
             </a:r>
-            <a:r>
-              <a:rPr sz="800" spc="-15" dirty="0">
-                <a:solidFill>
-                  <a:srgbClr val="777879"/>
-                </a:solidFill>
-                <a:latin typeface="Adobe Clean"/>
-                <a:cs typeface="Adobe Clean"/>
-              </a:rPr>
-              <a:t>Jose,</a:t>
-            </a:r>
-            <a:r>
-              <a:rPr sz="800" spc="-140" dirty="0">
-                <a:solidFill>
-                  <a:srgbClr val="777879"/>
-                </a:solidFill>
-                <a:latin typeface="Adobe Clean"/>
-                <a:cs typeface="Adobe Clean"/>
-              </a:rPr>
-              <a:t> </a:t>
-            </a:r>
-            <a:r>
-              <a:rPr sz="800" spc="-20" dirty="0">
-                <a:solidFill>
-                  <a:srgbClr val="777879"/>
-                </a:solidFill>
-                <a:latin typeface="Adobe Clean"/>
-                <a:cs typeface="Adobe Clean"/>
-              </a:rPr>
-              <a:t>CA95110-2704</a:t>
-            </a:r>
-            <a:endParaRPr sz="800">
-              <a:latin typeface="Adobe Clean"/>
-              <a:cs typeface="Adobe Clean"/>
-            </a:endParaRPr>
           </a:p>
           <a:p>
             <a:pPr marL="12700">
@@ -10373,7 +9605,7 @@
               </a:spcBef>
             </a:pPr>
             <a:r>
-              <a:rPr sz="800" spc="-10" dirty="0">
+              <a:rPr lang="de-DE" sz="800">
                 <a:solidFill>
                   <a:srgbClr val="777879"/>
                 </a:solidFill>
@@ -10382,10 +9614,6 @@
               </a:rPr>
               <a:t>USA</a:t>
             </a:r>
-            <a:endParaRPr sz="800">
-              <a:latin typeface="Adobe Clean"/>
-              <a:cs typeface="Adobe Clean"/>
-            </a:endParaRPr>
           </a:p>
           <a:p>
             <a:pPr marL="12700">
@@ -10397,7 +9625,7 @@
               </a:spcBef>
             </a:pPr>
             <a:r>
-              <a:rPr sz="800" u="sng" spc="-25" dirty="0">
+              <a:rPr lang="de-DE" sz="800" u="sng">
                 <a:solidFill>
                   <a:srgbClr val="5F5F5F"/>
                 </a:solidFill>
@@ -10408,14 +9636,10 @@
                 </a:uFill>
                 <a:latin typeface="Adobe Clean"/>
                 <a:cs typeface="Adobe Clean"/>
-                <a:hlinkClick r:id="rId4"/>
+                <a:hlinkClick r:id="rId3"/>
               </a:rPr>
               <a:t>www.adobe.com</a:t>
             </a:r>
-            <a:endParaRPr sz="800">
-              <a:latin typeface="Adobe Clean"/>
-              <a:cs typeface="Adobe Clean"/>
-            </a:endParaRPr>
           </a:p>
         </p:txBody>
       </p:sp>
@@ -10434,7 +9658,7 @@
             <a:avLst/>
           </a:prstGeom>
           <a:blipFill>
-            <a:blip r:embed="rId5" cstate="print"/>
+            <a:blip r:embed="rId4" cstate="print"/>
             <a:stretch>
               <a:fillRect/>
             </a:stretch>
@@ -10546,7 +9770,7 @@
             <a:avLst/>
           </a:prstGeom>
           <a:blipFill>
-            <a:blip r:embed="rId6" cstate="print"/>
+            <a:blip r:embed="rId5" cstate="print"/>
             <a:stretch>
               <a:fillRect/>
             </a:stretch>
@@ -10568,8 +9792,8 @@
         </p:nvSpPr>
         <p:spPr>
           <a:xfrm>
-            <a:off x="75947" y="9437110"/>
-            <a:ext cx="5466715" cy="570865"/>
+            <a:off x="75947" y="9340896"/>
+            <a:ext cx="5410453" cy="717504"/>
           </a:xfrm>
           <a:prstGeom prst="rect">
             <a:avLst/>
@@ -10590,439 +9814,15 @@
               </a:spcBef>
             </a:pPr>
             <a:r>
-              <a:rPr sz="1100" i="1" spc="-10" dirty="0">
+              <a:rPr lang="de-DE" sz="1100" i="1" dirty="0">
                 <a:solidFill>
                   <a:srgbClr val="777879"/>
                 </a:solidFill>
                 <a:latin typeface="AdobeClean-LightIt"/>
                 <a:cs typeface="AdobeClean-LightIt"/>
               </a:rPr>
-              <a:t>To</a:t>
+              <a:t>Weitere Informationen zum Support-Angebot von Adobe sowie zum für Ihre Bedürfnisse geeigneten Support-Level erhalten Sie bei Ihrem spezifischen Account-Manager (NAM) oder Ihrem Customer Success Manager (CSM).</a:t>
             </a:r>
-            <a:r>
-              <a:rPr sz="1100" i="1" spc="-50" dirty="0">
-                <a:solidFill>
-                  <a:srgbClr val="777879"/>
-                </a:solidFill>
-                <a:latin typeface="AdobeClean-LightIt"/>
-                <a:cs typeface="AdobeClean-LightIt"/>
-              </a:rPr>
-              <a:t> </a:t>
-            </a:r>
-            <a:r>
-              <a:rPr sz="1100" i="1" spc="-15" dirty="0">
-                <a:solidFill>
-                  <a:srgbClr val="777879"/>
-                </a:solidFill>
-                <a:latin typeface="AdobeClean-LightIt"/>
-                <a:cs typeface="AdobeClean-LightIt"/>
-              </a:rPr>
-              <a:t>learn</a:t>
-            </a:r>
-            <a:r>
-              <a:rPr sz="1100" i="1" spc="-40" dirty="0">
-                <a:solidFill>
-                  <a:srgbClr val="777879"/>
-                </a:solidFill>
-                <a:latin typeface="AdobeClean-LightIt"/>
-                <a:cs typeface="AdobeClean-LightIt"/>
-              </a:rPr>
-              <a:t> </a:t>
-            </a:r>
-            <a:r>
-              <a:rPr sz="1100" i="1" spc="-15" dirty="0">
-                <a:solidFill>
-                  <a:srgbClr val="777879"/>
-                </a:solidFill>
-                <a:latin typeface="AdobeClean-LightIt"/>
-                <a:cs typeface="AdobeClean-LightIt"/>
-              </a:rPr>
-              <a:t>more</a:t>
-            </a:r>
-            <a:r>
-              <a:rPr sz="1100" i="1" spc="-45" dirty="0">
-                <a:solidFill>
-                  <a:srgbClr val="777879"/>
-                </a:solidFill>
-                <a:latin typeface="AdobeClean-LightIt"/>
-                <a:cs typeface="AdobeClean-LightIt"/>
-              </a:rPr>
-              <a:t> </a:t>
-            </a:r>
-            <a:r>
-              <a:rPr sz="1100" i="1" spc="-15" dirty="0">
-                <a:solidFill>
-                  <a:srgbClr val="777879"/>
-                </a:solidFill>
-                <a:latin typeface="AdobeClean-LightIt"/>
-                <a:cs typeface="AdobeClean-LightIt"/>
-              </a:rPr>
-              <a:t>about</a:t>
-            </a:r>
-            <a:r>
-              <a:rPr sz="1100" i="1" spc="-45" dirty="0">
-                <a:solidFill>
-                  <a:srgbClr val="777879"/>
-                </a:solidFill>
-                <a:latin typeface="AdobeClean-LightIt"/>
-                <a:cs typeface="AdobeClean-LightIt"/>
-              </a:rPr>
-              <a:t> </a:t>
-            </a:r>
-            <a:r>
-              <a:rPr sz="1100" i="1" spc="-15" dirty="0">
-                <a:solidFill>
-                  <a:srgbClr val="777879"/>
-                </a:solidFill>
-                <a:latin typeface="AdobeClean-LightIt"/>
-                <a:cs typeface="AdobeClean-LightIt"/>
-              </a:rPr>
-              <a:t>Adobe</a:t>
-            </a:r>
-            <a:r>
-              <a:rPr sz="1100" i="1" spc="-50" dirty="0">
-                <a:solidFill>
-                  <a:srgbClr val="777879"/>
-                </a:solidFill>
-                <a:latin typeface="AdobeClean-LightIt"/>
-                <a:cs typeface="AdobeClean-LightIt"/>
-              </a:rPr>
-              <a:t> </a:t>
-            </a:r>
-            <a:r>
-              <a:rPr sz="1100" i="1" spc="-15" dirty="0">
-                <a:solidFill>
-                  <a:srgbClr val="777879"/>
-                </a:solidFill>
-                <a:latin typeface="AdobeClean-LightIt"/>
-                <a:cs typeface="AdobeClean-LightIt"/>
-              </a:rPr>
-              <a:t>Support</a:t>
-            </a:r>
-            <a:r>
-              <a:rPr lang="en-US" sz="1100" i="1" spc="-15" dirty="0">
-                <a:solidFill>
-                  <a:srgbClr val="777879"/>
-                </a:solidFill>
-                <a:latin typeface="AdobeClean-LightIt"/>
-                <a:cs typeface="AdobeClean-LightIt"/>
-              </a:rPr>
-              <a:t> Offerings</a:t>
-            </a:r>
-            <a:r>
-              <a:rPr sz="1100" i="1" spc="-75" dirty="0">
-                <a:solidFill>
-                  <a:srgbClr val="777879"/>
-                </a:solidFill>
-                <a:latin typeface="AdobeClean-LightIt"/>
-                <a:cs typeface="AdobeClean-LightIt"/>
-              </a:rPr>
-              <a:t> </a:t>
-            </a:r>
-            <a:r>
-              <a:rPr sz="1100" i="1" spc="-15" dirty="0">
-                <a:solidFill>
-                  <a:srgbClr val="777879"/>
-                </a:solidFill>
-                <a:latin typeface="AdobeClean-LightIt"/>
-                <a:cs typeface="AdobeClean-LightIt"/>
-              </a:rPr>
-              <a:t>and</a:t>
-            </a:r>
-            <a:r>
-              <a:rPr sz="1100" i="1" spc="-50" dirty="0">
-                <a:solidFill>
-                  <a:srgbClr val="777879"/>
-                </a:solidFill>
-                <a:latin typeface="AdobeClean-LightIt"/>
-                <a:cs typeface="AdobeClean-LightIt"/>
-              </a:rPr>
-              <a:t> </a:t>
-            </a:r>
-            <a:r>
-              <a:rPr sz="1100" i="1" spc="-15" dirty="0">
-                <a:solidFill>
-                  <a:srgbClr val="777879"/>
-                </a:solidFill>
-                <a:latin typeface="AdobeClean-LightIt"/>
-                <a:cs typeface="AdobeClean-LightIt"/>
-              </a:rPr>
-              <a:t>the</a:t>
-            </a:r>
-            <a:r>
-              <a:rPr sz="1100" i="1" spc="-55" dirty="0">
-                <a:solidFill>
-                  <a:srgbClr val="777879"/>
-                </a:solidFill>
-                <a:latin typeface="AdobeClean-LightIt"/>
-                <a:cs typeface="AdobeClean-LightIt"/>
-              </a:rPr>
-              <a:t> </a:t>
-            </a:r>
-            <a:r>
-              <a:rPr sz="1100" i="1" spc="-15" dirty="0">
-                <a:solidFill>
-                  <a:srgbClr val="777879"/>
-                </a:solidFill>
-                <a:latin typeface="AdobeClean-LightIt"/>
-                <a:cs typeface="AdobeClean-LightIt"/>
-              </a:rPr>
-              <a:t>right</a:t>
-            </a:r>
-            <a:r>
-              <a:rPr sz="1100" i="1" spc="-95" dirty="0">
-                <a:solidFill>
-                  <a:srgbClr val="777879"/>
-                </a:solidFill>
-                <a:latin typeface="AdobeClean-LightIt"/>
-                <a:cs typeface="AdobeClean-LightIt"/>
-              </a:rPr>
-              <a:t> </a:t>
-            </a:r>
-            <a:r>
-              <a:rPr sz="1100" i="1" spc="-15" dirty="0">
-                <a:solidFill>
-                  <a:srgbClr val="777879"/>
-                </a:solidFill>
-                <a:latin typeface="AdobeClean-LightIt"/>
-                <a:cs typeface="AdobeClean-LightIt"/>
-              </a:rPr>
-              <a:t>level</a:t>
-            </a:r>
-            <a:r>
-              <a:rPr sz="1100" i="1" spc="-55" dirty="0">
-                <a:solidFill>
-                  <a:srgbClr val="777879"/>
-                </a:solidFill>
-                <a:latin typeface="AdobeClean-LightIt"/>
-                <a:cs typeface="AdobeClean-LightIt"/>
-              </a:rPr>
-              <a:t> </a:t>
-            </a:r>
-            <a:r>
-              <a:rPr sz="1100" i="1" spc="-15" dirty="0">
-                <a:solidFill>
-                  <a:srgbClr val="777879"/>
-                </a:solidFill>
-                <a:latin typeface="AdobeClean-LightIt"/>
-                <a:cs typeface="AdobeClean-LightIt"/>
-              </a:rPr>
-              <a:t>for</a:t>
-            </a:r>
-            <a:r>
-              <a:rPr sz="1100" i="1" spc="-85" dirty="0">
-                <a:solidFill>
-                  <a:srgbClr val="777879"/>
-                </a:solidFill>
-                <a:latin typeface="AdobeClean-LightIt"/>
-                <a:cs typeface="AdobeClean-LightIt"/>
-              </a:rPr>
-              <a:t> </a:t>
-            </a:r>
-            <a:r>
-              <a:rPr sz="1100" i="1" spc="-15" dirty="0">
-                <a:solidFill>
-                  <a:srgbClr val="777879"/>
-                </a:solidFill>
-                <a:latin typeface="AdobeClean-LightIt"/>
-                <a:cs typeface="AdobeClean-LightIt"/>
-              </a:rPr>
-              <a:t>you,</a:t>
-            </a:r>
-            <a:r>
-              <a:rPr sz="1100" i="1" spc="-65" dirty="0">
-                <a:solidFill>
-                  <a:srgbClr val="777879"/>
-                </a:solidFill>
-                <a:latin typeface="AdobeClean-LightIt"/>
-                <a:cs typeface="AdobeClean-LightIt"/>
-              </a:rPr>
-              <a:t> </a:t>
-            </a:r>
-            <a:r>
-              <a:rPr sz="1100" i="1" spc="-15" dirty="0">
-                <a:solidFill>
-                  <a:srgbClr val="777879"/>
-                </a:solidFill>
-                <a:latin typeface="AdobeClean-LightIt"/>
-                <a:cs typeface="AdobeClean-LightIt"/>
-              </a:rPr>
-              <a:t>contact</a:t>
-            </a:r>
-            <a:r>
-              <a:rPr sz="1100" i="1" spc="-85" dirty="0">
-                <a:solidFill>
-                  <a:srgbClr val="777879"/>
-                </a:solidFill>
-                <a:latin typeface="AdobeClean-LightIt"/>
-                <a:cs typeface="AdobeClean-LightIt"/>
-              </a:rPr>
-              <a:t> </a:t>
-            </a:r>
-            <a:r>
-              <a:rPr sz="1100" i="1" spc="-15" dirty="0">
-                <a:solidFill>
-                  <a:srgbClr val="777879"/>
-                </a:solidFill>
-                <a:latin typeface="AdobeClean-LightIt"/>
-                <a:cs typeface="AdobeClean-LightIt"/>
-              </a:rPr>
-              <a:t>your</a:t>
-            </a:r>
-            <a:r>
-              <a:rPr sz="1100" i="1" spc="-70" dirty="0">
-                <a:solidFill>
-                  <a:srgbClr val="777879"/>
-                </a:solidFill>
-                <a:latin typeface="AdobeClean-LightIt"/>
-                <a:cs typeface="AdobeClean-LightIt"/>
-              </a:rPr>
-              <a:t> </a:t>
-            </a:r>
-            <a:r>
-              <a:rPr sz="1100" i="1" spc="-15" dirty="0">
-                <a:solidFill>
-                  <a:srgbClr val="777879"/>
-                </a:solidFill>
-                <a:latin typeface="AdobeClean-LightIt"/>
-                <a:cs typeface="AdobeClean-LightIt"/>
-              </a:rPr>
-              <a:t>Named</a:t>
-            </a:r>
-            <a:r>
-              <a:rPr sz="1100" i="1" spc="-55" dirty="0">
-                <a:solidFill>
-                  <a:srgbClr val="777879"/>
-                </a:solidFill>
-                <a:latin typeface="AdobeClean-LightIt"/>
-                <a:cs typeface="AdobeClean-LightIt"/>
-              </a:rPr>
-              <a:t> </a:t>
-            </a:r>
-            <a:r>
-              <a:rPr sz="1100" i="1" spc="-25" dirty="0">
-                <a:solidFill>
-                  <a:srgbClr val="777879"/>
-                </a:solidFill>
-                <a:latin typeface="AdobeClean-LightIt"/>
-                <a:cs typeface="AdobeClean-LightIt"/>
-              </a:rPr>
-              <a:t>Account</a:t>
-            </a:r>
-            <a:r>
-              <a:rPr sz="1100" i="1" spc="-120" dirty="0">
-                <a:solidFill>
-                  <a:srgbClr val="777879"/>
-                </a:solidFill>
-                <a:latin typeface="AdobeClean-LightIt"/>
-                <a:cs typeface="AdobeClean-LightIt"/>
-              </a:rPr>
-              <a:t> </a:t>
-            </a:r>
-            <a:r>
-              <a:rPr sz="1100" i="1" spc="-20" dirty="0">
-                <a:solidFill>
-                  <a:srgbClr val="777879"/>
-                </a:solidFill>
-                <a:latin typeface="AdobeClean-LightIt"/>
-                <a:cs typeface="AdobeClean-LightIt"/>
-              </a:rPr>
-              <a:t>Manager </a:t>
-            </a:r>
-            <a:r>
-              <a:rPr sz="1100" i="1" spc="-15" dirty="0">
-                <a:solidFill>
-                  <a:srgbClr val="777879"/>
-                </a:solidFill>
-                <a:latin typeface="AdobeClean-LightIt"/>
-                <a:cs typeface="AdobeClean-LightIt"/>
-              </a:rPr>
-              <a:t>(NAM) </a:t>
-            </a:r>
-            <a:r>
-              <a:rPr sz="1100" i="1" spc="-10" dirty="0">
-                <a:solidFill>
-                  <a:srgbClr val="777879"/>
-                </a:solidFill>
-                <a:latin typeface="AdobeClean-LightIt"/>
-                <a:cs typeface="AdobeClean-LightIt"/>
-              </a:rPr>
-              <a:t>or </a:t>
-            </a:r>
-            <a:r>
-              <a:rPr sz="1100" i="1" spc="-15" dirty="0">
-                <a:solidFill>
-                  <a:srgbClr val="777879"/>
-                </a:solidFill>
-                <a:latin typeface="AdobeClean-LightIt"/>
-                <a:cs typeface="AdobeClean-LightIt"/>
-              </a:rPr>
-              <a:t>Customer </a:t>
-            </a:r>
-            <a:r>
-              <a:rPr sz="1100" i="1" spc="-20" dirty="0">
-                <a:solidFill>
-                  <a:srgbClr val="777879"/>
-                </a:solidFill>
-                <a:latin typeface="AdobeClean-LightIt"/>
-                <a:cs typeface="AdobeClean-LightIt"/>
-              </a:rPr>
-              <a:t>Success</a:t>
-            </a:r>
-            <a:r>
-              <a:rPr sz="1100" i="1" spc="-180" dirty="0">
-                <a:solidFill>
-                  <a:srgbClr val="777879"/>
-                </a:solidFill>
-                <a:latin typeface="AdobeClean-LightIt"/>
-                <a:cs typeface="AdobeClean-LightIt"/>
-              </a:rPr>
-              <a:t> </a:t>
-            </a:r>
-            <a:r>
-              <a:rPr sz="1100" i="1" spc="-15" dirty="0">
-                <a:solidFill>
-                  <a:srgbClr val="777879"/>
-                </a:solidFill>
-                <a:latin typeface="AdobeClean-LightIt"/>
-                <a:cs typeface="AdobeClean-LightIt"/>
-              </a:rPr>
-              <a:t>Manager</a:t>
-            </a:r>
-            <a:r>
-              <a:rPr lang="en-US" sz="1100" i="1" spc="-15" dirty="0">
-                <a:solidFill>
-                  <a:srgbClr val="777879"/>
-                </a:solidFill>
-                <a:latin typeface="AdobeClean-LightIt"/>
-                <a:cs typeface="AdobeClean-LightIt"/>
-              </a:rPr>
-              <a:t> </a:t>
-            </a:r>
-            <a:r>
-              <a:rPr sz="1100" i="1" spc="-15" dirty="0">
-                <a:solidFill>
-                  <a:srgbClr val="777879"/>
-                </a:solidFill>
-                <a:latin typeface="AdobeClean-LightIt"/>
-                <a:cs typeface="AdobeClean-LightIt"/>
-              </a:rPr>
-              <a:t>(CSM)</a:t>
-            </a:r>
-            <a:r>
-              <a:rPr lang="en-US" sz="1100" i="1" spc="-15" dirty="0">
-                <a:solidFill>
-                  <a:srgbClr val="777879"/>
-                </a:solidFill>
-                <a:latin typeface="AdobeClean-LightIt"/>
-                <a:cs typeface="AdobeClean-LightIt"/>
-              </a:rPr>
-              <a:t>.</a:t>
-            </a:r>
-            <a:endParaRPr sz="1100" dirty="0">
-              <a:latin typeface="AdobeClean-LightIt"/>
-              <a:cs typeface="AdobeClean-LightIt"/>
-            </a:endParaRPr>
           </a:p>
           <a:p>
             <a:pPr marL="34290">
@@ -11034,59 +9834,15 @@
               </a:spcBef>
             </a:pPr>
             <a:r>
-              <a:rPr sz="800" spc="-5" dirty="0">
+              <a:rPr lang="de-DE" sz="800" dirty="0">
                 <a:solidFill>
                   <a:srgbClr val="6D6D6D"/>
                 </a:solidFill>
                 <a:latin typeface="Adobe Clean"/>
                 <a:cs typeface="Adobe Clean"/>
               </a:rPr>
-              <a:t>©202</a:t>
+              <a:t>©2022 Adobe. All Rights Reserved. Adobe Confidential.</a:t>
             </a:r>
-            <a:r>
-              <a:rPr lang="en-US" sz="800" spc="-5" dirty="0">
-                <a:solidFill>
-                  <a:srgbClr val="6D6D6D"/>
-                </a:solidFill>
-                <a:latin typeface="Adobe Clean"/>
-                <a:cs typeface="Adobe Clean"/>
-              </a:rPr>
-              <a:t>2</a:t>
-            </a:r>
-            <a:r>
-              <a:rPr sz="800" spc="-5" dirty="0">
-                <a:solidFill>
-                  <a:srgbClr val="6D6D6D"/>
-                </a:solidFill>
-                <a:latin typeface="Adobe Clean"/>
-                <a:cs typeface="Adobe Clean"/>
-              </a:rPr>
-              <a:t> Adobe. All Rights Reserved. Adobe</a:t>
-            </a:r>
-            <a:r>
-              <a:rPr sz="800" spc="75" dirty="0">
-                <a:solidFill>
-                  <a:srgbClr val="6D6D6D"/>
-                </a:solidFill>
-                <a:latin typeface="Adobe Clean"/>
-                <a:cs typeface="Adobe Clean"/>
-              </a:rPr>
-              <a:t> </a:t>
-            </a:r>
-            <a:r>
-              <a:rPr sz="800" spc="-5" dirty="0">
-                <a:solidFill>
-                  <a:srgbClr val="6D6D6D"/>
-                </a:solidFill>
-                <a:latin typeface="Adobe Clean"/>
-                <a:cs typeface="Adobe Clean"/>
-              </a:rPr>
-              <a:t>Confidential.</a:t>
-            </a:r>
-            <a:endParaRPr sz="800" dirty="0">
-              <a:latin typeface="Adobe Clean"/>
-              <a:cs typeface="Adobe Clean"/>
-            </a:endParaRPr>
           </a:p>
         </p:txBody>
       </p:sp>
@@ -11123,14 +9879,14 @@
               </a:spcBef>
             </a:pPr>
             <a:r>
-              <a:rPr lang="en-US" sz="1400" b="1" spc="-15" dirty="0">
+              <a:rPr lang="de-DE" sz="1400" b="1">
                 <a:solidFill>
                   <a:srgbClr val="020302"/>
                 </a:solidFill>
                 <a:latin typeface="Adobe Clean"/>
                 <a:cs typeface="Adobe Clean"/>
               </a:rPr>
-              <a:t>Regional Hours Of Operation And Language Support</a:t>
+              <a:t>Regionale Betriebszeiten und Sprachunterstützung</a:t>
             </a:r>
           </a:p>
           <a:p>
@@ -11140,13 +9896,13 @@
               </a:spcBef>
             </a:pPr>
             <a:r>
-              <a:rPr lang="en-US" sz="1000" spc="-15" dirty="0">
+              <a:rPr lang="de-DE" sz="1000">
                 <a:solidFill>
                   <a:srgbClr val="1F1F1F"/>
                 </a:solidFill>
                 <a:latin typeface="AdobeClean-Light"/>
               </a:rPr>
-              <a:t>Adobe’s local business hours align to the customer’s billing region.</a:t>
+              <a:t>Die örtlichen Geschäftszeiten von Adobe richten sich nach der Region der Kundenabrechnung.</a:t>
             </a:r>
           </a:p>
         </p:txBody>
@@ -11219,16 +9975,16 @@
                     <a:p>
                       <a:pPr algn="ctr"/>
                       <a:r>
-                        <a:rPr lang="en-US" sz="1100" dirty="0">
+                        <a:rPr lang="de-DE" sz="1100">
                           <a:solidFill>
                             <a:schemeClr val="tx1"/>
                           </a:solidFill>
                           <a:latin typeface="Adobe Clean" panose="020B0503020404020204" pitchFamily="34" charset="0"/>
                         </a:rPr>
-                        <a:t>Americas </a:t>
+                        <a:t>Nord- und Südamerika </a:t>
                       </a:r>
                       <a:r>
-                        <a:rPr lang="en-US" sz="1100" baseline="30000" dirty="0">
+                        <a:rPr lang="de-DE" sz="1100" baseline="30000">
                           <a:solidFill>
                             <a:schemeClr val="tx1"/>
                           </a:solidFill>
@@ -11293,13 +10049,13 @@
                     <a:p>
                       <a:pPr algn="ctr"/>
                       <a:r>
-                        <a:rPr lang="en-US" sz="1100" dirty="0">
+                        <a:rPr lang="de-DE" sz="1100">
                           <a:solidFill>
                             <a:schemeClr val="tx1"/>
                           </a:solidFill>
                           <a:latin typeface="Adobe Clean" panose="020B0503020404020204" pitchFamily="34" charset="0"/>
                         </a:rPr>
-                        <a:t>Europe, Middle East &amp; Africa</a:t>
+                        <a:t>Europa, Naher Osten und Afrika</a:t>
                       </a:r>
                     </a:p>
                   </a:txBody>
@@ -11358,13 +10114,13 @@
                     <a:p>
                       <a:pPr algn="ctr"/>
                       <a:r>
-                        <a:rPr lang="en-US" sz="1100" dirty="0">
+                        <a:rPr lang="de-DE" sz="1100">
                           <a:solidFill>
                             <a:schemeClr val="tx1"/>
                           </a:solidFill>
                           <a:latin typeface="Adobe Clean" panose="020B0503020404020204" pitchFamily="34" charset="0"/>
                         </a:rPr>
-                        <a:t>Asia Pacific</a:t>
+                        <a:t>Asien-Pazifik</a:t>
                       </a:r>
                     </a:p>
                   </a:txBody>
@@ -11423,7 +10179,7 @@
                     <a:p>
                       <a:pPr algn="ctr"/>
                       <a:r>
-                        <a:rPr lang="en-US" sz="1100" dirty="0">
+                        <a:rPr lang="de-DE" sz="1100">
                           <a:solidFill>
                             <a:schemeClr val="tx1"/>
                           </a:solidFill>
@@ -11495,7 +10251,7 @@
                     <a:p>
                       <a:pPr algn="ctr"/>
                       <a:r>
-                        <a:rPr lang="en-US" sz="1100" dirty="0">
+                        <a:rPr lang="de-DE" sz="1100">
                           <a:solidFill>
                             <a:schemeClr val="tx1"/>
                           </a:solidFill>
@@ -11560,13 +10316,13 @@
                     <a:p>
                       <a:pPr algn="ctr"/>
                       <a:r>
-                        <a:rPr lang="en-US" sz="1100" dirty="0">
+                        <a:rPr lang="de-DE" sz="1100">
                           <a:solidFill>
                             <a:schemeClr val="tx1"/>
                           </a:solidFill>
                           <a:latin typeface="Adobe Clean" panose="020B0503020404020204" pitchFamily="34" charset="0"/>
                         </a:rPr>
-                        <a:t>9 am – 5 pm</a:t>
+                        <a:t>9:00–17:00 Uhr</a:t>
                       </a:r>
                     </a:p>
                   </a:txBody>
@@ -11625,13 +10381,13 @@
                     <a:p>
                       <a:pPr algn="ctr"/>
                       <a:r>
-                        <a:rPr lang="en-US" sz="1100" dirty="0">
+                        <a:rPr lang="de-DE" sz="1100">
                           <a:solidFill>
                             <a:schemeClr val="tx1"/>
                           </a:solidFill>
                           <a:latin typeface="Adobe Clean" panose="020B0503020404020204" pitchFamily="34" charset="0"/>
                         </a:rPr>
-                        <a:t>9 am – 5 pm</a:t>
+                        <a:t>9:00–17:00 Uhr</a:t>
                       </a:r>
                     </a:p>
                   </a:txBody>
@@ -11690,13 +10446,13 @@
                     <a:p>
                       <a:pPr algn="ctr"/>
                       <a:r>
-                        <a:rPr lang="en-US" sz="1100" dirty="0">
+                        <a:rPr lang="de-DE" sz="1100">
                           <a:solidFill>
                             <a:schemeClr val="tx1"/>
                           </a:solidFill>
                           <a:latin typeface="Adobe Clean" panose="020B0503020404020204" pitchFamily="34" charset="0"/>
                         </a:rPr>
-                        <a:t>9 am – 5:30 pm</a:t>
+                        <a:t>9:00–17:30 Uhr</a:t>
                       </a:r>
                     </a:p>
                   </a:txBody>
@@ -11760,7 +10516,7 @@
                     <a:bodyPr/>
                     <a:lstStyle/>
                     <a:p>
-                      <a:pPr marL="0" marR="0" lvl="0" indent="0" algn="ctr" defTabSz="914400" eaLnBrk="1" fontAlgn="auto" latinLnBrk="0" hangingPunct="1">
+                      <a:pPr marL="0" marR="0" lvl="0" indent="0" algn="l" defTabSz="914400" rtl="0" eaLnBrk="1" fontAlgn="auto" latinLnBrk="0" hangingPunct="1">
                         <a:lnSpc>
                           <a:spcPct val="100000"/>
                         </a:lnSpc>
@@ -11803,7 +10559,7 @@
                         <a:defRPr/>
                       </a:pPr>
                       <a:r>
-                        <a:rPr lang="en-US" sz="1100" baseline="30000" dirty="0">
+                        <a:rPr lang="de-DE" sz="1100" baseline="30000">
                           <a:solidFill>
                             <a:schemeClr val="tx1"/>
                           </a:solidFill>
@@ -11812,17 +10568,17 @@
                         <a:t>1</a:t>
                       </a:r>
                       <a:r>
-                        <a:rPr lang="en-US" sz="1100" dirty="0">
+                        <a:rPr lang="de-DE" sz="1100">
                           <a:solidFill>
                             <a:schemeClr val="tx1"/>
                           </a:solidFill>
                           <a:latin typeface="Adobe Clean" panose="020B0503020404020204" pitchFamily="34" charset="0"/>
                         </a:rPr>
-                        <a:t>Americas Language support available in English only.</a:t>
+                        <a:t>Für Nord- und Südamerika ist der Support nur auf Englisch verfügbar.</a:t>
                       </a:r>
                     </a:p>
                     <a:p>
-                      <a:pPr marL="0" marR="0" lvl="0" indent="0" algn="ctr" defTabSz="914400" eaLnBrk="1" fontAlgn="auto" latinLnBrk="0" hangingPunct="1">
+                      <a:pPr marL="0" marR="0" lvl="0" indent="0" algn="l" defTabSz="914400" rtl="0" eaLnBrk="1" fontAlgn="auto" latinLnBrk="0" hangingPunct="1">
                         <a:lnSpc>
                           <a:spcPct val="100000"/>
                         </a:lnSpc>
@@ -12165,7 +10921,7 @@
           <p:nvPr/>
         </p:nvPicPr>
         <p:blipFill>
-          <a:blip r:embed="rId7" cstate="print"/>
+          <a:blip r:embed="rId6" cstate="print"/>
           <a:stretch>
             <a:fillRect/>
           </a:stretch>
@@ -12194,8 +10950,8 @@
         </p:nvSpPr>
         <p:spPr>
           <a:xfrm>
-            <a:off x="2840871" y="8528519"/>
-            <a:ext cx="810895" cy="385445"/>
+            <a:off x="2667001" y="8528519"/>
+            <a:ext cx="1143000" cy="382797"/>
           </a:xfrm>
           <a:prstGeom prst="rect">
             <a:avLst/>
@@ -12216,129 +10972,15 @@
               </a:spcBef>
             </a:pPr>
             <a:r>
-              <a:rPr sz="1200" b="1" spc="-15" dirty="0">
+              <a:rPr lang="de-DE" sz="1200" b="1" dirty="0">
                 <a:solidFill>
                   <a:srgbClr val="FFFFFF"/>
                 </a:solidFill>
                 <a:latin typeface="Adobe Clean"/>
                 <a:cs typeface="Adobe Clean"/>
               </a:rPr>
-              <a:t>U</a:t>
+              <a:t>Unübertroffenes Know-how</a:t>
             </a:r>
-            <a:r>
-              <a:rPr sz="1200" b="1" spc="-20" dirty="0">
-                <a:solidFill>
-                  <a:srgbClr val="FFFFFF"/>
-                </a:solidFill>
-                <a:latin typeface="Adobe Clean"/>
-                <a:cs typeface="Adobe Clean"/>
-              </a:rPr>
-              <a:t>n</a:t>
-            </a:r>
-            <a:r>
-              <a:rPr sz="1200" b="1" spc="-25" dirty="0">
-                <a:solidFill>
-                  <a:srgbClr val="FFFFFF"/>
-                </a:solidFill>
-                <a:latin typeface="Adobe Clean"/>
-                <a:cs typeface="Adobe Clean"/>
-              </a:rPr>
-              <a:t>p</a:t>
-            </a:r>
-            <a:r>
-              <a:rPr sz="1200" b="1" spc="-15" dirty="0">
-                <a:solidFill>
-                  <a:srgbClr val="FFFFFF"/>
-                </a:solidFill>
-                <a:latin typeface="Adobe Clean"/>
-                <a:cs typeface="Adobe Clean"/>
-              </a:rPr>
-              <a:t>a</a:t>
-            </a:r>
-            <a:r>
-              <a:rPr sz="1200" b="1" spc="-25" dirty="0">
-                <a:solidFill>
-                  <a:srgbClr val="FFFFFF"/>
-                </a:solidFill>
-                <a:latin typeface="Adobe Clean"/>
-                <a:cs typeface="Adobe Clean"/>
-              </a:rPr>
-              <a:t>r</a:t>
-            </a:r>
-            <a:r>
-              <a:rPr sz="1200" b="1" spc="-15" dirty="0">
-                <a:solidFill>
-                  <a:srgbClr val="FFFFFF"/>
-                </a:solidFill>
-                <a:latin typeface="Adobe Clean"/>
-                <a:cs typeface="Adobe Clean"/>
-              </a:rPr>
-              <a:t>a</a:t>
-            </a:r>
-            <a:r>
-              <a:rPr sz="1200" b="1" spc="-30" dirty="0">
-                <a:solidFill>
-                  <a:srgbClr val="FFFFFF"/>
-                </a:solidFill>
-                <a:latin typeface="Adobe Clean"/>
-                <a:cs typeface="Adobe Clean"/>
-              </a:rPr>
-              <a:t>ll</a:t>
-            </a:r>
-            <a:r>
-              <a:rPr sz="1200" b="1" spc="-25" dirty="0">
-                <a:solidFill>
-                  <a:srgbClr val="FFFFFF"/>
-                </a:solidFill>
-                <a:latin typeface="Adobe Clean"/>
-                <a:cs typeface="Adobe Clean"/>
-              </a:rPr>
-              <a:t>e</a:t>
-            </a:r>
-            <a:r>
-              <a:rPr sz="1200" b="1" spc="-30" dirty="0">
-                <a:solidFill>
-                  <a:srgbClr val="FFFFFF"/>
-                </a:solidFill>
-                <a:latin typeface="Adobe Clean"/>
-                <a:cs typeface="Adobe Clean"/>
-              </a:rPr>
-              <a:t>l</a:t>
-            </a:r>
-            <a:r>
-              <a:rPr sz="1200" b="1" spc="-25" dirty="0">
-                <a:solidFill>
-                  <a:srgbClr val="FFFFFF"/>
-                </a:solidFill>
-                <a:latin typeface="Adobe Clean"/>
-                <a:cs typeface="Adobe Clean"/>
-              </a:rPr>
-              <a:t>e</a:t>
-            </a:r>
-            <a:r>
-              <a:rPr sz="1200" b="1" dirty="0">
-                <a:solidFill>
-                  <a:srgbClr val="FFFFFF"/>
-                </a:solidFill>
-                <a:latin typeface="Adobe Clean"/>
-                <a:cs typeface="Adobe Clean"/>
-              </a:rPr>
-              <a:t>d  </a:t>
-            </a:r>
-            <a:r>
-              <a:rPr sz="1200" b="1" spc="-25" dirty="0">
-                <a:solidFill>
-                  <a:srgbClr val="FFFFFF"/>
-                </a:solidFill>
-                <a:latin typeface="Adobe Clean"/>
-                <a:cs typeface="Adobe Clean"/>
-              </a:rPr>
-              <a:t>Expertise</a:t>
-            </a:r>
-            <a:endParaRPr sz="1200" dirty="0">
-              <a:latin typeface="Adobe Clean"/>
-              <a:cs typeface="Adobe Clean"/>
-            </a:endParaRPr>
           </a:p>
         </p:txBody>
       </p:sp>
@@ -12356,8 +10998,8 @@
         </p:nvSpPr>
         <p:spPr>
           <a:xfrm>
-            <a:off x="4732495" y="8541244"/>
-            <a:ext cx="810895" cy="382797"/>
+            <a:off x="4419600" y="8541244"/>
+            <a:ext cx="1219200" cy="203261"/>
           </a:xfrm>
           <a:prstGeom prst="rect">
             <a:avLst/>
@@ -12369,7 +11011,7 @@
           </a:bodyPr>
           <a:lstStyle/>
           <a:p>
-            <a:pPr marL="139065" marR="5080" indent="-139065">
+            <a:pPr marL="139065" marR="5080" indent="-139065" algn="ctr">
               <a:lnSpc>
                 <a:spcPts val="1390"/>
               </a:lnSpc>
@@ -12378,19 +11020,15 @@
               </a:spcBef>
             </a:pPr>
             <a:r>
-              <a:rPr lang="en-US" sz="1200" b="1" spc="-15" dirty="0">
+              <a:rPr lang="de-DE" sz="1200" b="1" dirty="0">
                 <a:solidFill>
                   <a:srgbClr val="FFFFFF"/>
                 </a:solidFill>
                 <a:latin typeface="Adobe Clean"/>
                 <a:cs typeface="Adobe Clean"/>
               </a:rPr>
-              <a:t>Accelerated Support</a:t>
+              <a:t>Schneller Support</a:t>
             </a:r>
-            <a:endParaRPr sz="1200" dirty="0">
-              <a:latin typeface="Adobe Clean"/>
-              <a:cs typeface="Adobe Clean"/>
-            </a:endParaRPr>
           </a:p>
         </p:txBody>
       </p:sp>
@@ -12408,8 +11046,8 @@
         </p:nvSpPr>
         <p:spPr>
           <a:xfrm>
-            <a:off x="6624119" y="8543943"/>
-            <a:ext cx="510540" cy="385445"/>
+            <a:off x="6429819" y="8542699"/>
+            <a:ext cx="886260" cy="385445"/>
           </a:xfrm>
           <a:prstGeom prst="rect">
             <a:avLst/>
@@ -12421,7 +11059,7 @@
           </a:bodyPr>
           <a:lstStyle/>
           <a:p>
-            <a:pPr marL="50800" marR="5080" indent="-51435">
+            <a:pPr marL="50800" marR="5080" indent="-51435" algn="ctr">
               <a:lnSpc>
                 <a:spcPts val="1390"/>
               </a:lnSpc>
@@ -12430,109 +11068,15 @@
               </a:spcBef>
             </a:pPr>
             <a:r>
-              <a:rPr sz="1200" b="1" spc="-50" dirty="0">
+              <a:rPr lang="de-DE" sz="1200" b="1" dirty="0">
                 <a:solidFill>
                   <a:srgbClr val="FFFFFF"/>
                 </a:solidFill>
                 <a:latin typeface="Adobe Clean"/>
                 <a:cs typeface="Adobe Clean"/>
               </a:rPr>
-              <a:t>S</a:t>
+              <a:t>Strategische Beratung</a:t>
             </a:r>
-            <a:r>
-              <a:rPr sz="1200" b="1" spc="-20" dirty="0">
-                <a:solidFill>
-                  <a:srgbClr val="FFFFFF"/>
-                </a:solidFill>
-                <a:latin typeface="Adobe Clean"/>
-                <a:cs typeface="Adobe Clean"/>
-              </a:rPr>
-              <a:t>t</a:t>
-            </a:r>
-            <a:r>
-              <a:rPr sz="1200" b="1" spc="-75" dirty="0">
-                <a:solidFill>
-                  <a:srgbClr val="FFFFFF"/>
-                </a:solidFill>
-                <a:latin typeface="Adobe Clean"/>
-                <a:cs typeface="Adobe Clean"/>
-              </a:rPr>
-              <a:t>r</a:t>
-            </a:r>
-            <a:r>
-              <a:rPr sz="1200" b="1" spc="-90" dirty="0">
-                <a:solidFill>
-                  <a:srgbClr val="FFFFFF"/>
-                </a:solidFill>
-                <a:latin typeface="Adobe Clean"/>
-                <a:cs typeface="Adobe Clean"/>
-              </a:rPr>
-              <a:t>a</a:t>
-            </a:r>
-            <a:r>
-              <a:rPr sz="1200" b="1" spc="-55" dirty="0">
-                <a:solidFill>
-                  <a:srgbClr val="FFFFFF"/>
-                </a:solidFill>
-                <a:latin typeface="Adobe Clean"/>
-                <a:cs typeface="Adobe Clean"/>
-              </a:rPr>
-              <a:t>t</a:t>
-            </a:r>
-            <a:r>
-              <a:rPr sz="1200" b="1" spc="-100" dirty="0">
-                <a:solidFill>
-                  <a:srgbClr val="FFFFFF"/>
-                </a:solidFill>
-                <a:latin typeface="Adobe Clean"/>
-                <a:cs typeface="Adobe Clean"/>
-              </a:rPr>
-              <a:t>e</a:t>
-            </a:r>
-            <a:r>
-              <a:rPr sz="1200" b="1" spc="-80" dirty="0">
-                <a:solidFill>
-                  <a:srgbClr val="FFFFFF"/>
-                </a:solidFill>
-                <a:latin typeface="Adobe Clean"/>
-                <a:cs typeface="Adobe Clean"/>
-              </a:rPr>
-              <a:t>g</a:t>
-            </a:r>
-            <a:r>
-              <a:rPr sz="1200" b="1" spc="-35" dirty="0">
-                <a:solidFill>
-                  <a:srgbClr val="FFFFFF"/>
-                </a:solidFill>
-                <a:latin typeface="Adobe Clean"/>
-                <a:cs typeface="Adobe Clean"/>
-              </a:rPr>
-              <a:t>i</a:t>
-            </a:r>
-            <a:r>
-              <a:rPr sz="1200" b="1" dirty="0">
-                <a:solidFill>
-                  <a:srgbClr val="FFFFFF"/>
-                </a:solidFill>
-                <a:latin typeface="Adobe Clean"/>
-                <a:cs typeface="Adobe Clean"/>
-              </a:rPr>
-              <a:t>c  </a:t>
-            </a:r>
-            <a:r>
-              <a:rPr sz="1200" b="1" spc="-45" dirty="0">
-                <a:solidFill>
-                  <a:srgbClr val="FFFFFF"/>
-                </a:solidFill>
-                <a:latin typeface="Adobe Clean"/>
-                <a:cs typeface="Adobe Clean"/>
-              </a:rPr>
-              <a:t>Advice</a:t>
-            </a:r>
-            <a:endParaRPr sz="1200" dirty="0">
-              <a:latin typeface="Adobe Clean"/>
-              <a:cs typeface="Adobe Clean"/>
-            </a:endParaRPr>
           </a:p>
         </p:txBody>
       </p:sp>
@@ -12551,13 +11095,13 @@
           <p:nvPr/>
         </p:nvPicPr>
         <p:blipFill>
-          <a:blip r:embed="rId8">
+          <a:blip r:embed="rId7">
             <a:extLst>
               <a:ext uri="{28A0092B-C50C-407E-A947-70E740481C1C}">
                 <a14:useLocalDpi xmlns:a14="http://schemas.microsoft.com/office/drawing/2010/main" val="0"/>
               </a:ext>
               <a:ext uri="{96DAC541-7B7A-43D3-8B79-37D633B846F1}">
-                <asvg:svgBlip xmlns:asvg="http://schemas.microsoft.com/office/drawing/2016/SVG/main" r:embed="rId9"/>
+                <asvg:svgBlip xmlns:asvg="http://schemas.microsoft.com/office/drawing/2016/SVG/main" r:embed="rId8"/>
               </a:ext>
             </a:extLst>
           </a:blip>
@@ -12590,13 +11134,13 @@
           <p:nvPr/>
         </p:nvPicPr>
         <p:blipFill>
-          <a:blip r:embed="rId10">
+          <a:blip r:embed="rId9">
             <a:extLst>
               <a:ext uri="{28A0092B-C50C-407E-A947-70E740481C1C}">
                 <a14:useLocalDpi xmlns:a14="http://schemas.microsoft.com/office/drawing/2010/main" val="0"/>
               </a:ext>
               <a:ext uri="{96DAC541-7B7A-43D3-8B79-37D633B846F1}">
-                <asvg:svgBlip xmlns:asvg="http://schemas.microsoft.com/office/drawing/2016/SVG/main" r:embed="rId11"/>
+                <asvg:svgBlip xmlns:asvg="http://schemas.microsoft.com/office/drawing/2016/SVG/main" r:embed="rId10"/>
               </a:ext>
             </a:extLst>
           </a:blip>
@@ -12629,13 +11173,13 @@
           <p:nvPr/>
         </p:nvPicPr>
         <p:blipFill>
-          <a:blip r:embed="rId12">
+          <a:blip r:embed="rId11">
             <a:extLst>
               <a:ext uri="{28A0092B-C50C-407E-A947-70E740481C1C}">
                 <a14:useLocalDpi xmlns:a14="http://schemas.microsoft.com/office/drawing/2010/main" val="0"/>
               </a:ext>
               <a:ext uri="{96DAC541-7B7A-43D3-8B79-37D633B846F1}">
-                <asvg:svgBlip xmlns:asvg="http://schemas.microsoft.com/office/drawing/2016/SVG/main" r:embed="rId13"/>
+                <asvg:svgBlip xmlns:asvg="http://schemas.microsoft.com/office/drawing/2016/SVG/main" r:embed="rId12"/>
               </a:ext>
             </a:extLst>
           </a:blip>
@@ -12675,7 +11219,7 @@
         </p:nvGraphicFramePr>
         <p:xfrm>
           <a:off x="194237" y="1272353"/>
-          <a:ext cx="7368291" cy="2473960"/>
+          <a:ext cx="7368291" cy="2804160"/>
         </p:xfrm>
         <a:graphic>
           <a:graphicData uri="http://schemas.openxmlformats.org/drawingml/2006/table">
@@ -12709,18 +11253,17 @@
                         <a:buNone/>
                       </a:pPr>
                       <a:r>
-                        <a:rPr lang="en-US" sz="1200" b="0" strike="noStrike" dirty="0">
+                        <a:rPr lang="de-DE" sz="1200" b="0" strike="noStrike">
                           <a:solidFill>
                             <a:srgbClr val="5F5F5F"/>
                           </a:solidFill>
                           <a:latin typeface="Adobe Clean"/>
                           <a:ea typeface="+mn-ea"/>
                           <a:cs typeface="+mn-cs"/>
-                          <a:hlinkClick r:id="rId14"/>
+                          <a:hlinkClick r:id="rId13"/>
                         </a:rPr>
-                        <a:t>Enterprise Learn &amp; Support</a:t>
+                        <a:t>Enterprise: Lernen und Support</a:t>
                       </a:r>
-                      <a:endParaRPr lang="en-US"/>
                     </a:p>
                   </a:txBody>
                   <a:tcPr marL="47625" marR="47625" marT="0" marB="0" anchor="ctr">
@@ -12792,7 +11335,7 @@
                         <a:buNone/>
                       </a:pPr>
                       <a:r>
-                        <a:rPr lang="en-US" sz="1000" b="0" strike="noStrike" kern="1200" dirty="0">
+                        <a:rPr lang="de-DE" sz="1000" b="0" strike="noStrike">
                           <a:solidFill>
                             <a:schemeClr val="tx1"/>
                           </a:solidFill>
@@ -12800,7 +11343,7 @@
                           <a:ea typeface="+mn-ea"/>
                           <a:cs typeface="+mn-cs"/>
                         </a:rPr>
-                        <a:t>Enterprise Learn &amp; Support is a place where Adobe customers can find self-help tutorials, product documentation, instructor-led training, community and support for select Adobe Creative Cloud and Document products.</a:t>
+                        <a:t>Enterprise: Lernen und Support ist ein Ort, an dem Adobe-Kunden Selbsthilfe-Tutorials, Produktdokumentation, von Kursleitern geführte Schulungen sowie eine Community und Support für ausgewählte Adobe Creative Cloud- und Document-Produkte finden.</a:t>
                       </a:r>
                     </a:p>
                   </a:txBody>
@@ -12882,15 +11425,14 @@
                         <a:defRPr/>
                       </a:pPr>
                       <a:r>
-                        <a:rPr lang="en-US" sz="1200" strike="noStrike" dirty="0">
+                        <a:rPr lang="de-DE" sz="1200" strike="noStrike">
                           <a:solidFill>
                             <a:srgbClr val="5F5F5F"/>
                           </a:solidFill>
-                          <a:effectLst/>
                           <a:latin typeface="Adobe Clean" panose="020B0503020404020204" pitchFamily="34" charset="0"/>
                           <a:ea typeface="+mn-ea"/>
                           <a:cs typeface="+mn-cs"/>
-                          <a:hlinkClick r:id="rId15">
+                          <a:hlinkClick r:id="rId14">
                             <a:extLst>
                               <a:ext uri="{A12FA001-AC4F-418D-AE19-62706E023703}">
                                 <ahyp:hlinkClr xmlns:ahyp="http://schemas.microsoft.com/office/drawing/2018/hyperlinkcolor" val="tx"/>
@@ -12900,15 +11442,6 @@
                         </a:rPr>
                         <a:t>Adobe Support Community </a:t>
                       </a:r>
-                      <a:endParaRPr lang="en-US" sz="1200" strike="noStrike" dirty="0">
-                        <a:solidFill>
-                          <a:srgbClr val="5F5F5F"/>
-                        </a:solidFill>
-                        <a:effectLst/>
-                        <a:latin typeface="Adobe Clean" panose="020B0503020404020204" pitchFamily="34" charset="0"/>
-                        <a:ea typeface="+mn-ea"/>
-                        <a:cs typeface="+mn-cs"/>
-                      </a:endParaRPr>
                     </a:p>
                   </a:txBody>
                   <a:tcPr anchor="ctr">
@@ -12982,7 +11515,7 @@
                         <a:defRPr/>
                       </a:pPr>
                       <a:r>
-                        <a:rPr lang="en-US" sz="1000" strike="noStrike" kern="1200" dirty="0">
+                        <a:rPr lang="de-DE" sz="1000" strike="noStrike">
                           <a:solidFill>
                             <a:schemeClr val="tx1"/>
                           </a:solidFill>
@@ -12990,19 +11523,8 @@
                           <a:ea typeface="+mn-ea"/>
                           <a:cs typeface="+mn-cs"/>
                         </a:rPr>
-                        <a:t>The Adobe Support Community is the place to ask questions, find answers, learn from experts and share your knowledge.</a:t>
+                        <a:t>In der Adobe Support Community können Sie Fragen stellen, Antworten finden, von Experten lernen und Erfahrungen austauschen.</a:t>
                       </a:r>
-                      <a:endParaRPr lang="en-US" sz="1000" strike="noStrike" kern="1200" dirty="0">
-                        <a:solidFill>
-                          <a:schemeClr val="tx1"/>
-                        </a:solidFill>
-                        <a:highlight>
-                          <a:srgbClr val="FFFF00"/>
-                        </a:highlight>
-                        <a:latin typeface="Adobe Clean Light" panose="020B0303020404020204" pitchFamily="34" charset="0"/>
-                        <a:ea typeface="+mn-ea"/>
-                        <a:cs typeface="+mn-cs"/>
-                      </a:endParaRPr>
                     </a:p>
                   </a:txBody>
                   <a:tcPr anchor="ctr">
@@ -13083,15 +11605,14 @@
                         <a:defRPr/>
                       </a:pPr>
                       <a:r>
-                        <a:rPr lang="en-US" sz="1200" dirty="0">
+                        <a:rPr lang="de-DE" sz="1200">
                           <a:solidFill>
                             <a:srgbClr val="5F5F5F"/>
                           </a:solidFill>
-                          <a:effectLst/>
                           <a:latin typeface="Adobe Clean" panose="020B0503020404020204" pitchFamily="34" charset="0"/>
                           <a:ea typeface="+mn-ea"/>
                           <a:cs typeface="+mn-cs"/>
-                          <a:hlinkClick r:id="rId16">
+                          <a:hlinkClick r:id="rId15">
                             <a:extLst>
                               <a:ext uri="{A12FA001-AC4F-418D-AE19-62706E023703}">
                                 <ahyp:hlinkClr xmlns:ahyp="http://schemas.microsoft.com/office/drawing/2018/hyperlinkcolor" val="tx"/>
@@ -13099,17 +11620,8 @@
                             </a:extLst>
                           </a:hlinkClick>
                         </a:rPr>
-                        <a:t>Production Issues &amp; System Outages</a:t>
+                        <a:t>Produktionsprobleme und Systemausfälle</a:t>
                       </a:r>
-                      <a:endParaRPr lang="en-US" sz="1200" dirty="0">
-                        <a:solidFill>
-                          <a:srgbClr val="5F5F5F"/>
-                        </a:solidFill>
-                        <a:effectLst/>
-                        <a:latin typeface="Adobe Clean" panose="020B0503020404020204" pitchFamily="34" charset="0"/>
-                        <a:ea typeface="+mn-ea"/>
-                        <a:cs typeface="+mn-cs"/>
-                      </a:endParaRPr>
                     </a:p>
                   </a:txBody>
                   <a:tcPr anchor="ctr">
@@ -13183,7 +11695,7 @@
                         <a:defRPr/>
                       </a:pPr>
                       <a:r>
-                        <a:rPr lang="en-US" sz="1000" kern="1200" dirty="0">
+                        <a:rPr lang="de-DE" sz="1000">
                           <a:solidFill>
                             <a:schemeClr val="tx1"/>
                           </a:solidFill>
@@ -13191,7 +11703,7 @@
                           <a:ea typeface="+mn-ea"/>
                           <a:cs typeface="+mn-cs"/>
                         </a:rPr>
-                        <a:t>Status.adobe.com conveys the health information of all Adobe products and services that are deployed in multi-tenant environments. Customers can choose their subscription preferences to get email notifications whenever Adobe creates, updates or resolves a product event. This can include scheduled maintenance or service issues of varying levels of severity. </a:t>
+                        <a:t>Status.adobe.com übermittelt die Statusinformationen sämtlicher Adobe-Produkte und -Services, die in Umgebungen mit mehreren Mandanten implementiert sind. Kunden können Voreinstellungen für ihr Abonnement auswählen und E-Mail-Benachrichtigungen erhalten, wenn Adobe ein Produktereignis erstellt, aktualisiert oder löst. Dies kann geplante Wartungen oder Service-Probleme unterschiedlichen Schweregrads umfassen. </a:t>
                       </a:r>
                     </a:p>
                   </a:txBody>
@@ -13273,15 +11785,14 @@
                         <a:defRPr/>
                       </a:pPr>
                       <a:r>
-                        <a:rPr lang="en-US" sz="1200" dirty="0">
+                        <a:rPr lang="de-DE" sz="1200">
                           <a:solidFill>
                             <a:srgbClr val="5F5F5F"/>
                           </a:solidFill>
-                          <a:effectLst/>
                           <a:latin typeface="Adobe Clean" panose="020B0503020404020204" pitchFamily="34" charset="0"/>
                           <a:ea typeface="+mn-ea"/>
                           <a:cs typeface="+mn-cs"/>
-                          <a:hlinkClick r:id="rId17">
+                          <a:hlinkClick r:id="rId16">
                             <a:extLst>
                               <a:ext uri="{A12FA001-AC4F-418D-AE19-62706E023703}">
                                 <ahyp:hlinkClr xmlns:ahyp="http://schemas.microsoft.com/office/drawing/2018/hyperlinkcolor" val="tx"/>
@@ -13289,17 +11800,8 @@
                             </a:extLst>
                           </a:hlinkClick>
                         </a:rPr>
-                        <a:t>Terms and Conditions</a:t>
+                        <a:t>Geschäftsbedingungen</a:t>
                       </a:r>
-                      <a:endParaRPr lang="en-US" sz="1200" dirty="0">
-                        <a:solidFill>
-                          <a:srgbClr val="5F5F5F"/>
-                        </a:solidFill>
-                        <a:effectLst/>
-                        <a:latin typeface="Adobe Clean" panose="020B0503020404020204" pitchFamily="34" charset="0"/>
-                        <a:ea typeface="+mn-ea"/>
-                        <a:cs typeface="+mn-cs"/>
-                      </a:endParaRPr>
                     </a:p>
                   </a:txBody>
                   <a:tcPr anchor="ctr">
@@ -13356,7 +11858,7 @@
                     <a:lstStyle/>
                     <a:p>
                       <a:r>
-                        <a:rPr lang="en-US" sz="1000" kern="1200" dirty="0">
+                        <a:rPr lang="de-DE" sz="1000">
                           <a:solidFill>
                             <a:schemeClr val="tx1"/>
                           </a:solidFill>
@@ -13364,7 +11866,7 @@
                           <a:ea typeface="+mn-ea"/>
                           <a:cs typeface="+mn-cs"/>
                         </a:rPr>
-                        <a:t>Terms and conditions detailing Support Services offerings.</a:t>
+                        <a:t>Allgemeine Geschäftsbedingungen mit detaillierten Informationen zu den angebotenen Support-Services.</a:t>
                       </a:r>
                     </a:p>
                   </a:txBody>
@@ -13440,8 +11942,8 @@
         </p:nvSpPr>
         <p:spPr>
           <a:xfrm flipV="1">
-            <a:off x="197403" y="859202"/>
-            <a:ext cx="777240" cy="45719"/>
+            <a:off x="197402" y="859201"/>
+            <a:ext cx="869397" cy="45719"/>
           </a:xfrm>
           <a:custGeom>
             <a:avLst/>
@@ -13484,11 +11986,6 @@
   <p:clrMapOvr>
     <a:masterClrMapping/>
   </p:clrMapOvr>
-  <p:extLst>
-    <p:ext uri="{6950BFC3-D8DA-4A85-94F7-54DA5524770B}">
-      <p188:commentRel xmlns:p188="http://schemas.microsoft.com/office/powerpoint/2018/8/main" r:id="rId3"/>
-    </p:ext>
-  </p:extLst>
 </p:sld>
 </file>
 
